--- a/files/ppt/tree_delete_examples.pptx
+++ b/files/ppt/tree_delete_examples.pptx
@@ -7,6 +7,7 @@
   <p:sldIdLst>
     <p:sldId id="256" r:id="rId2"/>
     <p:sldId id="257" r:id="rId3"/>
+    <p:sldId id="258" r:id="rId4"/>
   </p:sldIdLst>
   <p:sldSz cx="12192000" cy="6858000"/>
   <p:notesSz cx="6858000" cy="9144000"/>
@@ -105,6 +106,11 @@
       </a:defRPr>
     </a:lvl9pPr>
   </p:defaultTextStyle>
+  <p:extLst>
+    <p:ext uri="{EFAFB233-063F-42B5-8137-9DF3F51BA10A}">
+      <p15:sldGuideLst xmlns:p15="http://schemas.microsoft.com/office/powerpoint/2012/main"/>
+    </p:ext>
+  </p:extLst>
 </p:presentation>
 </file>
 
@@ -255,7 +261,7 @@
           <a:p>
             <a:fld id="{1BFC89F8-A85C-6F40-B286-0AD68FD6F5C9}" type="datetimeFigureOut">
               <a:rPr kumimoji="1" lang="zh-TW" altLang="en-US" smtClean="0"/>
-              <a:t>2025/5/23</a:t>
+              <a:t>2025/5/24</a:t>
             </a:fld>
             <a:endParaRPr kumimoji="1" lang="zh-TW" altLang="en-US"/>
           </a:p>
@@ -453,7 +459,7 @@
           <a:p>
             <a:fld id="{1BFC89F8-A85C-6F40-B286-0AD68FD6F5C9}" type="datetimeFigureOut">
               <a:rPr kumimoji="1" lang="zh-TW" altLang="en-US" smtClean="0"/>
-              <a:t>2025/5/23</a:t>
+              <a:t>2025/5/24</a:t>
             </a:fld>
             <a:endParaRPr kumimoji="1" lang="zh-TW" altLang="en-US"/>
           </a:p>
@@ -661,7 +667,7 @@
           <a:p>
             <a:fld id="{1BFC89F8-A85C-6F40-B286-0AD68FD6F5C9}" type="datetimeFigureOut">
               <a:rPr kumimoji="1" lang="zh-TW" altLang="en-US" smtClean="0"/>
-              <a:t>2025/5/23</a:t>
+              <a:t>2025/5/24</a:t>
             </a:fld>
             <a:endParaRPr kumimoji="1" lang="zh-TW" altLang="en-US"/>
           </a:p>
@@ -859,7 +865,7 @@
           <a:p>
             <a:fld id="{1BFC89F8-A85C-6F40-B286-0AD68FD6F5C9}" type="datetimeFigureOut">
               <a:rPr kumimoji="1" lang="zh-TW" altLang="en-US" smtClean="0"/>
-              <a:t>2025/5/23</a:t>
+              <a:t>2025/5/24</a:t>
             </a:fld>
             <a:endParaRPr kumimoji="1" lang="zh-TW" altLang="en-US"/>
           </a:p>
@@ -1134,7 +1140,7 @@
           <a:p>
             <a:fld id="{1BFC89F8-A85C-6F40-B286-0AD68FD6F5C9}" type="datetimeFigureOut">
               <a:rPr kumimoji="1" lang="zh-TW" altLang="en-US" smtClean="0"/>
-              <a:t>2025/5/23</a:t>
+              <a:t>2025/5/24</a:t>
             </a:fld>
             <a:endParaRPr kumimoji="1" lang="zh-TW" altLang="en-US"/>
           </a:p>
@@ -1399,7 +1405,7 @@
           <a:p>
             <a:fld id="{1BFC89F8-A85C-6F40-B286-0AD68FD6F5C9}" type="datetimeFigureOut">
               <a:rPr kumimoji="1" lang="zh-TW" altLang="en-US" smtClean="0"/>
-              <a:t>2025/5/23</a:t>
+              <a:t>2025/5/24</a:t>
             </a:fld>
             <a:endParaRPr kumimoji="1" lang="zh-TW" altLang="en-US"/>
           </a:p>
@@ -1811,7 +1817,7 @@
           <a:p>
             <a:fld id="{1BFC89F8-A85C-6F40-B286-0AD68FD6F5C9}" type="datetimeFigureOut">
               <a:rPr kumimoji="1" lang="zh-TW" altLang="en-US" smtClean="0"/>
-              <a:t>2025/5/23</a:t>
+              <a:t>2025/5/24</a:t>
             </a:fld>
             <a:endParaRPr kumimoji="1" lang="zh-TW" altLang="en-US"/>
           </a:p>
@@ -1952,7 +1958,7 @@
           <a:p>
             <a:fld id="{1BFC89F8-A85C-6F40-B286-0AD68FD6F5C9}" type="datetimeFigureOut">
               <a:rPr kumimoji="1" lang="zh-TW" altLang="en-US" smtClean="0"/>
-              <a:t>2025/5/23</a:t>
+              <a:t>2025/5/24</a:t>
             </a:fld>
             <a:endParaRPr kumimoji="1" lang="zh-TW" altLang="en-US"/>
           </a:p>
@@ -2065,7 +2071,7 @@
           <a:p>
             <a:fld id="{1BFC89F8-A85C-6F40-B286-0AD68FD6F5C9}" type="datetimeFigureOut">
               <a:rPr kumimoji="1" lang="zh-TW" altLang="en-US" smtClean="0"/>
-              <a:t>2025/5/23</a:t>
+              <a:t>2025/5/24</a:t>
             </a:fld>
             <a:endParaRPr kumimoji="1" lang="zh-TW" altLang="en-US"/>
           </a:p>
@@ -2376,7 +2382,7 @@
           <a:p>
             <a:fld id="{1BFC89F8-A85C-6F40-B286-0AD68FD6F5C9}" type="datetimeFigureOut">
               <a:rPr kumimoji="1" lang="zh-TW" altLang="en-US" smtClean="0"/>
-              <a:t>2025/5/23</a:t>
+              <a:t>2025/5/24</a:t>
             </a:fld>
             <a:endParaRPr kumimoji="1" lang="zh-TW" altLang="en-US"/>
           </a:p>
@@ -2664,7 +2670,7 @@
           <a:p>
             <a:fld id="{1BFC89F8-A85C-6F40-B286-0AD68FD6F5C9}" type="datetimeFigureOut">
               <a:rPr kumimoji="1" lang="zh-TW" altLang="en-US" smtClean="0"/>
-              <a:t>2025/5/23</a:t>
+              <a:t>2025/5/24</a:t>
             </a:fld>
             <a:endParaRPr kumimoji="1" lang="zh-TW" altLang="en-US"/>
           </a:p>
@@ -2905,7 +2911,7 @@
           <a:p>
             <a:fld id="{1BFC89F8-A85C-6F40-B286-0AD68FD6F5C9}" type="datetimeFigureOut">
               <a:rPr kumimoji="1" lang="zh-TW" altLang="en-US" smtClean="0"/>
-              <a:t>2025/5/23</a:t>
+              <a:t>2025/5/24</a:t>
             </a:fld>
             <a:endParaRPr kumimoji="1" lang="zh-TW" altLang="en-US"/>
           </a:p>
@@ -7661,8 +7667,8 @@
         </p:nvSpPr>
         <p:spPr>
           <a:xfrm>
-            <a:off x="1421695" y="680172"/>
-            <a:ext cx="872355" cy="369332"/>
+            <a:off x="5107825" y="679235"/>
+            <a:ext cx="2302233" cy="369332"/>
           </a:xfrm>
           <a:prstGeom prst="rect">
             <a:avLst/>
@@ -7677,7 +7683,7 @@
           <a:p>
             <a:r>
               <a:rPr kumimoji="1" lang="en-US" altLang="zh-TW" u="sng" dirty="0"/>
-              <a:t>Case 3</a:t>
+              <a:t>Case 3 (A): m is a leaf</a:t>
             </a:r>
             <a:endParaRPr kumimoji="1" lang="zh-TW" altLang="en-US" u="sng" dirty="0"/>
           </a:p>
@@ -7756,1017 +7762,6 @@
       </p:sp>
       <p:grpSp>
         <p:nvGrpSpPr>
-          <p:cNvPr id="94" name="群組 93">
-            <a:extLst>
-              <a:ext uri="{FF2B5EF4-FFF2-40B4-BE49-F238E27FC236}">
-                <a16:creationId xmlns:a16="http://schemas.microsoft.com/office/drawing/2014/main" id="{70A352AB-892B-6B6B-ACB5-7833F65EA3A7}"/>
-              </a:ext>
-            </a:extLst>
-          </p:cNvPr>
-          <p:cNvGrpSpPr/>
-          <p:nvPr/>
-        </p:nvGrpSpPr>
-        <p:grpSpPr>
-          <a:xfrm>
-            <a:off x="5835738" y="1234690"/>
-            <a:ext cx="2348986" cy="4422621"/>
-            <a:chOff x="435880" y="1402511"/>
-            <a:chExt cx="2348986" cy="4422621"/>
-          </a:xfrm>
-        </p:grpSpPr>
-        <p:sp>
-          <p:nvSpPr>
-            <p:cNvPr id="45" name="橢圓 44">
-              <a:extLst>
-                <a:ext uri="{FF2B5EF4-FFF2-40B4-BE49-F238E27FC236}">
-                  <a16:creationId xmlns:a16="http://schemas.microsoft.com/office/drawing/2014/main" id="{7F5E7AA9-D4C2-B5E9-EA95-A1615FC8AE53}"/>
-                </a:ext>
-              </a:extLst>
-            </p:cNvPr>
-            <p:cNvSpPr/>
-            <p:nvPr/>
-          </p:nvSpPr>
-          <p:spPr>
-            <a:xfrm>
-              <a:off x="1201915" y="2705458"/>
-              <a:ext cx="540000" cy="540000"/>
-            </a:xfrm>
-            <a:prstGeom prst="ellipse">
-              <a:avLst/>
-            </a:prstGeom>
-            <a:noFill/>
-            <a:ln>
-              <a:solidFill>
-                <a:schemeClr val="bg1">
-                  <a:lumMod val="75000"/>
-                </a:schemeClr>
-              </a:solidFill>
-            </a:ln>
-          </p:spPr>
-          <p:style>
-            <a:lnRef idx="2">
-              <a:schemeClr val="accent1">
-                <a:shade val="15000"/>
-              </a:schemeClr>
-            </a:lnRef>
-            <a:fillRef idx="1">
-              <a:schemeClr val="accent1"/>
-            </a:fillRef>
-            <a:effectRef idx="0">
-              <a:schemeClr val="accent1"/>
-            </a:effectRef>
-            <a:fontRef idx="minor">
-              <a:schemeClr val="lt1"/>
-            </a:fontRef>
-          </p:style>
-          <p:txBody>
-            <a:bodyPr rtlCol="0" anchor="ctr"/>
-            <a:lstStyle/>
-            <a:p>
-              <a:pPr algn="ctr"/>
-              <a:r>
-                <a:rPr kumimoji="1" lang="en-US" altLang="zh-TW" sz="1200" dirty="0">
-                  <a:solidFill>
-                    <a:schemeClr val="tx1"/>
-                  </a:solidFill>
-                  <a:latin typeface="Microsoft JhengHei UI" panose="020B0604030504040204" pitchFamily="34" charset="-120"/>
-                  <a:ea typeface="Microsoft JhengHei UI" panose="020B0604030504040204" pitchFamily="34" charset="-120"/>
-                </a:rPr>
-                <a:t>n</a:t>
-              </a:r>
-              <a:endParaRPr kumimoji="1" lang="zh-TW" altLang="en-US" sz="1200" dirty="0">
-                <a:solidFill>
-                  <a:schemeClr val="tx1"/>
-                </a:solidFill>
-                <a:latin typeface="Microsoft JhengHei UI" panose="020B0604030504040204" pitchFamily="34" charset="-120"/>
-                <a:ea typeface="Microsoft JhengHei UI" panose="020B0604030504040204" pitchFamily="34" charset="-120"/>
-              </a:endParaRPr>
-            </a:p>
-          </p:txBody>
-        </p:sp>
-        <p:sp>
-          <p:nvSpPr>
-            <p:cNvPr id="46" name="橢圓 45">
-              <a:extLst>
-                <a:ext uri="{FF2B5EF4-FFF2-40B4-BE49-F238E27FC236}">
-                  <a16:creationId xmlns:a16="http://schemas.microsoft.com/office/drawing/2014/main" id="{958AEE9A-BAF0-87DF-3809-B0ADE727A458}"/>
-                </a:ext>
-              </a:extLst>
-            </p:cNvPr>
-            <p:cNvSpPr/>
-            <p:nvPr/>
-          </p:nvSpPr>
-          <p:spPr>
-            <a:xfrm>
-              <a:off x="1486839" y="1943458"/>
-              <a:ext cx="540000" cy="540000"/>
-            </a:xfrm>
-            <a:prstGeom prst="ellipse">
-              <a:avLst/>
-            </a:prstGeom>
-            <a:noFill/>
-            <a:ln>
-              <a:solidFill>
-                <a:schemeClr val="bg1">
-                  <a:lumMod val="75000"/>
-                </a:schemeClr>
-              </a:solidFill>
-            </a:ln>
-          </p:spPr>
-          <p:style>
-            <a:lnRef idx="2">
-              <a:schemeClr val="accent1">
-                <a:shade val="15000"/>
-              </a:schemeClr>
-            </a:lnRef>
-            <a:fillRef idx="1">
-              <a:schemeClr val="accent1"/>
-            </a:fillRef>
-            <a:effectRef idx="0">
-              <a:schemeClr val="accent1"/>
-            </a:effectRef>
-            <a:fontRef idx="minor">
-              <a:schemeClr val="lt1"/>
-            </a:fontRef>
-          </p:style>
-          <p:txBody>
-            <a:bodyPr rtlCol="0" anchor="ctr"/>
-            <a:lstStyle/>
-            <a:p>
-              <a:pPr algn="ctr"/>
-              <a:r>
-                <a:rPr kumimoji="1" lang="en-US" altLang="zh-TW" sz="1200" dirty="0">
-                  <a:solidFill>
-                    <a:schemeClr val="tx1"/>
-                  </a:solidFill>
-                  <a:latin typeface="Microsoft JhengHei UI" panose="020B0604030504040204" pitchFamily="34" charset="-120"/>
-                  <a:ea typeface="Microsoft JhengHei UI" panose="020B0604030504040204" pitchFamily="34" charset="-120"/>
-                </a:rPr>
-                <a:t>p</a:t>
-              </a:r>
-              <a:endParaRPr kumimoji="1" lang="zh-TW" altLang="en-US" sz="1200" dirty="0">
-                <a:solidFill>
-                  <a:schemeClr val="tx1"/>
-                </a:solidFill>
-                <a:latin typeface="Microsoft JhengHei UI" panose="020B0604030504040204" pitchFamily="34" charset="-120"/>
-                <a:ea typeface="Microsoft JhengHei UI" panose="020B0604030504040204" pitchFamily="34" charset="-120"/>
-              </a:endParaRPr>
-            </a:p>
-          </p:txBody>
-        </p:sp>
-        <p:sp>
-          <p:nvSpPr>
-            <p:cNvPr id="47" name="橢圓 46">
-              <a:extLst>
-                <a:ext uri="{FF2B5EF4-FFF2-40B4-BE49-F238E27FC236}">
-                  <a16:creationId xmlns:a16="http://schemas.microsoft.com/office/drawing/2014/main" id="{8AA897B4-6F15-6F7E-6465-AE2188B0FD5D}"/>
-                </a:ext>
-              </a:extLst>
-            </p:cNvPr>
-            <p:cNvSpPr/>
-            <p:nvPr/>
-          </p:nvSpPr>
-          <p:spPr>
-            <a:xfrm>
-              <a:off x="1904280" y="2639198"/>
-              <a:ext cx="540000" cy="540000"/>
-            </a:xfrm>
-            <a:prstGeom prst="ellipse">
-              <a:avLst/>
-            </a:prstGeom>
-            <a:noFill/>
-            <a:ln>
-              <a:solidFill>
-                <a:schemeClr val="bg1">
-                  <a:lumMod val="75000"/>
-                </a:schemeClr>
-              </a:solidFill>
-            </a:ln>
-          </p:spPr>
-          <p:style>
-            <a:lnRef idx="2">
-              <a:schemeClr val="accent1">
-                <a:shade val="15000"/>
-              </a:schemeClr>
-            </a:lnRef>
-            <a:fillRef idx="1">
-              <a:schemeClr val="accent1"/>
-            </a:fillRef>
-            <a:effectRef idx="0">
-              <a:schemeClr val="accent1"/>
-            </a:effectRef>
-            <a:fontRef idx="minor">
-              <a:schemeClr val="lt1"/>
-            </a:fontRef>
-          </p:style>
-          <p:txBody>
-            <a:bodyPr rtlCol="0" anchor="ctr"/>
-            <a:lstStyle/>
-            <a:p>
-              <a:pPr algn="ctr"/>
-              <a:endParaRPr kumimoji="1" lang="zh-TW" altLang="en-US" sz="1200" dirty="0">
-                <a:solidFill>
-                  <a:schemeClr val="tx1"/>
-                </a:solidFill>
-                <a:latin typeface="Microsoft JhengHei UI" panose="020B0604030504040204" pitchFamily="34" charset="-120"/>
-                <a:ea typeface="Microsoft JhengHei UI" panose="020B0604030504040204" pitchFamily="34" charset="-120"/>
-              </a:endParaRPr>
-            </a:p>
-          </p:txBody>
-        </p:sp>
-        <p:sp>
-          <p:nvSpPr>
-            <p:cNvPr id="48" name="橢圓 47">
-              <a:extLst>
-                <a:ext uri="{FF2B5EF4-FFF2-40B4-BE49-F238E27FC236}">
-                  <a16:creationId xmlns:a16="http://schemas.microsoft.com/office/drawing/2014/main" id="{6834F4EB-2B20-9529-98F6-44ABCA17CB4D}"/>
-                </a:ext>
-              </a:extLst>
-            </p:cNvPr>
-            <p:cNvSpPr/>
-            <p:nvPr/>
-          </p:nvSpPr>
-          <p:spPr>
-            <a:xfrm>
-              <a:off x="830852" y="3467459"/>
-              <a:ext cx="540000" cy="540000"/>
-            </a:xfrm>
-            <a:prstGeom prst="ellipse">
-              <a:avLst/>
-            </a:prstGeom>
-            <a:noFill/>
-            <a:ln>
-              <a:solidFill>
-                <a:schemeClr val="tx1"/>
-              </a:solidFill>
-            </a:ln>
-          </p:spPr>
-          <p:style>
-            <a:lnRef idx="2">
-              <a:schemeClr val="accent1">
-                <a:shade val="15000"/>
-              </a:schemeClr>
-            </a:lnRef>
-            <a:fillRef idx="1">
-              <a:schemeClr val="accent1"/>
-            </a:fillRef>
-            <a:effectRef idx="0">
-              <a:schemeClr val="accent1"/>
-            </a:effectRef>
-            <a:fontRef idx="minor">
-              <a:schemeClr val="lt1"/>
-            </a:fontRef>
-          </p:style>
-          <p:txBody>
-            <a:bodyPr rtlCol="0" anchor="ctr"/>
-            <a:lstStyle/>
-            <a:p>
-              <a:pPr algn="ctr"/>
-              <a:r>
-                <a:rPr kumimoji="1" lang="en-US" altLang="zh-TW" sz="1200" dirty="0" err="1">
-                  <a:solidFill>
-                    <a:schemeClr val="tx1"/>
-                  </a:solidFill>
-                  <a:latin typeface="Microsoft JhengHei UI" panose="020B0604030504040204" pitchFamily="34" charset="-120"/>
-                  <a:ea typeface="Microsoft JhengHei UI" panose="020B0604030504040204" pitchFamily="34" charset="-120"/>
-                </a:rPr>
-                <a:t>m.p</a:t>
-              </a:r>
-              <a:endParaRPr kumimoji="1" lang="zh-TW" altLang="en-US" sz="1200" dirty="0">
-                <a:solidFill>
-                  <a:schemeClr val="tx1"/>
-                </a:solidFill>
-                <a:latin typeface="Microsoft JhengHei UI" panose="020B0604030504040204" pitchFamily="34" charset="-120"/>
-                <a:ea typeface="Microsoft JhengHei UI" panose="020B0604030504040204" pitchFamily="34" charset="-120"/>
-              </a:endParaRPr>
-            </a:p>
-          </p:txBody>
-        </p:sp>
-        <p:cxnSp>
-          <p:nvCxnSpPr>
-            <p:cNvPr id="49" name="直線接點 48">
-              <a:extLst>
-                <a:ext uri="{FF2B5EF4-FFF2-40B4-BE49-F238E27FC236}">
-                  <a16:creationId xmlns:a16="http://schemas.microsoft.com/office/drawing/2014/main" id="{8FB722DD-EBDE-A059-B126-3B1DBDA9D4CF}"/>
-                </a:ext>
-              </a:extLst>
-            </p:cNvPr>
-            <p:cNvCxnSpPr>
-              <a:cxnSpLocks/>
-              <a:stCxn id="46" idx="4"/>
-              <a:endCxn id="45" idx="0"/>
-            </p:cNvCxnSpPr>
-            <p:nvPr/>
-          </p:nvCxnSpPr>
-          <p:spPr>
-            <a:xfrm flipH="1">
-              <a:off x="1471915" y="2483458"/>
-              <a:ext cx="284924" cy="222000"/>
-            </a:xfrm>
-            <a:prstGeom prst="line">
-              <a:avLst/>
-            </a:prstGeom>
-            <a:ln>
-              <a:solidFill>
-                <a:schemeClr val="bg1">
-                  <a:lumMod val="75000"/>
-                </a:schemeClr>
-              </a:solidFill>
-            </a:ln>
-          </p:spPr>
-          <p:style>
-            <a:lnRef idx="2">
-              <a:schemeClr val="accent1"/>
-            </a:lnRef>
-            <a:fillRef idx="0">
-              <a:schemeClr val="accent1"/>
-            </a:fillRef>
-            <a:effectRef idx="1">
-              <a:schemeClr val="accent1"/>
-            </a:effectRef>
-            <a:fontRef idx="minor">
-              <a:schemeClr val="tx1"/>
-            </a:fontRef>
-          </p:style>
-        </p:cxnSp>
-        <p:cxnSp>
-          <p:nvCxnSpPr>
-            <p:cNvPr id="50" name="直線接點 49">
-              <a:extLst>
-                <a:ext uri="{FF2B5EF4-FFF2-40B4-BE49-F238E27FC236}">
-                  <a16:creationId xmlns:a16="http://schemas.microsoft.com/office/drawing/2014/main" id="{002715E0-24C0-EC9B-1443-0D368EAC973A}"/>
-                </a:ext>
-              </a:extLst>
-            </p:cNvPr>
-            <p:cNvCxnSpPr>
-              <a:cxnSpLocks/>
-              <a:stCxn id="46" idx="4"/>
-              <a:endCxn id="47" idx="0"/>
-            </p:cNvCxnSpPr>
-            <p:nvPr/>
-          </p:nvCxnSpPr>
-          <p:spPr>
-            <a:xfrm>
-              <a:off x="1756839" y="2483458"/>
-              <a:ext cx="417441" cy="155740"/>
-            </a:xfrm>
-            <a:prstGeom prst="line">
-              <a:avLst/>
-            </a:prstGeom>
-            <a:ln>
-              <a:solidFill>
-                <a:schemeClr val="bg1">
-                  <a:lumMod val="75000"/>
-                </a:schemeClr>
-              </a:solidFill>
-            </a:ln>
-          </p:spPr>
-          <p:style>
-            <a:lnRef idx="2">
-              <a:schemeClr val="accent1"/>
-            </a:lnRef>
-            <a:fillRef idx="0">
-              <a:schemeClr val="accent1"/>
-            </a:fillRef>
-            <a:effectRef idx="1">
-              <a:schemeClr val="accent1"/>
-            </a:effectRef>
-            <a:fontRef idx="minor">
-              <a:schemeClr val="tx1"/>
-            </a:fontRef>
-          </p:style>
-        </p:cxnSp>
-        <p:cxnSp>
-          <p:nvCxnSpPr>
-            <p:cNvPr id="51" name="直線接點 50">
-              <a:extLst>
-                <a:ext uri="{FF2B5EF4-FFF2-40B4-BE49-F238E27FC236}">
-                  <a16:creationId xmlns:a16="http://schemas.microsoft.com/office/drawing/2014/main" id="{37902FCE-FF75-EC40-64AC-D341D0B6FAB1}"/>
-                </a:ext>
-              </a:extLst>
-            </p:cNvPr>
-            <p:cNvCxnSpPr>
-              <a:cxnSpLocks/>
-              <a:stCxn id="45" idx="4"/>
-              <a:endCxn id="48" idx="0"/>
-            </p:cNvCxnSpPr>
-            <p:nvPr/>
-          </p:nvCxnSpPr>
-          <p:spPr>
-            <a:xfrm flipH="1">
-              <a:off x="1100852" y="3245458"/>
-              <a:ext cx="371063" cy="222001"/>
-            </a:xfrm>
-            <a:prstGeom prst="line">
-              <a:avLst/>
-            </a:prstGeom>
-            <a:ln>
-              <a:solidFill>
-                <a:schemeClr val="bg1">
-                  <a:lumMod val="75000"/>
-                </a:schemeClr>
-              </a:solidFill>
-            </a:ln>
-          </p:spPr>
-          <p:style>
-            <a:lnRef idx="2">
-              <a:schemeClr val="accent1"/>
-            </a:lnRef>
-            <a:fillRef idx="0">
-              <a:schemeClr val="accent1"/>
-            </a:fillRef>
-            <a:effectRef idx="1">
-              <a:schemeClr val="accent1"/>
-            </a:effectRef>
-            <a:fontRef idx="minor">
-              <a:schemeClr val="tx1"/>
-            </a:fontRef>
-          </p:style>
-        </p:cxnSp>
-        <p:sp>
-          <p:nvSpPr>
-            <p:cNvPr id="53" name="文字方塊 52">
-              <a:extLst>
-                <a:ext uri="{FF2B5EF4-FFF2-40B4-BE49-F238E27FC236}">
-                  <a16:creationId xmlns:a16="http://schemas.microsoft.com/office/drawing/2014/main" id="{165A6AA9-BC3C-F6B7-2049-AF5376A78BA4}"/>
-                </a:ext>
-              </a:extLst>
-            </p:cNvPr>
-            <p:cNvSpPr txBox="1"/>
-            <p:nvPr/>
-          </p:nvSpPr>
-          <p:spPr>
-            <a:xfrm>
-              <a:off x="643740" y="1402511"/>
-              <a:ext cx="1929233" cy="461665"/>
-            </a:xfrm>
-            <a:prstGeom prst="rect">
-              <a:avLst/>
-            </a:prstGeom>
-            <a:noFill/>
-          </p:spPr>
-          <p:txBody>
-            <a:bodyPr wrap="square" rtlCol="0">
-              <a:spAutoFit/>
-            </a:bodyPr>
-            <a:lstStyle/>
-            <a:p>
-              <a:r>
-                <a:rPr kumimoji="1" lang="en-US" altLang="zh-TW" sz="1200" dirty="0">
-                  <a:latin typeface="Microsoft JhengHei UI" panose="020B0604030504040204" pitchFamily="34" charset="-120"/>
-                  <a:ea typeface="Microsoft JhengHei UI" panose="020B0604030504040204" pitchFamily="34" charset="-120"/>
-                </a:rPr>
-                <a:t>Delete node having two child &amp; m is not leaf</a:t>
-              </a:r>
-              <a:endParaRPr kumimoji="1" lang="zh-TW" altLang="en-US" sz="1200" dirty="0">
-                <a:latin typeface="Microsoft JhengHei UI" panose="020B0604030504040204" pitchFamily="34" charset="-120"/>
-                <a:ea typeface="Microsoft JhengHei UI" panose="020B0604030504040204" pitchFamily="34" charset="-120"/>
-              </a:endParaRPr>
-            </a:p>
-          </p:txBody>
-        </p:sp>
-        <p:sp>
-          <p:nvSpPr>
-            <p:cNvPr id="64" name="橢圓 63">
-              <a:extLst>
-                <a:ext uri="{FF2B5EF4-FFF2-40B4-BE49-F238E27FC236}">
-                  <a16:creationId xmlns:a16="http://schemas.microsoft.com/office/drawing/2014/main" id="{7620D0DA-67E8-769D-6019-C41B259EDCF9}"/>
-                </a:ext>
-              </a:extLst>
-            </p:cNvPr>
-            <p:cNvSpPr/>
-            <p:nvPr/>
-          </p:nvSpPr>
-          <p:spPr>
-            <a:xfrm>
-              <a:off x="1777604" y="3510712"/>
-              <a:ext cx="540000" cy="540000"/>
-            </a:xfrm>
-            <a:prstGeom prst="ellipse">
-              <a:avLst/>
-            </a:prstGeom>
-            <a:noFill/>
-            <a:ln>
-              <a:solidFill>
-                <a:schemeClr val="bg1">
-                  <a:lumMod val="75000"/>
-                </a:schemeClr>
-              </a:solidFill>
-            </a:ln>
-          </p:spPr>
-          <p:style>
-            <a:lnRef idx="2">
-              <a:schemeClr val="accent1">
-                <a:shade val="15000"/>
-              </a:schemeClr>
-            </a:lnRef>
-            <a:fillRef idx="1">
-              <a:schemeClr val="accent1"/>
-            </a:fillRef>
-            <a:effectRef idx="0">
-              <a:schemeClr val="accent1"/>
-            </a:effectRef>
-            <a:fontRef idx="minor">
-              <a:schemeClr val="lt1"/>
-            </a:fontRef>
-          </p:style>
-          <p:txBody>
-            <a:bodyPr rtlCol="0" anchor="ctr"/>
-            <a:lstStyle/>
-            <a:p>
-              <a:pPr algn="ctr"/>
-              <a:endParaRPr kumimoji="1" lang="zh-TW" altLang="en-US" sz="1200" dirty="0">
-                <a:solidFill>
-                  <a:schemeClr val="tx1"/>
-                </a:solidFill>
-                <a:latin typeface="Microsoft JhengHei UI" panose="020B0604030504040204" pitchFamily="34" charset="-120"/>
-                <a:ea typeface="Microsoft JhengHei UI" panose="020B0604030504040204" pitchFamily="34" charset="-120"/>
-              </a:endParaRPr>
-            </a:p>
-          </p:txBody>
-        </p:sp>
-        <p:cxnSp>
-          <p:nvCxnSpPr>
-            <p:cNvPr id="65" name="直線接點 64">
-              <a:extLst>
-                <a:ext uri="{FF2B5EF4-FFF2-40B4-BE49-F238E27FC236}">
-                  <a16:creationId xmlns:a16="http://schemas.microsoft.com/office/drawing/2014/main" id="{E942F7EF-6E94-2E61-38EE-79A39BD19416}"/>
-                </a:ext>
-              </a:extLst>
-            </p:cNvPr>
-            <p:cNvCxnSpPr>
-              <a:cxnSpLocks/>
-              <a:stCxn id="45" idx="4"/>
-              <a:endCxn id="64" idx="0"/>
-            </p:cNvCxnSpPr>
-            <p:nvPr/>
-          </p:nvCxnSpPr>
-          <p:spPr>
-            <a:xfrm>
-              <a:off x="1471915" y="3245458"/>
-              <a:ext cx="575689" cy="265254"/>
-            </a:xfrm>
-            <a:prstGeom prst="line">
-              <a:avLst/>
-            </a:prstGeom>
-            <a:ln>
-              <a:solidFill>
-                <a:schemeClr val="bg1">
-                  <a:lumMod val="75000"/>
-                </a:schemeClr>
-              </a:solidFill>
-            </a:ln>
-          </p:spPr>
-          <p:style>
-            <a:lnRef idx="2">
-              <a:schemeClr val="accent1"/>
-            </a:lnRef>
-            <a:fillRef idx="0">
-              <a:schemeClr val="accent1"/>
-            </a:fillRef>
-            <a:effectRef idx="1">
-              <a:schemeClr val="accent1"/>
-            </a:effectRef>
-            <a:fontRef idx="minor">
-              <a:schemeClr val="tx1"/>
-            </a:fontRef>
-          </p:style>
-        </p:cxnSp>
-        <p:sp>
-          <p:nvSpPr>
-            <p:cNvPr id="3" name="橢圓 2">
-              <a:extLst>
-                <a:ext uri="{FF2B5EF4-FFF2-40B4-BE49-F238E27FC236}">
-                  <a16:creationId xmlns:a16="http://schemas.microsoft.com/office/drawing/2014/main" id="{50AEFBE7-9A3F-E11B-8C28-7FBACA26E773}"/>
-                </a:ext>
-              </a:extLst>
-            </p:cNvPr>
-            <p:cNvSpPr/>
-            <p:nvPr/>
-          </p:nvSpPr>
-          <p:spPr>
-            <a:xfrm>
-              <a:off x="1247575" y="4397922"/>
-              <a:ext cx="540000" cy="540000"/>
-            </a:xfrm>
-            <a:prstGeom prst="ellipse">
-              <a:avLst/>
-            </a:prstGeom>
-            <a:noFill/>
-            <a:ln>
-              <a:solidFill>
-                <a:schemeClr val="tx1"/>
-              </a:solidFill>
-            </a:ln>
-          </p:spPr>
-          <p:style>
-            <a:lnRef idx="2">
-              <a:schemeClr val="accent1">
-                <a:shade val="15000"/>
-              </a:schemeClr>
-            </a:lnRef>
-            <a:fillRef idx="1">
-              <a:schemeClr val="accent1"/>
-            </a:fillRef>
-            <a:effectRef idx="0">
-              <a:schemeClr val="accent1"/>
-            </a:effectRef>
-            <a:fontRef idx="minor">
-              <a:schemeClr val="lt1"/>
-            </a:fontRef>
-          </p:style>
-          <p:txBody>
-            <a:bodyPr rtlCol="0" anchor="ctr"/>
-            <a:lstStyle/>
-            <a:p>
-              <a:pPr algn="ctr"/>
-              <a:r>
-                <a:rPr kumimoji="1" lang="en-US" altLang="zh-TW" sz="1200" dirty="0">
-                  <a:solidFill>
-                    <a:schemeClr val="tx1"/>
-                  </a:solidFill>
-                  <a:latin typeface="Microsoft JhengHei UI" panose="020B0604030504040204" pitchFamily="34" charset="-120"/>
-                  <a:ea typeface="Microsoft JhengHei UI" panose="020B0604030504040204" pitchFamily="34" charset="-120"/>
-                </a:rPr>
-                <a:t>m</a:t>
-              </a:r>
-              <a:endParaRPr kumimoji="1" lang="zh-TW" altLang="en-US" sz="1200" dirty="0">
-                <a:solidFill>
-                  <a:schemeClr val="tx1"/>
-                </a:solidFill>
-                <a:latin typeface="Microsoft JhengHei UI" panose="020B0604030504040204" pitchFamily="34" charset="-120"/>
-                <a:ea typeface="Microsoft JhengHei UI" panose="020B0604030504040204" pitchFamily="34" charset="-120"/>
-              </a:endParaRPr>
-            </a:p>
-          </p:txBody>
-        </p:sp>
-        <p:sp>
-          <p:nvSpPr>
-            <p:cNvPr id="5" name="橢圓 4">
-              <a:extLst>
-                <a:ext uri="{FF2B5EF4-FFF2-40B4-BE49-F238E27FC236}">
-                  <a16:creationId xmlns:a16="http://schemas.microsoft.com/office/drawing/2014/main" id="{6FDCFA00-C1F0-CD33-5EB6-5B74EB395CAF}"/>
-                </a:ext>
-              </a:extLst>
-            </p:cNvPr>
-            <p:cNvSpPr/>
-            <p:nvPr/>
-          </p:nvSpPr>
-          <p:spPr>
-            <a:xfrm>
-              <a:off x="893080" y="5285132"/>
-              <a:ext cx="540000" cy="540000"/>
-            </a:xfrm>
-            <a:prstGeom prst="ellipse">
-              <a:avLst/>
-            </a:prstGeom>
-            <a:noFill/>
-            <a:ln>
-              <a:solidFill>
-                <a:schemeClr val="tx1"/>
-              </a:solidFill>
-            </a:ln>
-          </p:spPr>
-          <p:style>
-            <a:lnRef idx="2">
-              <a:schemeClr val="accent1">
-                <a:shade val="15000"/>
-              </a:schemeClr>
-            </a:lnRef>
-            <a:fillRef idx="1">
-              <a:schemeClr val="accent1"/>
-            </a:fillRef>
-            <a:effectRef idx="0">
-              <a:schemeClr val="accent1"/>
-            </a:effectRef>
-            <a:fontRef idx="minor">
-              <a:schemeClr val="lt1"/>
-            </a:fontRef>
-          </p:style>
-          <p:txBody>
-            <a:bodyPr rtlCol="0" anchor="ctr"/>
-            <a:lstStyle/>
-            <a:p>
-              <a:pPr algn="ctr"/>
-              <a:endParaRPr kumimoji="1" lang="zh-TW" altLang="en-US" sz="1200" dirty="0">
-                <a:solidFill>
-                  <a:schemeClr val="tx1"/>
-                </a:solidFill>
-                <a:latin typeface="Microsoft JhengHei UI" panose="020B0604030504040204" pitchFamily="34" charset="-120"/>
-                <a:ea typeface="Microsoft JhengHei UI" panose="020B0604030504040204" pitchFamily="34" charset="-120"/>
-              </a:endParaRPr>
-            </a:p>
-          </p:txBody>
-        </p:sp>
-        <p:cxnSp>
-          <p:nvCxnSpPr>
-            <p:cNvPr id="11" name="直線接點 10">
-              <a:extLst>
-                <a:ext uri="{FF2B5EF4-FFF2-40B4-BE49-F238E27FC236}">
-                  <a16:creationId xmlns:a16="http://schemas.microsoft.com/office/drawing/2014/main" id="{31E96E53-7AC8-54E1-11F4-3198A9A98866}"/>
-                </a:ext>
-              </a:extLst>
-            </p:cNvPr>
-            <p:cNvCxnSpPr>
-              <a:cxnSpLocks/>
-              <a:stCxn id="48" idx="4"/>
-              <a:endCxn id="3" idx="0"/>
-            </p:cNvCxnSpPr>
-            <p:nvPr/>
-          </p:nvCxnSpPr>
-          <p:spPr>
-            <a:xfrm>
-              <a:off x="1100852" y="4007459"/>
-              <a:ext cx="416723" cy="390463"/>
-            </a:xfrm>
-            <a:prstGeom prst="line">
-              <a:avLst/>
-            </a:prstGeom>
-            <a:ln>
-              <a:solidFill>
-                <a:schemeClr val="bg1">
-                  <a:lumMod val="75000"/>
-                </a:schemeClr>
-              </a:solidFill>
-            </a:ln>
-          </p:spPr>
-          <p:style>
-            <a:lnRef idx="2">
-              <a:schemeClr val="accent1"/>
-            </a:lnRef>
-            <a:fillRef idx="0">
-              <a:schemeClr val="accent1"/>
-            </a:fillRef>
-            <a:effectRef idx="1">
-              <a:schemeClr val="accent1"/>
-            </a:effectRef>
-            <a:fontRef idx="minor">
-              <a:schemeClr val="tx1"/>
-            </a:fontRef>
-          </p:style>
-        </p:cxnSp>
-        <p:sp>
-          <p:nvSpPr>
-            <p:cNvPr id="16" name="橢圓 15">
-              <a:extLst>
-                <a:ext uri="{FF2B5EF4-FFF2-40B4-BE49-F238E27FC236}">
-                  <a16:creationId xmlns:a16="http://schemas.microsoft.com/office/drawing/2014/main" id="{24002465-C0FA-124E-272D-3AA226A69C1D}"/>
-                </a:ext>
-              </a:extLst>
-            </p:cNvPr>
-            <p:cNvSpPr/>
-            <p:nvPr/>
-          </p:nvSpPr>
-          <p:spPr>
-            <a:xfrm>
-              <a:off x="435880" y="4417030"/>
-              <a:ext cx="540000" cy="540000"/>
-            </a:xfrm>
-            <a:prstGeom prst="ellipse">
-              <a:avLst/>
-            </a:prstGeom>
-            <a:noFill/>
-            <a:ln>
-              <a:solidFill>
-                <a:schemeClr val="tx1"/>
-              </a:solidFill>
-            </a:ln>
-          </p:spPr>
-          <p:style>
-            <a:lnRef idx="2">
-              <a:schemeClr val="accent1">
-                <a:shade val="15000"/>
-              </a:schemeClr>
-            </a:lnRef>
-            <a:fillRef idx="1">
-              <a:schemeClr val="accent1"/>
-            </a:fillRef>
-            <a:effectRef idx="0">
-              <a:schemeClr val="accent1"/>
-            </a:effectRef>
-            <a:fontRef idx="minor">
-              <a:schemeClr val="lt1"/>
-            </a:fontRef>
-          </p:style>
-          <p:txBody>
-            <a:bodyPr rtlCol="0" anchor="ctr"/>
-            <a:lstStyle/>
-            <a:p>
-              <a:pPr algn="ctr"/>
-              <a:endParaRPr kumimoji="1" lang="zh-TW" altLang="en-US" sz="1200" dirty="0">
-                <a:solidFill>
-                  <a:schemeClr val="tx1"/>
-                </a:solidFill>
-                <a:latin typeface="Microsoft JhengHei UI" panose="020B0604030504040204" pitchFamily="34" charset="-120"/>
-                <a:ea typeface="Microsoft JhengHei UI" panose="020B0604030504040204" pitchFamily="34" charset="-120"/>
-              </a:endParaRPr>
-            </a:p>
-          </p:txBody>
-        </p:sp>
-        <p:cxnSp>
-          <p:nvCxnSpPr>
-            <p:cNvPr id="17" name="直線接點 16">
-              <a:extLst>
-                <a:ext uri="{FF2B5EF4-FFF2-40B4-BE49-F238E27FC236}">
-                  <a16:creationId xmlns:a16="http://schemas.microsoft.com/office/drawing/2014/main" id="{F77E67A6-8F24-8876-C79F-1F881BB714D4}"/>
-                </a:ext>
-              </a:extLst>
-            </p:cNvPr>
-            <p:cNvCxnSpPr>
-              <a:cxnSpLocks/>
-              <a:stCxn id="48" idx="4"/>
-              <a:endCxn id="16" idx="0"/>
-            </p:cNvCxnSpPr>
-            <p:nvPr/>
-          </p:nvCxnSpPr>
-          <p:spPr>
-            <a:xfrm flipH="1">
-              <a:off x="705880" y="4007459"/>
-              <a:ext cx="394972" cy="409571"/>
-            </a:xfrm>
-            <a:prstGeom prst="line">
-              <a:avLst/>
-            </a:prstGeom>
-            <a:ln>
-              <a:solidFill>
-                <a:schemeClr val="bg1">
-                  <a:lumMod val="75000"/>
-                </a:schemeClr>
-              </a:solidFill>
-            </a:ln>
-          </p:spPr>
-          <p:style>
-            <a:lnRef idx="2">
-              <a:schemeClr val="accent1"/>
-            </a:lnRef>
-            <a:fillRef idx="0">
-              <a:schemeClr val="accent1"/>
-            </a:fillRef>
-            <a:effectRef idx="1">
-              <a:schemeClr val="accent1"/>
-            </a:effectRef>
-            <a:fontRef idx="minor">
-              <a:schemeClr val="tx1"/>
-            </a:fontRef>
-          </p:style>
-        </p:cxnSp>
-        <p:cxnSp>
-          <p:nvCxnSpPr>
-            <p:cNvPr id="42" name="直線接點 41">
-              <a:extLst>
-                <a:ext uri="{FF2B5EF4-FFF2-40B4-BE49-F238E27FC236}">
-                  <a16:creationId xmlns:a16="http://schemas.microsoft.com/office/drawing/2014/main" id="{CCB20B90-7858-7B32-127E-E5819478433E}"/>
-                </a:ext>
-              </a:extLst>
-            </p:cNvPr>
-            <p:cNvCxnSpPr>
-              <a:cxnSpLocks/>
-              <a:stCxn id="5" idx="0"/>
-              <a:endCxn id="3" idx="4"/>
-            </p:cNvCxnSpPr>
-            <p:nvPr/>
-          </p:nvCxnSpPr>
-          <p:spPr>
-            <a:xfrm flipV="1">
-              <a:off x="1163080" y="4937922"/>
-              <a:ext cx="354495" cy="347210"/>
-            </a:xfrm>
-            <a:prstGeom prst="line">
-              <a:avLst/>
-            </a:prstGeom>
-            <a:ln>
-              <a:solidFill>
-                <a:schemeClr val="bg1">
-                  <a:lumMod val="75000"/>
-                </a:schemeClr>
-              </a:solidFill>
-            </a:ln>
-          </p:spPr>
-          <p:style>
-            <a:lnRef idx="2">
-              <a:schemeClr val="accent1"/>
-            </a:lnRef>
-            <a:fillRef idx="0">
-              <a:schemeClr val="accent1"/>
-            </a:fillRef>
-            <a:effectRef idx="1">
-              <a:schemeClr val="accent1"/>
-            </a:effectRef>
-            <a:fontRef idx="minor">
-              <a:schemeClr val="tx1"/>
-            </a:fontRef>
-          </p:style>
-        </p:cxnSp>
-        <p:sp>
-          <p:nvSpPr>
-            <p:cNvPr id="67" name="橢圓 66">
-              <a:extLst>
-                <a:ext uri="{FF2B5EF4-FFF2-40B4-BE49-F238E27FC236}">
-                  <a16:creationId xmlns:a16="http://schemas.microsoft.com/office/drawing/2014/main" id="{D4800C86-66D4-51E3-9A78-71726524615E}"/>
-                </a:ext>
-              </a:extLst>
-            </p:cNvPr>
-            <p:cNvSpPr/>
-            <p:nvPr/>
-          </p:nvSpPr>
-          <p:spPr>
-            <a:xfrm>
-              <a:off x="2244866" y="4397922"/>
-              <a:ext cx="540000" cy="540000"/>
-            </a:xfrm>
-            <a:prstGeom prst="ellipse">
-              <a:avLst/>
-            </a:prstGeom>
-            <a:noFill/>
-            <a:ln>
-              <a:solidFill>
-                <a:schemeClr val="bg1">
-                  <a:lumMod val="75000"/>
-                </a:schemeClr>
-              </a:solidFill>
-            </a:ln>
-          </p:spPr>
-          <p:style>
-            <a:lnRef idx="2">
-              <a:schemeClr val="accent1">
-                <a:shade val="15000"/>
-              </a:schemeClr>
-            </a:lnRef>
-            <a:fillRef idx="1">
-              <a:schemeClr val="accent1"/>
-            </a:fillRef>
-            <a:effectRef idx="0">
-              <a:schemeClr val="accent1"/>
-            </a:effectRef>
-            <a:fontRef idx="minor">
-              <a:schemeClr val="lt1"/>
-            </a:fontRef>
-          </p:style>
-          <p:txBody>
-            <a:bodyPr rtlCol="0" anchor="ctr"/>
-            <a:lstStyle/>
-            <a:p>
-              <a:pPr algn="ctr"/>
-              <a:endParaRPr kumimoji="1" lang="zh-TW" altLang="en-US" sz="1200" dirty="0">
-                <a:solidFill>
-                  <a:schemeClr val="tx1"/>
-                </a:solidFill>
-                <a:latin typeface="Microsoft JhengHei UI" panose="020B0604030504040204" pitchFamily="34" charset="-120"/>
-                <a:ea typeface="Microsoft JhengHei UI" panose="020B0604030504040204" pitchFamily="34" charset="-120"/>
-              </a:endParaRPr>
-            </a:p>
-          </p:txBody>
-        </p:sp>
-        <p:cxnSp>
-          <p:nvCxnSpPr>
-            <p:cNvPr id="72" name="直線接點 71">
-              <a:extLst>
-                <a:ext uri="{FF2B5EF4-FFF2-40B4-BE49-F238E27FC236}">
-                  <a16:creationId xmlns:a16="http://schemas.microsoft.com/office/drawing/2014/main" id="{47F2D84D-E0D7-B18A-A286-9ADC984E4F1B}"/>
-                </a:ext>
-              </a:extLst>
-            </p:cNvPr>
-            <p:cNvCxnSpPr>
-              <a:cxnSpLocks/>
-              <a:stCxn id="64" idx="4"/>
-              <a:endCxn id="67" idx="0"/>
-            </p:cNvCxnSpPr>
-            <p:nvPr/>
-          </p:nvCxnSpPr>
-          <p:spPr>
-            <a:xfrm>
-              <a:off x="2047604" y="4050712"/>
-              <a:ext cx="467262" cy="347210"/>
-            </a:xfrm>
-            <a:prstGeom prst="line">
-              <a:avLst/>
-            </a:prstGeom>
-            <a:ln>
-              <a:solidFill>
-                <a:schemeClr val="bg1">
-                  <a:lumMod val="75000"/>
-                </a:schemeClr>
-              </a:solidFill>
-            </a:ln>
-          </p:spPr>
-          <p:style>
-            <a:lnRef idx="2">
-              <a:schemeClr val="accent1"/>
-            </a:lnRef>
-            <a:fillRef idx="0">
-              <a:schemeClr val="accent1"/>
-            </a:fillRef>
-            <a:effectRef idx="1">
-              <a:schemeClr val="accent1"/>
-            </a:effectRef>
-            <a:fontRef idx="minor">
-              <a:schemeClr val="tx1"/>
-            </a:fontRef>
-          </p:style>
-        </p:cxnSp>
-      </p:grpSp>
-      <p:grpSp>
-        <p:nvGrpSpPr>
           <p:cNvPr id="96" name="群組 95">
             <a:extLst>
               <a:ext uri="{FF2B5EF4-FFF2-40B4-BE49-F238E27FC236}">
@@ -8780,9 +7775,9 @@
         <p:grpSpPr>
           <a:xfrm>
             <a:off x="409256" y="1351749"/>
-            <a:ext cx="2061794" cy="3324259"/>
+            <a:ext cx="2229814" cy="3324259"/>
             <a:chOff x="343940" y="1498710"/>
-            <a:chExt cx="2061794" cy="3324259"/>
+            <a:chExt cx="2229814" cy="3324259"/>
           </a:xfrm>
         </p:grpSpPr>
         <p:grpSp>
@@ -8800,9 +7795,9 @@
           <p:grpSpPr>
             <a:xfrm>
               <a:off x="422884" y="1498710"/>
-              <a:ext cx="1982850" cy="3324259"/>
+              <a:ext cx="2150870" cy="3324259"/>
               <a:chOff x="3635463" y="1417807"/>
-              <a:chExt cx="1982850" cy="3324259"/>
+              <a:chExt cx="2150870" cy="3324259"/>
             </a:xfrm>
           </p:grpSpPr>
           <p:sp>
@@ -9229,7 +8224,7 @@
             <p:spPr>
               <a:xfrm>
                 <a:off x="3635463" y="1417807"/>
-                <a:ext cx="1703333" cy="461665"/>
+                <a:ext cx="2150870" cy="461665"/>
               </a:xfrm>
               <a:prstGeom prst="rect">
                 <a:avLst/>
@@ -9247,7 +8242,14 @@
                     <a:latin typeface="Microsoft JhengHei UI" panose="020B0604030504040204" pitchFamily="34" charset="-120"/>
                     <a:ea typeface="Microsoft JhengHei UI" panose="020B0604030504040204" pitchFamily="34" charset="-120"/>
                   </a:rPr>
-                  <a:t>Delete node having two child &amp; m is leaf</a:t>
+                  <a:t>Delete node having two child &amp; m is leaf w/o </a:t>
+                </a:r>
+                <a:r>
+                  <a:rPr kumimoji="1" lang="en-US" altLang="zh-TW" sz="1200" dirty="0" err="1">
+                    <a:latin typeface="Microsoft JhengHei UI" panose="020B0604030504040204" pitchFamily="34" charset="-120"/>
+                    <a:ea typeface="Microsoft JhengHei UI" panose="020B0604030504040204" pitchFamily="34" charset="-120"/>
+                  </a:rPr>
+                  <a:t>m.p</a:t>
                 </a:r>
                 <a:endParaRPr kumimoji="1" lang="zh-TW" altLang="en-US" sz="1200" dirty="0">
                   <a:latin typeface="Microsoft JhengHei UI" panose="020B0604030504040204" pitchFamily="34" charset="-120"/>
@@ -9985,7 +8987,7 @@
             <p:spPr>
               <a:xfrm>
                 <a:off x="3635463" y="1417807"/>
-                <a:ext cx="1703333" cy="461665"/>
+                <a:ext cx="2187344" cy="461665"/>
               </a:xfrm>
               <a:prstGeom prst="rect">
                 <a:avLst/>
@@ -10003,7 +9005,14 @@
                     <a:latin typeface="Microsoft JhengHei UI" panose="020B0604030504040204" pitchFamily="34" charset="-120"/>
                     <a:ea typeface="Microsoft JhengHei UI" panose="020B0604030504040204" pitchFamily="34" charset="-120"/>
                   </a:rPr>
-                  <a:t>Delete node having two child &amp; m is leaf</a:t>
+                  <a:t>Delete node having two child &amp; m is leaf w/o </a:t>
+                </a:r>
+                <a:r>
+                  <a:rPr kumimoji="1" lang="en-US" altLang="zh-TW" sz="1200" dirty="0" err="1">
+                    <a:latin typeface="Microsoft JhengHei UI" panose="020B0604030504040204" pitchFamily="34" charset="-120"/>
+                    <a:ea typeface="Microsoft JhengHei UI" panose="020B0604030504040204" pitchFamily="34" charset="-120"/>
+                  </a:rPr>
+                  <a:t>m.p</a:t>
                 </a:r>
                 <a:endParaRPr kumimoji="1" lang="zh-TW" altLang="en-US" sz="1200" dirty="0">
                   <a:latin typeface="Microsoft JhengHei UI" panose="020B0604030504040204" pitchFamily="34" charset="-120"/>
@@ -10279,1017 +9288,6 @@
       </p:grpSp>
       <p:grpSp>
         <p:nvGrpSpPr>
-          <p:cNvPr id="115" name="群組 114">
-            <a:extLst>
-              <a:ext uri="{FF2B5EF4-FFF2-40B4-BE49-F238E27FC236}">
-                <a16:creationId xmlns:a16="http://schemas.microsoft.com/office/drawing/2014/main" id="{94013520-8E87-B71F-D6AB-13E68AE58DF8}"/>
-              </a:ext>
-            </a:extLst>
-          </p:cNvPr>
-          <p:cNvGrpSpPr/>
-          <p:nvPr/>
-        </p:nvGrpSpPr>
-        <p:grpSpPr>
-          <a:xfrm>
-            <a:off x="8435780" y="1253223"/>
-            <a:ext cx="2974427" cy="4422621"/>
-            <a:chOff x="-189561" y="1402511"/>
-            <a:chExt cx="2974427" cy="4422621"/>
-          </a:xfrm>
-        </p:grpSpPr>
-        <p:sp>
-          <p:nvSpPr>
-            <p:cNvPr id="116" name="橢圓 115">
-              <a:extLst>
-                <a:ext uri="{FF2B5EF4-FFF2-40B4-BE49-F238E27FC236}">
-                  <a16:creationId xmlns:a16="http://schemas.microsoft.com/office/drawing/2014/main" id="{F8207809-CF4C-A062-17C4-B136ABA4D1B2}"/>
-                </a:ext>
-              </a:extLst>
-            </p:cNvPr>
-            <p:cNvSpPr/>
-            <p:nvPr/>
-          </p:nvSpPr>
-          <p:spPr>
-            <a:xfrm>
-              <a:off x="-189561" y="2705458"/>
-              <a:ext cx="540000" cy="540000"/>
-            </a:xfrm>
-            <a:prstGeom prst="ellipse">
-              <a:avLst/>
-            </a:prstGeom>
-            <a:noFill/>
-            <a:ln>
-              <a:solidFill>
-                <a:schemeClr val="bg1">
-                  <a:lumMod val="75000"/>
-                </a:schemeClr>
-              </a:solidFill>
-            </a:ln>
-          </p:spPr>
-          <p:style>
-            <a:lnRef idx="2">
-              <a:schemeClr val="accent1">
-                <a:shade val="15000"/>
-              </a:schemeClr>
-            </a:lnRef>
-            <a:fillRef idx="1">
-              <a:schemeClr val="accent1"/>
-            </a:fillRef>
-            <a:effectRef idx="0">
-              <a:schemeClr val="accent1"/>
-            </a:effectRef>
-            <a:fontRef idx="minor">
-              <a:schemeClr val="lt1"/>
-            </a:fontRef>
-          </p:style>
-          <p:txBody>
-            <a:bodyPr rtlCol="0" anchor="ctr"/>
-            <a:lstStyle/>
-            <a:p>
-              <a:pPr algn="ctr"/>
-              <a:endParaRPr kumimoji="1" lang="zh-TW" altLang="en-US" sz="1200" dirty="0">
-                <a:solidFill>
-                  <a:schemeClr val="tx1"/>
-                </a:solidFill>
-                <a:latin typeface="Microsoft JhengHei UI" panose="020B0604030504040204" pitchFamily="34" charset="-120"/>
-                <a:ea typeface="Microsoft JhengHei UI" panose="020B0604030504040204" pitchFamily="34" charset="-120"/>
-              </a:endParaRPr>
-            </a:p>
-          </p:txBody>
-        </p:sp>
-        <p:sp>
-          <p:nvSpPr>
-            <p:cNvPr id="117" name="橢圓 116">
-              <a:extLst>
-                <a:ext uri="{FF2B5EF4-FFF2-40B4-BE49-F238E27FC236}">
-                  <a16:creationId xmlns:a16="http://schemas.microsoft.com/office/drawing/2014/main" id="{D210D0F0-AFA6-44E8-40AF-5E8E93F28E3A}"/>
-                </a:ext>
-              </a:extLst>
-            </p:cNvPr>
-            <p:cNvSpPr/>
-            <p:nvPr/>
-          </p:nvSpPr>
-          <p:spPr>
-            <a:xfrm>
-              <a:off x="95363" y="1943458"/>
-              <a:ext cx="540000" cy="540000"/>
-            </a:xfrm>
-            <a:prstGeom prst="ellipse">
-              <a:avLst/>
-            </a:prstGeom>
-            <a:noFill/>
-            <a:ln>
-              <a:solidFill>
-                <a:schemeClr val="bg1">
-                  <a:lumMod val="75000"/>
-                </a:schemeClr>
-              </a:solidFill>
-            </a:ln>
-          </p:spPr>
-          <p:style>
-            <a:lnRef idx="2">
-              <a:schemeClr val="accent1">
-                <a:shade val="15000"/>
-              </a:schemeClr>
-            </a:lnRef>
-            <a:fillRef idx="1">
-              <a:schemeClr val="accent1"/>
-            </a:fillRef>
-            <a:effectRef idx="0">
-              <a:schemeClr val="accent1"/>
-            </a:effectRef>
-            <a:fontRef idx="minor">
-              <a:schemeClr val="lt1"/>
-            </a:fontRef>
-          </p:style>
-          <p:txBody>
-            <a:bodyPr rtlCol="0" anchor="ctr"/>
-            <a:lstStyle/>
-            <a:p>
-              <a:pPr algn="ctr"/>
-              <a:r>
-                <a:rPr kumimoji="1" lang="en-US" altLang="zh-TW" sz="1200" dirty="0">
-                  <a:solidFill>
-                    <a:schemeClr val="tx1"/>
-                  </a:solidFill>
-                  <a:latin typeface="Microsoft JhengHei UI" panose="020B0604030504040204" pitchFamily="34" charset="-120"/>
-                  <a:ea typeface="Microsoft JhengHei UI" panose="020B0604030504040204" pitchFamily="34" charset="-120"/>
-                </a:rPr>
-                <a:t>p</a:t>
-              </a:r>
-              <a:endParaRPr kumimoji="1" lang="zh-TW" altLang="en-US" sz="1200" dirty="0">
-                <a:solidFill>
-                  <a:schemeClr val="tx1"/>
-                </a:solidFill>
-                <a:latin typeface="Microsoft JhengHei UI" panose="020B0604030504040204" pitchFamily="34" charset="-120"/>
-                <a:ea typeface="Microsoft JhengHei UI" panose="020B0604030504040204" pitchFamily="34" charset="-120"/>
-              </a:endParaRPr>
-            </a:p>
-          </p:txBody>
-        </p:sp>
-        <p:sp>
-          <p:nvSpPr>
-            <p:cNvPr id="118" name="橢圓 117">
-              <a:extLst>
-                <a:ext uri="{FF2B5EF4-FFF2-40B4-BE49-F238E27FC236}">
-                  <a16:creationId xmlns:a16="http://schemas.microsoft.com/office/drawing/2014/main" id="{08D96061-4BE6-BA81-AC9C-EF4EF646506A}"/>
-                </a:ext>
-              </a:extLst>
-            </p:cNvPr>
-            <p:cNvSpPr/>
-            <p:nvPr/>
-          </p:nvSpPr>
-          <p:spPr>
-            <a:xfrm>
-              <a:off x="1029638" y="2639198"/>
-              <a:ext cx="540000" cy="540000"/>
-            </a:xfrm>
-            <a:prstGeom prst="ellipse">
-              <a:avLst/>
-            </a:prstGeom>
-            <a:noFill/>
-            <a:ln>
-              <a:solidFill>
-                <a:schemeClr val="bg1">
-                  <a:lumMod val="75000"/>
-                </a:schemeClr>
-              </a:solidFill>
-            </a:ln>
-          </p:spPr>
-          <p:style>
-            <a:lnRef idx="2">
-              <a:schemeClr val="accent1">
-                <a:shade val="15000"/>
-              </a:schemeClr>
-            </a:lnRef>
-            <a:fillRef idx="1">
-              <a:schemeClr val="accent1"/>
-            </a:fillRef>
-            <a:effectRef idx="0">
-              <a:schemeClr val="accent1"/>
-            </a:effectRef>
-            <a:fontRef idx="minor">
-              <a:schemeClr val="lt1"/>
-            </a:fontRef>
-          </p:style>
-          <p:txBody>
-            <a:bodyPr rtlCol="0" anchor="ctr"/>
-            <a:lstStyle/>
-            <a:p>
-              <a:pPr algn="ctr"/>
-              <a:r>
-                <a:rPr kumimoji="1" lang="en-US" altLang="zh-TW" sz="1200" dirty="0">
-                  <a:solidFill>
-                    <a:schemeClr val="tx1"/>
-                  </a:solidFill>
-                  <a:latin typeface="Microsoft JhengHei UI" panose="020B0604030504040204" pitchFamily="34" charset="-120"/>
-                  <a:ea typeface="Microsoft JhengHei UI" panose="020B0604030504040204" pitchFamily="34" charset="-120"/>
-                </a:rPr>
-                <a:t>n</a:t>
-              </a:r>
-              <a:endParaRPr kumimoji="1" lang="zh-TW" altLang="en-US" sz="1200" dirty="0">
-                <a:solidFill>
-                  <a:schemeClr val="tx1"/>
-                </a:solidFill>
-                <a:latin typeface="Microsoft JhengHei UI" panose="020B0604030504040204" pitchFamily="34" charset="-120"/>
-                <a:ea typeface="Microsoft JhengHei UI" panose="020B0604030504040204" pitchFamily="34" charset="-120"/>
-              </a:endParaRPr>
-            </a:p>
-          </p:txBody>
-        </p:sp>
-        <p:sp>
-          <p:nvSpPr>
-            <p:cNvPr id="119" name="橢圓 118">
-              <a:extLst>
-                <a:ext uri="{FF2B5EF4-FFF2-40B4-BE49-F238E27FC236}">
-                  <a16:creationId xmlns:a16="http://schemas.microsoft.com/office/drawing/2014/main" id="{23489F1C-1706-8E95-0F50-6F40C091EBB5}"/>
-                </a:ext>
-              </a:extLst>
-            </p:cNvPr>
-            <p:cNvSpPr/>
-            <p:nvPr/>
-          </p:nvSpPr>
-          <p:spPr>
-            <a:xfrm>
-              <a:off x="830852" y="3467459"/>
-              <a:ext cx="540000" cy="540000"/>
-            </a:xfrm>
-            <a:prstGeom prst="ellipse">
-              <a:avLst/>
-            </a:prstGeom>
-            <a:noFill/>
-            <a:ln>
-              <a:solidFill>
-                <a:schemeClr val="tx1"/>
-              </a:solidFill>
-            </a:ln>
-          </p:spPr>
-          <p:style>
-            <a:lnRef idx="2">
-              <a:schemeClr val="accent1">
-                <a:shade val="15000"/>
-              </a:schemeClr>
-            </a:lnRef>
-            <a:fillRef idx="1">
-              <a:schemeClr val="accent1"/>
-            </a:fillRef>
-            <a:effectRef idx="0">
-              <a:schemeClr val="accent1"/>
-            </a:effectRef>
-            <a:fontRef idx="minor">
-              <a:schemeClr val="lt1"/>
-            </a:fontRef>
-          </p:style>
-          <p:txBody>
-            <a:bodyPr rtlCol="0" anchor="ctr"/>
-            <a:lstStyle/>
-            <a:p>
-              <a:pPr algn="ctr"/>
-              <a:r>
-                <a:rPr kumimoji="1" lang="en-US" altLang="zh-TW" sz="1200" dirty="0" err="1">
-                  <a:solidFill>
-                    <a:schemeClr val="tx1"/>
-                  </a:solidFill>
-                  <a:latin typeface="Microsoft JhengHei UI" panose="020B0604030504040204" pitchFamily="34" charset="-120"/>
-                  <a:ea typeface="Microsoft JhengHei UI" panose="020B0604030504040204" pitchFamily="34" charset="-120"/>
-                </a:rPr>
-                <a:t>m.p</a:t>
-              </a:r>
-              <a:endParaRPr kumimoji="1" lang="zh-TW" altLang="en-US" sz="1200" dirty="0">
-                <a:solidFill>
-                  <a:schemeClr val="tx1"/>
-                </a:solidFill>
-                <a:latin typeface="Microsoft JhengHei UI" panose="020B0604030504040204" pitchFamily="34" charset="-120"/>
-                <a:ea typeface="Microsoft JhengHei UI" panose="020B0604030504040204" pitchFamily="34" charset="-120"/>
-              </a:endParaRPr>
-            </a:p>
-          </p:txBody>
-        </p:sp>
-        <p:cxnSp>
-          <p:nvCxnSpPr>
-            <p:cNvPr id="120" name="直線接點 119">
-              <a:extLst>
-                <a:ext uri="{FF2B5EF4-FFF2-40B4-BE49-F238E27FC236}">
-                  <a16:creationId xmlns:a16="http://schemas.microsoft.com/office/drawing/2014/main" id="{6BBF638F-C625-034A-442F-9AC683B441D5}"/>
-                </a:ext>
-              </a:extLst>
-            </p:cNvPr>
-            <p:cNvCxnSpPr>
-              <a:cxnSpLocks/>
-              <a:stCxn id="117" idx="4"/>
-              <a:endCxn id="116" idx="0"/>
-            </p:cNvCxnSpPr>
-            <p:nvPr/>
-          </p:nvCxnSpPr>
-          <p:spPr>
-            <a:xfrm flipH="1">
-              <a:off x="80439" y="2483458"/>
-              <a:ext cx="284924" cy="222000"/>
-            </a:xfrm>
-            <a:prstGeom prst="line">
-              <a:avLst/>
-            </a:prstGeom>
-            <a:ln>
-              <a:solidFill>
-                <a:schemeClr val="bg1">
-                  <a:lumMod val="75000"/>
-                </a:schemeClr>
-              </a:solidFill>
-            </a:ln>
-          </p:spPr>
-          <p:style>
-            <a:lnRef idx="2">
-              <a:schemeClr val="accent1"/>
-            </a:lnRef>
-            <a:fillRef idx="0">
-              <a:schemeClr val="accent1"/>
-            </a:fillRef>
-            <a:effectRef idx="1">
-              <a:schemeClr val="accent1"/>
-            </a:effectRef>
-            <a:fontRef idx="minor">
-              <a:schemeClr val="tx1"/>
-            </a:fontRef>
-          </p:style>
-        </p:cxnSp>
-        <p:cxnSp>
-          <p:nvCxnSpPr>
-            <p:cNvPr id="121" name="直線接點 120">
-              <a:extLst>
-                <a:ext uri="{FF2B5EF4-FFF2-40B4-BE49-F238E27FC236}">
-                  <a16:creationId xmlns:a16="http://schemas.microsoft.com/office/drawing/2014/main" id="{2AA603C9-9D7C-82E5-9144-893A01923C15}"/>
-                </a:ext>
-              </a:extLst>
-            </p:cNvPr>
-            <p:cNvCxnSpPr>
-              <a:cxnSpLocks/>
-              <a:stCxn id="117" idx="4"/>
-              <a:endCxn id="118" idx="0"/>
-            </p:cNvCxnSpPr>
-            <p:nvPr/>
-          </p:nvCxnSpPr>
-          <p:spPr>
-            <a:xfrm>
-              <a:off x="365363" y="2483458"/>
-              <a:ext cx="934275" cy="155740"/>
-            </a:xfrm>
-            <a:prstGeom prst="line">
-              <a:avLst/>
-            </a:prstGeom>
-            <a:ln>
-              <a:solidFill>
-                <a:schemeClr val="bg1">
-                  <a:lumMod val="75000"/>
-                </a:schemeClr>
-              </a:solidFill>
-            </a:ln>
-          </p:spPr>
-          <p:style>
-            <a:lnRef idx="2">
-              <a:schemeClr val="accent1"/>
-            </a:lnRef>
-            <a:fillRef idx="0">
-              <a:schemeClr val="accent1"/>
-            </a:fillRef>
-            <a:effectRef idx="1">
-              <a:schemeClr val="accent1"/>
-            </a:effectRef>
-            <a:fontRef idx="minor">
-              <a:schemeClr val="tx1"/>
-            </a:fontRef>
-          </p:style>
-        </p:cxnSp>
-        <p:cxnSp>
-          <p:nvCxnSpPr>
-            <p:cNvPr id="122" name="直線接點 121">
-              <a:extLst>
-                <a:ext uri="{FF2B5EF4-FFF2-40B4-BE49-F238E27FC236}">
-                  <a16:creationId xmlns:a16="http://schemas.microsoft.com/office/drawing/2014/main" id="{C6FE75E7-54FF-C719-EA1D-4BFF845147E9}"/>
-                </a:ext>
-              </a:extLst>
-            </p:cNvPr>
-            <p:cNvCxnSpPr>
-              <a:cxnSpLocks/>
-              <a:stCxn id="118" idx="4"/>
-              <a:endCxn id="119" idx="0"/>
-            </p:cNvCxnSpPr>
-            <p:nvPr/>
-          </p:nvCxnSpPr>
-          <p:spPr>
-            <a:xfrm flipH="1">
-              <a:off x="1100852" y="3179198"/>
-              <a:ext cx="198786" cy="288261"/>
-            </a:xfrm>
-            <a:prstGeom prst="line">
-              <a:avLst/>
-            </a:prstGeom>
-            <a:ln>
-              <a:solidFill>
-                <a:schemeClr val="bg1">
-                  <a:lumMod val="75000"/>
-                </a:schemeClr>
-              </a:solidFill>
-            </a:ln>
-          </p:spPr>
-          <p:style>
-            <a:lnRef idx="2">
-              <a:schemeClr val="accent1"/>
-            </a:lnRef>
-            <a:fillRef idx="0">
-              <a:schemeClr val="accent1"/>
-            </a:fillRef>
-            <a:effectRef idx="1">
-              <a:schemeClr val="accent1"/>
-            </a:effectRef>
-            <a:fontRef idx="minor">
-              <a:schemeClr val="tx1"/>
-            </a:fontRef>
-          </p:style>
-        </p:cxnSp>
-        <p:sp>
-          <p:nvSpPr>
-            <p:cNvPr id="123" name="文字方塊 122">
-              <a:extLst>
-                <a:ext uri="{FF2B5EF4-FFF2-40B4-BE49-F238E27FC236}">
-                  <a16:creationId xmlns:a16="http://schemas.microsoft.com/office/drawing/2014/main" id="{3C505EAB-5014-D60B-6331-5A80EEEB4A85}"/>
-                </a:ext>
-              </a:extLst>
-            </p:cNvPr>
-            <p:cNvSpPr txBox="1"/>
-            <p:nvPr/>
-          </p:nvSpPr>
-          <p:spPr>
-            <a:xfrm>
-              <a:off x="643740" y="1402511"/>
-              <a:ext cx="1929233" cy="461665"/>
-            </a:xfrm>
-            <a:prstGeom prst="rect">
-              <a:avLst/>
-            </a:prstGeom>
-            <a:noFill/>
-          </p:spPr>
-          <p:txBody>
-            <a:bodyPr wrap="square" rtlCol="0">
-              <a:spAutoFit/>
-            </a:bodyPr>
-            <a:lstStyle/>
-            <a:p>
-              <a:r>
-                <a:rPr kumimoji="1" lang="en-US" altLang="zh-TW" sz="1200" dirty="0">
-                  <a:latin typeface="Microsoft JhengHei UI" panose="020B0604030504040204" pitchFamily="34" charset="-120"/>
-                  <a:ea typeface="Microsoft JhengHei UI" panose="020B0604030504040204" pitchFamily="34" charset="-120"/>
-                </a:rPr>
-                <a:t>Delete node having two child &amp; m is not leaf</a:t>
-              </a:r>
-              <a:endParaRPr kumimoji="1" lang="zh-TW" altLang="en-US" sz="1200" dirty="0">
-                <a:latin typeface="Microsoft JhengHei UI" panose="020B0604030504040204" pitchFamily="34" charset="-120"/>
-                <a:ea typeface="Microsoft JhengHei UI" panose="020B0604030504040204" pitchFamily="34" charset="-120"/>
-              </a:endParaRPr>
-            </a:p>
-          </p:txBody>
-        </p:sp>
-        <p:sp>
-          <p:nvSpPr>
-            <p:cNvPr id="124" name="橢圓 123">
-              <a:extLst>
-                <a:ext uri="{FF2B5EF4-FFF2-40B4-BE49-F238E27FC236}">
-                  <a16:creationId xmlns:a16="http://schemas.microsoft.com/office/drawing/2014/main" id="{2491AA29-5981-39EC-9066-3721138629F0}"/>
-                </a:ext>
-              </a:extLst>
-            </p:cNvPr>
-            <p:cNvSpPr/>
-            <p:nvPr/>
-          </p:nvSpPr>
-          <p:spPr>
-            <a:xfrm>
-              <a:off x="1777604" y="3510712"/>
-              <a:ext cx="540000" cy="540000"/>
-            </a:xfrm>
-            <a:prstGeom prst="ellipse">
-              <a:avLst/>
-            </a:prstGeom>
-            <a:noFill/>
-            <a:ln>
-              <a:solidFill>
-                <a:schemeClr val="bg1">
-                  <a:lumMod val="75000"/>
-                </a:schemeClr>
-              </a:solidFill>
-            </a:ln>
-          </p:spPr>
-          <p:style>
-            <a:lnRef idx="2">
-              <a:schemeClr val="accent1">
-                <a:shade val="15000"/>
-              </a:schemeClr>
-            </a:lnRef>
-            <a:fillRef idx="1">
-              <a:schemeClr val="accent1"/>
-            </a:fillRef>
-            <a:effectRef idx="0">
-              <a:schemeClr val="accent1"/>
-            </a:effectRef>
-            <a:fontRef idx="minor">
-              <a:schemeClr val="lt1"/>
-            </a:fontRef>
-          </p:style>
-          <p:txBody>
-            <a:bodyPr rtlCol="0" anchor="ctr"/>
-            <a:lstStyle/>
-            <a:p>
-              <a:pPr algn="ctr"/>
-              <a:endParaRPr kumimoji="1" lang="zh-TW" altLang="en-US" sz="1200" dirty="0">
-                <a:solidFill>
-                  <a:schemeClr val="tx1"/>
-                </a:solidFill>
-                <a:latin typeface="Microsoft JhengHei UI" panose="020B0604030504040204" pitchFamily="34" charset="-120"/>
-                <a:ea typeface="Microsoft JhengHei UI" panose="020B0604030504040204" pitchFamily="34" charset="-120"/>
-              </a:endParaRPr>
-            </a:p>
-          </p:txBody>
-        </p:sp>
-        <p:cxnSp>
-          <p:nvCxnSpPr>
-            <p:cNvPr id="125" name="直線接點 124">
-              <a:extLst>
-                <a:ext uri="{FF2B5EF4-FFF2-40B4-BE49-F238E27FC236}">
-                  <a16:creationId xmlns:a16="http://schemas.microsoft.com/office/drawing/2014/main" id="{DFB9E3C0-4696-5231-232B-DD64134412D3}"/>
-                </a:ext>
-              </a:extLst>
-            </p:cNvPr>
-            <p:cNvCxnSpPr>
-              <a:cxnSpLocks/>
-              <a:stCxn id="118" idx="4"/>
-              <a:endCxn id="124" idx="0"/>
-            </p:cNvCxnSpPr>
-            <p:nvPr/>
-          </p:nvCxnSpPr>
-          <p:spPr>
-            <a:xfrm>
-              <a:off x="1299638" y="3179198"/>
-              <a:ext cx="747966" cy="331514"/>
-            </a:xfrm>
-            <a:prstGeom prst="line">
-              <a:avLst/>
-            </a:prstGeom>
-            <a:ln>
-              <a:solidFill>
-                <a:schemeClr val="bg1">
-                  <a:lumMod val="75000"/>
-                </a:schemeClr>
-              </a:solidFill>
-            </a:ln>
-          </p:spPr>
-          <p:style>
-            <a:lnRef idx="2">
-              <a:schemeClr val="accent1"/>
-            </a:lnRef>
-            <a:fillRef idx="0">
-              <a:schemeClr val="accent1"/>
-            </a:fillRef>
-            <a:effectRef idx="1">
-              <a:schemeClr val="accent1"/>
-            </a:effectRef>
-            <a:fontRef idx="minor">
-              <a:schemeClr val="tx1"/>
-            </a:fontRef>
-          </p:style>
-        </p:cxnSp>
-        <p:sp>
-          <p:nvSpPr>
-            <p:cNvPr id="126" name="橢圓 125">
-              <a:extLst>
-                <a:ext uri="{FF2B5EF4-FFF2-40B4-BE49-F238E27FC236}">
-                  <a16:creationId xmlns:a16="http://schemas.microsoft.com/office/drawing/2014/main" id="{4564FB3B-F39F-ABF4-783D-A8BA0944BB3D}"/>
-                </a:ext>
-              </a:extLst>
-            </p:cNvPr>
-            <p:cNvSpPr/>
-            <p:nvPr/>
-          </p:nvSpPr>
-          <p:spPr>
-            <a:xfrm>
-              <a:off x="1247575" y="4397922"/>
-              <a:ext cx="540000" cy="540000"/>
-            </a:xfrm>
-            <a:prstGeom prst="ellipse">
-              <a:avLst/>
-            </a:prstGeom>
-            <a:noFill/>
-            <a:ln>
-              <a:solidFill>
-                <a:schemeClr val="tx1"/>
-              </a:solidFill>
-            </a:ln>
-          </p:spPr>
-          <p:style>
-            <a:lnRef idx="2">
-              <a:schemeClr val="accent1">
-                <a:shade val="15000"/>
-              </a:schemeClr>
-            </a:lnRef>
-            <a:fillRef idx="1">
-              <a:schemeClr val="accent1"/>
-            </a:fillRef>
-            <a:effectRef idx="0">
-              <a:schemeClr val="accent1"/>
-            </a:effectRef>
-            <a:fontRef idx="minor">
-              <a:schemeClr val="lt1"/>
-            </a:fontRef>
-          </p:style>
-          <p:txBody>
-            <a:bodyPr rtlCol="0" anchor="ctr"/>
-            <a:lstStyle/>
-            <a:p>
-              <a:pPr algn="ctr"/>
-              <a:r>
-                <a:rPr kumimoji="1" lang="en-US" altLang="zh-TW" sz="1200" dirty="0">
-                  <a:solidFill>
-                    <a:schemeClr val="tx1"/>
-                  </a:solidFill>
-                  <a:latin typeface="Microsoft JhengHei UI" panose="020B0604030504040204" pitchFamily="34" charset="-120"/>
-                  <a:ea typeface="Microsoft JhengHei UI" panose="020B0604030504040204" pitchFamily="34" charset="-120"/>
-                </a:rPr>
-                <a:t>m</a:t>
-              </a:r>
-              <a:endParaRPr kumimoji="1" lang="zh-TW" altLang="en-US" sz="1200" dirty="0">
-                <a:solidFill>
-                  <a:schemeClr val="tx1"/>
-                </a:solidFill>
-                <a:latin typeface="Microsoft JhengHei UI" panose="020B0604030504040204" pitchFamily="34" charset="-120"/>
-                <a:ea typeface="Microsoft JhengHei UI" panose="020B0604030504040204" pitchFamily="34" charset="-120"/>
-              </a:endParaRPr>
-            </a:p>
-          </p:txBody>
-        </p:sp>
-        <p:sp>
-          <p:nvSpPr>
-            <p:cNvPr id="127" name="橢圓 126">
-              <a:extLst>
-                <a:ext uri="{FF2B5EF4-FFF2-40B4-BE49-F238E27FC236}">
-                  <a16:creationId xmlns:a16="http://schemas.microsoft.com/office/drawing/2014/main" id="{6EEDB674-357E-1006-8457-DCEBA5912959}"/>
-                </a:ext>
-              </a:extLst>
-            </p:cNvPr>
-            <p:cNvSpPr/>
-            <p:nvPr/>
-          </p:nvSpPr>
-          <p:spPr>
-            <a:xfrm>
-              <a:off x="893080" y="5285132"/>
-              <a:ext cx="540000" cy="540000"/>
-            </a:xfrm>
-            <a:prstGeom prst="ellipse">
-              <a:avLst/>
-            </a:prstGeom>
-            <a:noFill/>
-            <a:ln>
-              <a:solidFill>
-                <a:schemeClr val="tx1"/>
-              </a:solidFill>
-            </a:ln>
-          </p:spPr>
-          <p:style>
-            <a:lnRef idx="2">
-              <a:schemeClr val="accent1">
-                <a:shade val="15000"/>
-              </a:schemeClr>
-            </a:lnRef>
-            <a:fillRef idx="1">
-              <a:schemeClr val="accent1"/>
-            </a:fillRef>
-            <a:effectRef idx="0">
-              <a:schemeClr val="accent1"/>
-            </a:effectRef>
-            <a:fontRef idx="minor">
-              <a:schemeClr val="lt1"/>
-            </a:fontRef>
-          </p:style>
-          <p:txBody>
-            <a:bodyPr rtlCol="0" anchor="ctr"/>
-            <a:lstStyle/>
-            <a:p>
-              <a:pPr algn="ctr"/>
-              <a:endParaRPr kumimoji="1" lang="zh-TW" altLang="en-US" sz="1200" dirty="0">
-                <a:solidFill>
-                  <a:schemeClr val="tx1"/>
-                </a:solidFill>
-                <a:latin typeface="Microsoft JhengHei UI" panose="020B0604030504040204" pitchFamily="34" charset="-120"/>
-                <a:ea typeface="Microsoft JhengHei UI" panose="020B0604030504040204" pitchFamily="34" charset="-120"/>
-              </a:endParaRPr>
-            </a:p>
-          </p:txBody>
-        </p:sp>
-        <p:cxnSp>
-          <p:nvCxnSpPr>
-            <p:cNvPr id="128" name="直線接點 127">
-              <a:extLst>
-                <a:ext uri="{FF2B5EF4-FFF2-40B4-BE49-F238E27FC236}">
-                  <a16:creationId xmlns:a16="http://schemas.microsoft.com/office/drawing/2014/main" id="{524E2784-1B4F-EEE6-56E2-58A6DFF37E12}"/>
-                </a:ext>
-              </a:extLst>
-            </p:cNvPr>
-            <p:cNvCxnSpPr>
-              <a:cxnSpLocks/>
-              <a:stCxn id="119" idx="4"/>
-              <a:endCxn id="126" idx="0"/>
-            </p:cNvCxnSpPr>
-            <p:nvPr/>
-          </p:nvCxnSpPr>
-          <p:spPr>
-            <a:xfrm>
-              <a:off x="1100852" y="4007459"/>
-              <a:ext cx="416723" cy="390463"/>
-            </a:xfrm>
-            <a:prstGeom prst="line">
-              <a:avLst/>
-            </a:prstGeom>
-            <a:ln>
-              <a:solidFill>
-                <a:schemeClr val="bg1">
-                  <a:lumMod val="75000"/>
-                </a:schemeClr>
-              </a:solidFill>
-            </a:ln>
-          </p:spPr>
-          <p:style>
-            <a:lnRef idx="2">
-              <a:schemeClr val="accent1"/>
-            </a:lnRef>
-            <a:fillRef idx="0">
-              <a:schemeClr val="accent1"/>
-            </a:fillRef>
-            <a:effectRef idx="1">
-              <a:schemeClr val="accent1"/>
-            </a:effectRef>
-            <a:fontRef idx="minor">
-              <a:schemeClr val="tx1"/>
-            </a:fontRef>
-          </p:style>
-        </p:cxnSp>
-        <p:sp>
-          <p:nvSpPr>
-            <p:cNvPr id="129" name="橢圓 128">
-              <a:extLst>
-                <a:ext uri="{FF2B5EF4-FFF2-40B4-BE49-F238E27FC236}">
-                  <a16:creationId xmlns:a16="http://schemas.microsoft.com/office/drawing/2014/main" id="{F129A20E-EA8F-137F-B8BE-C02B35EF2FD2}"/>
-                </a:ext>
-              </a:extLst>
-            </p:cNvPr>
-            <p:cNvSpPr/>
-            <p:nvPr/>
-          </p:nvSpPr>
-          <p:spPr>
-            <a:xfrm>
-              <a:off x="435880" y="4417030"/>
-              <a:ext cx="540000" cy="540000"/>
-            </a:xfrm>
-            <a:prstGeom prst="ellipse">
-              <a:avLst/>
-            </a:prstGeom>
-            <a:noFill/>
-            <a:ln>
-              <a:solidFill>
-                <a:schemeClr val="tx1"/>
-              </a:solidFill>
-            </a:ln>
-          </p:spPr>
-          <p:style>
-            <a:lnRef idx="2">
-              <a:schemeClr val="accent1">
-                <a:shade val="15000"/>
-              </a:schemeClr>
-            </a:lnRef>
-            <a:fillRef idx="1">
-              <a:schemeClr val="accent1"/>
-            </a:fillRef>
-            <a:effectRef idx="0">
-              <a:schemeClr val="accent1"/>
-            </a:effectRef>
-            <a:fontRef idx="minor">
-              <a:schemeClr val="lt1"/>
-            </a:fontRef>
-          </p:style>
-          <p:txBody>
-            <a:bodyPr rtlCol="0" anchor="ctr"/>
-            <a:lstStyle/>
-            <a:p>
-              <a:pPr algn="ctr"/>
-              <a:endParaRPr kumimoji="1" lang="zh-TW" altLang="en-US" sz="1200" dirty="0">
-                <a:solidFill>
-                  <a:schemeClr val="tx1"/>
-                </a:solidFill>
-                <a:latin typeface="Microsoft JhengHei UI" panose="020B0604030504040204" pitchFamily="34" charset="-120"/>
-                <a:ea typeface="Microsoft JhengHei UI" panose="020B0604030504040204" pitchFamily="34" charset="-120"/>
-              </a:endParaRPr>
-            </a:p>
-          </p:txBody>
-        </p:sp>
-        <p:cxnSp>
-          <p:nvCxnSpPr>
-            <p:cNvPr id="130" name="直線接點 129">
-              <a:extLst>
-                <a:ext uri="{FF2B5EF4-FFF2-40B4-BE49-F238E27FC236}">
-                  <a16:creationId xmlns:a16="http://schemas.microsoft.com/office/drawing/2014/main" id="{8792DFBE-2E27-124F-3D84-512F6280255E}"/>
-                </a:ext>
-              </a:extLst>
-            </p:cNvPr>
-            <p:cNvCxnSpPr>
-              <a:cxnSpLocks/>
-              <a:stCxn id="119" idx="4"/>
-              <a:endCxn id="129" idx="0"/>
-            </p:cNvCxnSpPr>
-            <p:nvPr/>
-          </p:nvCxnSpPr>
-          <p:spPr>
-            <a:xfrm flipH="1">
-              <a:off x="705880" y="4007459"/>
-              <a:ext cx="394972" cy="409571"/>
-            </a:xfrm>
-            <a:prstGeom prst="line">
-              <a:avLst/>
-            </a:prstGeom>
-            <a:ln>
-              <a:solidFill>
-                <a:schemeClr val="bg1">
-                  <a:lumMod val="75000"/>
-                </a:schemeClr>
-              </a:solidFill>
-            </a:ln>
-          </p:spPr>
-          <p:style>
-            <a:lnRef idx="2">
-              <a:schemeClr val="accent1"/>
-            </a:lnRef>
-            <a:fillRef idx="0">
-              <a:schemeClr val="accent1"/>
-            </a:fillRef>
-            <a:effectRef idx="1">
-              <a:schemeClr val="accent1"/>
-            </a:effectRef>
-            <a:fontRef idx="minor">
-              <a:schemeClr val="tx1"/>
-            </a:fontRef>
-          </p:style>
-        </p:cxnSp>
-        <p:cxnSp>
-          <p:nvCxnSpPr>
-            <p:cNvPr id="131" name="直線接點 130">
-              <a:extLst>
-                <a:ext uri="{FF2B5EF4-FFF2-40B4-BE49-F238E27FC236}">
-                  <a16:creationId xmlns:a16="http://schemas.microsoft.com/office/drawing/2014/main" id="{D64DA9A7-71D0-8B6A-0745-D7DE6A34D2D2}"/>
-                </a:ext>
-              </a:extLst>
-            </p:cNvPr>
-            <p:cNvCxnSpPr>
-              <a:cxnSpLocks/>
-              <a:stCxn id="127" idx="0"/>
-              <a:endCxn id="126" idx="4"/>
-            </p:cNvCxnSpPr>
-            <p:nvPr/>
-          </p:nvCxnSpPr>
-          <p:spPr>
-            <a:xfrm flipV="1">
-              <a:off x="1163080" y="4937922"/>
-              <a:ext cx="354495" cy="347210"/>
-            </a:xfrm>
-            <a:prstGeom prst="line">
-              <a:avLst/>
-            </a:prstGeom>
-            <a:ln>
-              <a:solidFill>
-                <a:schemeClr val="bg1">
-                  <a:lumMod val="75000"/>
-                </a:schemeClr>
-              </a:solidFill>
-            </a:ln>
-          </p:spPr>
-          <p:style>
-            <a:lnRef idx="2">
-              <a:schemeClr val="accent1"/>
-            </a:lnRef>
-            <a:fillRef idx="0">
-              <a:schemeClr val="accent1"/>
-            </a:fillRef>
-            <a:effectRef idx="1">
-              <a:schemeClr val="accent1"/>
-            </a:effectRef>
-            <a:fontRef idx="minor">
-              <a:schemeClr val="tx1"/>
-            </a:fontRef>
-          </p:style>
-        </p:cxnSp>
-        <p:sp>
-          <p:nvSpPr>
-            <p:cNvPr id="132" name="橢圓 131">
-              <a:extLst>
-                <a:ext uri="{FF2B5EF4-FFF2-40B4-BE49-F238E27FC236}">
-                  <a16:creationId xmlns:a16="http://schemas.microsoft.com/office/drawing/2014/main" id="{1B4C5892-B643-2948-6FD1-7C0889A119EE}"/>
-                </a:ext>
-              </a:extLst>
-            </p:cNvPr>
-            <p:cNvSpPr/>
-            <p:nvPr/>
-          </p:nvSpPr>
-          <p:spPr>
-            <a:xfrm>
-              <a:off x="2244866" y="4397922"/>
-              <a:ext cx="540000" cy="540000"/>
-            </a:xfrm>
-            <a:prstGeom prst="ellipse">
-              <a:avLst/>
-            </a:prstGeom>
-            <a:noFill/>
-            <a:ln>
-              <a:solidFill>
-                <a:schemeClr val="bg1">
-                  <a:lumMod val="75000"/>
-                </a:schemeClr>
-              </a:solidFill>
-            </a:ln>
-          </p:spPr>
-          <p:style>
-            <a:lnRef idx="2">
-              <a:schemeClr val="accent1">
-                <a:shade val="15000"/>
-              </a:schemeClr>
-            </a:lnRef>
-            <a:fillRef idx="1">
-              <a:schemeClr val="accent1"/>
-            </a:fillRef>
-            <a:effectRef idx="0">
-              <a:schemeClr val="accent1"/>
-            </a:effectRef>
-            <a:fontRef idx="minor">
-              <a:schemeClr val="lt1"/>
-            </a:fontRef>
-          </p:style>
-          <p:txBody>
-            <a:bodyPr rtlCol="0" anchor="ctr"/>
-            <a:lstStyle/>
-            <a:p>
-              <a:pPr algn="ctr"/>
-              <a:endParaRPr kumimoji="1" lang="zh-TW" altLang="en-US" sz="1200" dirty="0">
-                <a:solidFill>
-                  <a:schemeClr val="tx1"/>
-                </a:solidFill>
-                <a:latin typeface="Microsoft JhengHei UI" panose="020B0604030504040204" pitchFamily="34" charset="-120"/>
-                <a:ea typeface="Microsoft JhengHei UI" panose="020B0604030504040204" pitchFamily="34" charset="-120"/>
-              </a:endParaRPr>
-            </a:p>
-          </p:txBody>
-        </p:sp>
-        <p:cxnSp>
-          <p:nvCxnSpPr>
-            <p:cNvPr id="133" name="直線接點 132">
-              <a:extLst>
-                <a:ext uri="{FF2B5EF4-FFF2-40B4-BE49-F238E27FC236}">
-                  <a16:creationId xmlns:a16="http://schemas.microsoft.com/office/drawing/2014/main" id="{75186B18-AEB1-B9FF-64CC-B0E4E05665C9}"/>
-                </a:ext>
-              </a:extLst>
-            </p:cNvPr>
-            <p:cNvCxnSpPr>
-              <a:cxnSpLocks/>
-              <a:stCxn id="124" idx="4"/>
-              <a:endCxn id="132" idx="0"/>
-            </p:cNvCxnSpPr>
-            <p:nvPr/>
-          </p:nvCxnSpPr>
-          <p:spPr>
-            <a:xfrm>
-              <a:off x="2047604" y="4050712"/>
-              <a:ext cx="467262" cy="347210"/>
-            </a:xfrm>
-            <a:prstGeom prst="line">
-              <a:avLst/>
-            </a:prstGeom>
-            <a:ln>
-              <a:solidFill>
-                <a:schemeClr val="bg1">
-                  <a:lumMod val="75000"/>
-                </a:schemeClr>
-              </a:solidFill>
-            </a:ln>
-          </p:spPr>
-          <p:style>
-            <a:lnRef idx="2">
-              <a:schemeClr val="accent1"/>
-            </a:lnRef>
-            <a:fillRef idx="0">
-              <a:schemeClr val="accent1"/>
-            </a:fillRef>
-            <a:effectRef idx="1">
-              <a:schemeClr val="accent1"/>
-            </a:effectRef>
-            <a:fontRef idx="minor">
-              <a:schemeClr val="tx1"/>
-            </a:fontRef>
-          </p:style>
-        </p:cxnSp>
-      </p:grpSp>
-      <p:grpSp>
-        <p:nvGrpSpPr>
           <p:cNvPr id="151" name="群組 150">
             <a:extLst>
               <a:ext uri="{FF2B5EF4-FFF2-40B4-BE49-F238E27FC236}">
@@ -11701,28 +9699,1567 @@
           </p:txBody>
         </p:sp>
       </p:grpSp>
-      <p:cxnSp>
-        <p:nvCxnSpPr>
-          <p:cNvPr id="159" name="直線接點 158">
+      <p:sp>
+        <p:nvSpPr>
+          <p:cNvPr id="9" name="橢圓 8">
             <a:extLst>
               <a:ext uri="{FF2B5EF4-FFF2-40B4-BE49-F238E27FC236}">
-                <a16:creationId xmlns:a16="http://schemas.microsoft.com/office/drawing/2014/main" id="{1B549039-C918-2BB6-B9DD-26DFF8B18650}"/>
+                <a16:creationId xmlns:a16="http://schemas.microsoft.com/office/drawing/2014/main" id="{E0F7110E-B4CD-CFD2-2BAC-404A3F43A013}"/>
               </a:ext>
             </a:extLst>
           </p:cNvPr>
-          <p:cNvCxnSpPr/>
+          <p:cNvSpPr/>
+          <p:nvPr/>
+        </p:nvSpPr>
+        <p:spPr>
+          <a:xfrm>
+            <a:off x="6596325" y="2778421"/>
+            <a:ext cx="540000" cy="540000"/>
+          </a:xfrm>
+          <a:prstGeom prst="ellipse">
+            <a:avLst/>
+          </a:prstGeom>
+          <a:noFill/>
+          <a:ln>
+            <a:solidFill>
+              <a:schemeClr val="bg1">
+                <a:lumMod val="75000"/>
+              </a:schemeClr>
+            </a:solidFill>
+          </a:ln>
+        </p:spPr>
+        <p:style>
+          <a:lnRef idx="2">
+            <a:schemeClr val="accent1">
+              <a:shade val="15000"/>
+            </a:schemeClr>
+          </a:lnRef>
+          <a:fillRef idx="1">
+            <a:schemeClr val="accent1"/>
+          </a:fillRef>
+          <a:effectRef idx="0">
+            <a:schemeClr val="accent1"/>
+          </a:effectRef>
+          <a:fontRef idx="minor">
+            <a:schemeClr val="lt1"/>
+          </a:fontRef>
+        </p:style>
+        <p:txBody>
+          <a:bodyPr rtlCol="0" anchor="ctr"/>
+          <a:lstStyle/>
+          <a:p>
+            <a:pPr algn="ctr"/>
+            <a:r>
+              <a:rPr kumimoji="1" lang="en-US" altLang="zh-TW" sz="1200" dirty="0">
+                <a:solidFill>
+                  <a:schemeClr val="tx1"/>
+                </a:solidFill>
+                <a:latin typeface="Microsoft JhengHei UI" panose="020B0604030504040204" pitchFamily="34" charset="-120"/>
+                <a:ea typeface="Microsoft JhengHei UI" panose="020B0604030504040204" pitchFamily="34" charset="-120"/>
+              </a:rPr>
+              <a:t>n</a:t>
+            </a:r>
+            <a:endParaRPr kumimoji="1" lang="zh-TW" altLang="en-US" sz="1200" dirty="0">
+              <a:solidFill>
+                <a:schemeClr val="tx1"/>
+              </a:solidFill>
+              <a:latin typeface="Microsoft JhengHei UI" panose="020B0604030504040204" pitchFamily="34" charset="-120"/>
+              <a:ea typeface="Microsoft JhengHei UI" panose="020B0604030504040204" pitchFamily="34" charset="-120"/>
+            </a:endParaRPr>
+          </a:p>
+        </p:txBody>
+      </p:sp>
+      <p:sp>
+        <p:nvSpPr>
+          <p:cNvPr id="10" name="橢圓 9">
+            <a:extLst>
+              <a:ext uri="{FF2B5EF4-FFF2-40B4-BE49-F238E27FC236}">
+                <a16:creationId xmlns:a16="http://schemas.microsoft.com/office/drawing/2014/main" id="{8E881F30-F4ED-2133-EDCF-449C60A4F929}"/>
+              </a:ext>
+            </a:extLst>
+          </p:cNvPr>
+          <p:cNvSpPr/>
+          <p:nvPr/>
+        </p:nvSpPr>
+        <p:spPr>
+          <a:xfrm>
+            <a:off x="6881249" y="2016421"/>
+            <a:ext cx="540000" cy="540000"/>
+          </a:xfrm>
+          <a:prstGeom prst="ellipse">
+            <a:avLst/>
+          </a:prstGeom>
+          <a:noFill/>
+          <a:ln>
+            <a:solidFill>
+              <a:schemeClr val="bg1">
+                <a:lumMod val="75000"/>
+              </a:schemeClr>
+            </a:solidFill>
+          </a:ln>
+        </p:spPr>
+        <p:style>
+          <a:lnRef idx="2">
+            <a:schemeClr val="accent1">
+              <a:shade val="15000"/>
+            </a:schemeClr>
+          </a:lnRef>
+          <a:fillRef idx="1">
+            <a:schemeClr val="accent1"/>
+          </a:fillRef>
+          <a:effectRef idx="0">
+            <a:schemeClr val="accent1"/>
+          </a:effectRef>
+          <a:fontRef idx="minor">
+            <a:schemeClr val="lt1"/>
+          </a:fontRef>
+        </p:style>
+        <p:txBody>
+          <a:bodyPr rtlCol="0" anchor="ctr"/>
+          <a:lstStyle/>
+          <a:p>
+            <a:pPr algn="ctr"/>
+            <a:r>
+              <a:rPr kumimoji="1" lang="en-US" altLang="zh-TW" sz="1200" dirty="0">
+                <a:solidFill>
+                  <a:schemeClr val="tx1"/>
+                </a:solidFill>
+                <a:latin typeface="Microsoft JhengHei UI" panose="020B0604030504040204" pitchFamily="34" charset="-120"/>
+                <a:ea typeface="Microsoft JhengHei UI" panose="020B0604030504040204" pitchFamily="34" charset="-120"/>
+              </a:rPr>
+              <a:t>p</a:t>
+            </a:r>
+            <a:endParaRPr kumimoji="1" lang="zh-TW" altLang="en-US" sz="1200" dirty="0">
+              <a:solidFill>
+                <a:schemeClr val="tx1"/>
+              </a:solidFill>
+              <a:latin typeface="Microsoft JhengHei UI" panose="020B0604030504040204" pitchFamily="34" charset="-120"/>
+              <a:ea typeface="Microsoft JhengHei UI" panose="020B0604030504040204" pitchFamily="34" charset="-120"/>
+            </a:endParaRPr>
+          </a:p>
+        </p:txBody>
+      </p:sp>
+      <p:sp>
+        <p:nvSpPr>
+          <p:cNvPr id="12" name="橢圓 11">
+            <a:extLst>
+              <a:ext uri="{FF2B5EF4-FFF2-40B4-BE49-F238E27FC236}">
+                <a16:creationId xmlns:a16="http://schemas.microsoft.com/office/drawing/2014/main" id="{E07A6BE0-5898-7D7B-B17E-71FA7FF1A38F}"/>
+              </a:ext>
+            </a:extLst>
+          </p:cNvPr>
+          <p:cNvSpPr/>
+          <p:nvPr/>
+        </p:nvSpPr>
+        <p:spPr>
+          <a:xfrm>
+            <a:off x="7298690" y="2712161"/>
+            <a:ext cx="540000" cy="540000"/>
+          </a:xfrm>
+          <a:prstGeom prst="ellipse">
+            <a:avLst/>
+          </a:prstGeom>
+          <a:noFill/>
+          <a:ln>
+            <a:solidFill>
+              <a:schemeClr val="bg1">
+                <a:lumMod val="75000"/>
+              </a:schemeClr>
+            </a:solidFill>
+          </a:ln>
+        </p:spPr>
+        <p:style>
+          <a:lnRef idx="2">
+            <a:schemeClr val="accent1">
+              <a:shade val="15000"/>
+            </a:schemeClr>
+          </a:lnRef>
+          <a:fillRef idx="1">
+            <a:schemeClr val="accent1"/>
+          </a:fillRef>
+          <a:effectRef idx="0">
+            <a:schemeClr val="accent1"/>
+          </a:effectRef>
+          <a:fontRef idx="minor">
+            <a:schemeClr val="lt1"/>
+          </a:fontRef>
+        </p:style>
+        <p:txBody>
+          <a:bodyPr rtlCol="0" anchor="ctr"/>
+          <a:lstStyle/>
+          <a:p>
+            <a:pPr algn="ctr"/>
+            <a:endParaRPr kumimoji="1" lang="zh-TW" altLang="en-US" sz="1200" dirty="0">
+              <a:solidFill>
+                <a:schemeClr val="tx1"/>
+              </a:solidFill>
+              <a:latin typeface="Microsoft JhengHei UI" panose="020B0604030504040204" pitchFamily="34" charset="-120"/>
+              <a:ea typeface="Microsoft JhengHei UI" panose="020B0604030504040204" pitchFamily="34" charset="-120"/>
+            </a:endParaRPr>
+          </a:p>
+        </p:txBody>
+      </p:sp>
+      <p:sp>
+        <p:nvSpPr>
+          <p:cNvPr id="13" name="橢圓 12">
+            <a:extLst>
+              <a:ext uri="{FF2B5EF4-FFF2-40B4-BE49-F238E27FC236}">
+                <a16:creationId xmlns:a16="http://schemas.microsoft.com/office/drawing/2014/main" id="{93DF7E77-8A35-E195-04B3-E3A6D18BFC95}"/>
+              </a:ext>
+            </a:extLst>
+          </p:cNvPr>
+          <p:cNvSpPr/>
+          <p:nvPr/>
+        </p:nvSpPr>
+        <p:spPr>
+          <a:xfrm>
+            <a:off x="6532514" y="4240544"/>
+            <a:ext cx="540000" cy="540000"/>
+          </a:xfrm>
+          <a:prstGeom prst="ellipse">
+            <a:avLst/>
+          </a:prstGeom>
+          <a:noFill/>
+          <a:ln>
+            <a:solidFill>
+              <a:schemeClr val="tx1"/>
+            </a:solidFill>
+          </a:ln>
+        </p:spPr>
+        <p:style>
+          <a:lnRef idx="2">
+            <a:schemeClr val="accent1">
+              <a:shade val="15000"/>
+            </a:schemeClr>
+          </a:lnRef>
+          <a:fillRef idx="1">
+            <a:schemeClr val="accent1"/>
+          </a:fillRef>
+          <a:effectRef idx="0">
+            <a:schemeClr val="accent1"/>
+          </a:effectRef>
+          <a:fontRef idx="minor">
+            <a:schemeClr val="lt1"/>
+          </a:fontRef>
+        </p:style>
+        <p:txBody>
+          <a:bodyPr rtlCol="0" anchor="ctr"/>
+          <a:lstStyle/>
+          <a:p>
+            <a:pPr algn="ctr"/>
+            <a:r>
+              <a:rPr kumimoji="1" lang="en-US" altLang="zh-TW" sz="1200" dirty="0">
+                <a:solidFill>
+                  <a:schemeClr val="tx1"/>
+                </a:solidFill>
+                <a:latin typeface="Microsoft JhengHei UI" panose="020B0604030504040204" pitchFamily="34" charset="-120"/>
+                <a:ea typeface="Microsoft JhengHei UI" panose="020B0604030504040204" pitchFamily="34" charset="-120"/>
+              </a:rPr>
+              <a:t>m</a:t>
+            </a:r>
+            <a:endParaRPr kumimoji="1" lang="zh-TW" altLang="en-US" sz="1200" dirty="0">
+              <a:solidFill>
+                <a:schemeClr val="tx1"/>
+              </a:solidFill>
+              <a:latin typeface="Microsoft JhengHei UI" panose="020B0604030504040204" pitchFamily="34" charset="-120"/>
+              <a:ea typeface="Microsoft JhengHei UI" panose="020B0604030504040204" pitchFamily="34" charset="-120"/>
+            </a:endParaRPr>
+          </a:p>
+        </p:txBody>
+      </p:sp>
+      <p:cxnSp>
+        <p:nvCxnSpPr>
+          <p:cNvPr id="14" name="直線接點 13">
+            <a:extLst>
+              <a:ext uri="{FF2B5EF4-FFF2-40B4-BE49-F238E27FC236}">
+                <a16:creationId xmlns:a16="http://schemas.microsoft.com/office/drawing/2014/main" id="{1DC2DD3E-45F4-B931-3890-A9BA54DE9FFC}"/>
+              </a:ext>
+            </a:extLst>
+          </p:cNvPr>
+          <p:cNvCxnSpPr>
+            <a:cxnSpLocks/>
+            <a:stCxn id="10" idx="4"/>
+            <a:endCxn id="9" idx="0"/>
+          </p:cNvCxnSpPr>
           <p:nvPr/>
         </p:nvCxnSpPr>
         <p:spPr>
-          <a:xfrm>
-            <a:off x="5629810" y="757023"/>
-            <a:ext cx="0" cy="5698431"/>
+          <a:xfrm flipH="1">
+            <a:off x="6866325" y="2556421"/>
+            <a:ext cx="284924" cy="222000"/>
           </a:xfrm>
           <a:prstGeom prst="line">
             <a:avLst/>
           </a:prstGeom>
           <a:ln>
-            <a:prstDash val="dash"/>
+            <a:solidFill>
+              <a:schemeClr val="bg1">
+                <a:lumMod val="75000"/>
+              </a:schemeClr>
+            </a:solidFill>
+          </a:ln>
+        </p:spPr>
+        <p:style>
+          <a:lnRef idx="2">
+            <a:schemeClr val="accent1"/>
+          </a:lnRef>
+          <a:fillRef idx="0">
+            <a:schemeClr val="accent1"/>
+          </a:fillRef>
+          <a:effectRef idx="1">
+            <a:schemeClr val="accent1"/>
+          </a:effectRef>
+          <a:fontRef idx="minor">
+            <a:schemeClr val="tx1"/>
+          </a:fontRef>
+        </p:style>
+      </p:cxnSp>
+      <p:cxnSp>
+        <p:nvCxnSpPr>
+          <p:cNvPr id="15" name="直線接點 14">
+            <a:extLst>
+              <a:ext uri="{FF2B5EF4-FFF2-40B4-BE49-F238E27FC236}">
+                <a16:creationId xmlns:a16="http://schemas.microsoft.com/office/drawing/2014/main" id="{03B4195E-3ECE-67D5-9B93-0A0FC1FDAFB6}"/>
+              </a:ext>
+            </a:extLst>
+          </p:cNvPr>
+          <p:cNvCxnSpPr>
+            <a:cxnSpLocks/>
+            <a:stCxn id="10" idx="4"/>
+            <a:endCxn id="12" idx="0"/>
+          </p:cNvCxnSpPr>
+          <p:nvPr/>
+        </p:nvCxnSpPr>
+        <p:spPr>
+          <a:xfrm>
+            <a:off x="7151249" y="2556421"/>
+            <a:ext cx="417441" cy="155740"/>
+          </a:xfrm>
+          <a:prstGeom prst="line">
+            <a:avLst/>
+          </a:prstGeom>
+          <a:ln>
+            <a:solidFill>
+              <a:schemeClr val="bg1">
+                <a:lumMod val="75000"/>
+              </a:schemeClr>
+            </a:solidFill>
+          </a:ln>
+        </p:spPr>
+        <p:style>
+          <a:lnRef idx="2">
+            <a:schemeClr val="accent1"/>
+          </a:lnRef>
+          <a:fillRef idx="0">
+            <a:schemeClr val="accent1"/>
+          </a:fillRef>
+          <a:effectRef idx="1">
+            <a:schemeClr val="accent1"/>
+          </a:effectRef>
+          <a:fontRef idx="minor">
+            <a:schemeClr val="tx1"/>
+          </a:fontRef>
+        </p:style>
+      </p:cxnSp>
+      <p:cxnSp>
+        <p:nvCxnSpPr>
+          <p:cNvPr id="18" name="直線接點 17">
+            <a:extLst>
+              <a:ext uri="{FF2B5EF4-FFF2-40B4-BE49-F238E27FC236}">
+                <a16:creationId xmlns:a16="http://schemas.microsoft.com/office/drawing/2014/main" id="{B588D750-1FCC-0963-0141-60872CFCDD8C}"/>
+              </a:ext>
+            </a:extLst>
+          </p:cNvPr>
+          <p:cNvCxnSpPr>
+            <a:cxnSpLocks/>
+            <a:stCxn id="9" idx="4"/>
+            <a:endCxn id="24" idx="0"/>
+          </p:cNvCxnSpPr>
+          <p:nvPr/>
+        </p:nvCxnSpPr>
+        <p:spPr>
+          <a:xfrm flipH="1">
+            <a:off x="6362427" y="3318421"/>
+            <a:ext cx="503898" cy="224214"/>
+          </a:xfrm>
+          <a:prstGeom prst="line">
+            <a:avLst/>
+          </a:prstGeom>
+          <a:ln>
+            <a:solidFill>
+              <a:schemeClr val="bg1">
+                <a:lumMod val="75000"/>
+              </a:schemeClr>
+            </a:solidFill>
+          </a:ln>
+        </p:spPr>
+        <p:style>
+          <a:lnRef idx="2">
+            <a:schemeClr val="accent1"/>
+          </a:lnRef>
+          <a:fillRef idx="0">
+            <a:schemeClr val="accent1"/>
+          </a:fillRef>
+          <a:effectRef idx="1">
+            <a:schemeClr val="accent1"/>
+          </a:effectRef>
+          <a:fontRef idx="minor">
+            <a:schemeClr val="tx1"/>
+          </a:fontRef>
+        </p:style>
+      </p:cxnSp>
+      <p:sp>
+        <p:nvSpPr>
+          <p:cNvPr id="19" name="文字方塊 18">
+            <a:extLst>
+              <a:ext uri="{FF2B5EF4-FFF2-40B4-BE49-F238E27FC236}">
+                <a16:creationId xmlns:a16="http://schemas.microsoft.com/office/drawing/2014/main" id="{FA7EB2A3-F01C-4F06-6E5D-FAB0633DF553}"/>
+              </a:ext>
+            </a:extLst>
+          </p:cNvPr>
+          <p:cNvSpPr txBox="1"/>
+          <p:nvPr/>
+        </p:nvSpPr>
+        <p:spPr>
+          <a:xfrm>
+            <a:off x="5921397" y="1353307"/>
+            <a:ext cx="2302233" cy="461665"/>
+          </a:xfrm>
+          <a:prstGeom prst="rect">
+            <a:avLst/>
+          </a:prstGeom>
+          <a:noFill/>
+        </p:spPr>
+        <p:txBody>
+          <a:bodyPr wrap="square" rtlCol="0">
+            <a:spAutoFit/>
+          </a:bodyPr>
+          <a:lstStyle/>
+          <a:p>
+            <a:r>
+              <a:rPr kumimoji="1" lang="en-US" altLang="zh-TW" sz="1200" dirty="0">
+                <a:latin typeface="Microsoft JhengHei UI" panose="020B0604030504040204" pitchFamily="34" charset="-120"/>
+                <a:ea typeface="Microsoft JhengHei UI" panose="020B0604030504040204" pitchFamily="34" charset="-120"/>
+              </a:rPr>
+              <a:t>Delete node having two child &amp; m is leaf with </a:t>
+            </a:r>
+            <a:r>
+              <a:rPr kumimoji="1" lang="en-US" altLang="zh-TW" sz="1200" dirty="0" err="1">
+                <a:latin typeface="Microsoft JhengHei UI" panose="020B0604030504040204" pitchFamily="34" charset="-120"/>
+                <a:ea typeface="Microsoft JhengHei UI" panose="020B0604030504040204" pitchFamily="34" charset="-120"/>
+              </a:rPr>
+              <a:t>m.p</a:t>
+            </a:r>
+            <a:endParaRPr kumimoji="1" lang="zh-TW" altLang="en-US" sz="1200" dirty="0">
+              <a:latin typeface="Microsoft JhengHei UI" panose="020B0604030504040204" pitchFamily="34" charset="-120"/>
+              <a:ea typeface="Microsoft JhengHei UI" panose="020B0604030504040204" pitchFamily="34" charset="-120"/>
+            </a:endParaRPr>
+          </a:p>
+        </p:txBody>
+      </p:sp>
+      <p:sp>
+        <p:nvSpPr>
+          <p:cNvPr id="20" name="橢圓 19">
+            <a:extLst>
+              <a:ext uri="{FF2B5EF4-FFF2-40B4-BE49-F238E27FC236}">
+                <a16:creationId xmlns:a16="http://schemas.microsoft.com/office/drawing/2014/main" id="{CBC247C3-FA8D-97A0-3E75-97A339D36CF6}"/>
+              </a:ext>
+            </a:extLst>
+          </p:cNvPr>
+          <p:cNvSpPr/>
+          <p:nvPr/>
+        </p:nvSpPr>
+        <p:spPr>
+          <a:xfrm>
+            <a:off x="7172014" y="3583675"/>
+            <a:ext cx="540000" cy="540000"/>
+          </a:xfrm>
+          <a:prstGeom prst="ellipse">
+            <a:avLst/>
+          </a:prstGeom>
+          <a:noFill/>
+          <a:ln>
+            <a:solidFill>
+              <a:schemeClr val="bg1">
+                <a:lumMod val="75000"/>
+              </a:schemeClr>
+            </a:solidFill>
+          </a:ln>
+        </p:spPr>
+        <p:style>
+          <a:lnRef idx="2">
+            <a:schemeClr val="accent1">
+              <a:shade val="15000"/>
+            </a:schemeClr>
+          </a:lnRef>
+          <a:fillRef idx="1">
+            <a:schemeClr val="accent1"/>
+          </a:fillRef>
+          <a:effectRef idx="0">
+            <a:schemeClr val="accent1"/>
+          </a:effectRef>
+          <a:fontRef idx="minor">
+            <a:schemeClr val="lt1"/>
+          </a:fontRef>
+        </p:style>
+        <p:txBody>
+          <a:bodyPr rtlCol="0" anchor="ctr"/>
+          <a:lstStyle/>
+          <a:p>
+            <a:pPr algn="ctr"/>
+            <a:endParaRPr kumimoji="1" lang="zh-TW" altLang="en-US" sz="1200" dirty="0">
+              <a:solidFill>
+                <a:schemeClr val="tx1"/>
+              </a:solidFill>
+              <a:latin typeface="Microsoft JhengHei UI" panose="020B0604030504040204" pitchFamily="34" charset="-120"/>
+              <a:ea typeface="Microsoft JhengHei UI" panose="020B0604030504040204" pitchFamily="34" charset="-120"/>
+            </a:endParaRPr>
+          </a:p>
+        </p:txBody>
+      </p:sp>
+      <p:cxnSp>
+        <p:nvCxnSpPr>
+          <p:cNvPr id="21" name="直線接點 20">
+            <a:extLst>
+              <a:ext uri="{FF2B5EF4-FFF2-40B4-BE49-F238E27FC236}">
+                <a16:creationId xmlns:a16="http://schemas.microsoft.com/office/drawing/2014/main" id="{29894FFD-4671-8417-3034-3BB48AEAFE3E}"/>
+              </a:ext>
+            </a:extLst>
+          </p:cNvPr>
+          <p:cNvCxnSpPr>
+            <a:cxnSpLocks/>
+            <a:stCxn id="9" idx="4"/>
+            <a:endCxn id="20" idx="0"/>
+          </p:cNvCxnSpPr>
+          <p:nvPr/>
+        </p:nvCxnSpPr>
+        <p:spPr>
+          <a:xfrm>
+            <a:off x="6866325" y="3318421"/>
+            <a:ext cx="575689" cy="265254"/>
+          </a:xfrm>
+          <a:prstGeom prst="line">
+            <a:avLst/>
+          </a:prstGeom>
+          <a:ln>
+            <a:solidFill>
+              <a:schemeClr val="bg1">
+                <a:lumMod val="75000"/>
+              </a:schemeClr>
+            </a:solidFill>
+          </a:ln>
+        </p:spPr>
+        <p:style>
+          <a:lnRef idx="2">
+            <a:schemeClr val="accent1"/>
+          </a:lnRef>
+          <a:fillRef idx="0">
+            <a:schemeClr val="accent1"/>
+          </a:fillRef>
+          <a:effectRef idx="1">
+            <a:schemeClr val="accent1"/>
+          </a:effectRef>
+          <a:fontRef idx="minor">
+            <a:schemeClr val="tx1"/>
+          </a:fontRef>
+        </p:style>
+      </p:cxnSp>
+      <p:sp>
+        <p:nvSpPr>
+          <p:cNvPr id="22" name="橢圓 21">
+            <a:extLst>
+              <a:ext uri="{FF2B5EF4-FFF2-40B4-BE49-F238E27FC236}">
+                <a16:creationId xmlns:a16="http://schemas.microsoft.com/office/drawing/2014/main" id="{1E7D6046-FABD-C0D8-FFF0-41476B37A22A}"/>
+              </a:ext>
+            </a:extLst>
+          </p:cNvPr>
+          <p:cNvSpPr/>
+          <p:nvPr/>
+        </p:nvSpPr>
+        <p:spPr>
+          <a:xfrm>
+            <a:off x="7590375" y="4255149"/>
+            <a:ext cx="540000" cy="540000"/>
+          </a:xfrm>
+          <a:prstGeom prst="ellipse">
+            <a:avLst/>
+          </a:prstGeom>
+          <a:noFill/>
+          <a:ln>
+            <a:solidFill>
+              <a:schemeClr val="bg1">
+                <a:lumMod val="75000"/>
+              </a:schemeClr>
+            </a:solidFill>
+          </a:ln>
+        </p:spPr>
+        <p:style>
+          <a:lnRef idx="2">
+            <a:schemeClr val="accent1">
+              <a:shade val="15000"/>
+            </a:schemeClr>
+          </a:lnRef>
+          <a:fillRef idx="1">
+            <a:schemeClr val="accent1"/>
+          </a:fillRef>
+          <a:effectRef idx="0">
+            <a:schemeClr val="accent1"/>
+          </a:effectRef>
+          <a:fontRef idx="minor">
+            <a:schemeClr val="lt1"/>
+          </a:fontRef>
+        </p:style>
+        <p:txBody>
+          <a:bodyPr rtlCol="0" anchor="ctr"/>
+          <a:lstStyle/>
+          <a:p>
+            <a:pPr algn="ctr"/>
+            <a:endParaRPr kumimoji="1" lang="zh-TW" altLang="en-US" sz="1200" dirty="0">
+              <a:solidFill>
+                <a:schemeClr val="tx1"/>
+              </a:solidFill>
+              <a:latin typeface="Microsoft JhengHei UI" panose="020B0604030504040204" pitchFamily="34" charset="-120"/>
+              <a:ea typeface="Microsoft JhengHei UI" panose="020B0604030504040204" pitchFamily="34" charset="-120"/>
+            </a:endParaRPr>
+          </a:p>
+        </p:txBody>
+      </p:sp>
+      <p:cxnSp>
+        <p:nvCxnSpPr>
+          <p:cNvPr id="23" name="直線接點 22">
+            <a:extLst>
+              <a:ext uri="{FF2B5EF4-FFF2-40B4-BE49-F238E27FC236}">
+                <a16:creationId xmlns:a16="http://schemas.microsoft.com/office/drawing/2014/main" id="{CCB33A2E-C794-8E59-EF8A-C93133A61FB5}"/>
+              </a:ext>
+            </a:extLst>
+          </p:cNvPr>
+          <p:cNvCxnSpPr>
+            <a:cxnSpLocks/>
+            <a:stCxn id="20" idx="4"/>
+            <a:endCxn id="22" idx="0"/>
+          </p:cNvCxnSpPr>
+          <p:nvPr/>
+        </p:nvCxnSpPr>
+        <p:spPr>
+          <a:xfrm>
+            <a:off x="7442014" y="4123675"/>
+            <a:ext cx="418361" cy="131474"/>
+          </a:xfrm>
+          <a:prstGeom prst="line">
+            <a:avLst/>
+          </a:prstGeom>
+          <a:ln>
+            <a:solidFill>
+              <a:schemeClr val="bg1">
+                <a:lumMod val="75000"/>
+              </a:schemeClr>
+            </a:solidFill>
+          </a:ln>
+        </p:spPr>
+        <p:style>
+          <a:lnRef idx="2">
+            <a:schemeClr val="accent1"/>
+          </a:lnRef>
+          <a:fillRef idx="0">
+            <a:schemeClr val="accent1"/>
+          </a:fillRef>
+          <a:effectRef idx="1">
+            <a:schemeClr val="accent1"/>
+          </a:effectRef>
+          <a:fontRef idx="minor">
+            <a:schemeClr val="tx1"/>
+          </a:fontRef>
+        </p:style>
+      </p:cxnSp>
+      <p:sp>
+        <p:nvSpPr>
+          <p:cNvPr id="24" name="橢圓 23">
+            <a:extLst>
+              <a:ext uri="{FF2B5EF4-FFF2-40B4-BE49-F238E27FC236}">
+                <a16:creationId xmlns:a16="http://schemas.microsoft.com/office/drawing/2014/main" id="{6DF700E5-F9B9-2501-2FEB-E379E2EA64A5}"/>
+              </a:ext>
+            </a:extLst>
+          </p:cNvPr>
+          <p:cNvSpPr/>
+          <p:nvPr/>
+        </p:nvSpPr>
+        <p:spPr>
+          <a:xfrm>
+            <a:off x="6092427" y="3542635"/>
+            <a:ext cx="540000" cy="540000"/>
+          </a:xfrm>
+          <a:prstGeom prst="ellipse">
+            <a:avLst/>
+          </a:prstGeom>
+          <a:noFill/>
+          <a:ln>
+            <a:solidFill>
+              <a:schemeClr val="bg1">
+                <a:lumMod val="75000"/>
+              </a:schemeClr>
+            </a:solidFill>
+          </a:ln>
+        </p:spPr>
+        <p:style>
+          <a:lnRef idx="2">
+            <a:schemeClr val="accent1">
+              <a:shade val="15000"/>
+            </a:schemeClr>
+          </a:lnRef>
+          <a:fillRef idx="1">
+            <a:schemeClr val="accent1"/>
+          </a:fillRef>
+          <a:effectRef idx="0">
+            <a:schemeClr val="accent1"/>
+          </a:effectRef>
+          <a:fontRef idx="minor">
+            <a:schemeClr val="lt1"/>
+          </a:fontRef>
+        </p:style>
+        <p:txBody>
+          <a:bodyPr rtlCol="0" anchor="ctr"/>
+          <a:lstStyle/>
+          <a:p>
+            <a:pPr algn="ctr"/>
+            <a:r>
+              <a:rPr kumimoji="1" lang="en-US" altLang="zh-TW" sz="1200" dirty="0" err="1">
+                <a:solidFill>
+                  <a:schemeClr val="tx1"/>
+                </a:solidFill>
+                <a:latin typeface="Microsoft JhengHei UI" panose="020B0604030504040204" pitchFamily="34" charset="-120"/>
+                <a:ea typeface="Microsoft JhengHei UI" panose="020B0604030504040204" pitchFamily="34" charset="-120"/>
+              </a:rPr>
+              <a:t>m.p</a:t>
+            </a:r>
+            <a:endParaRPr kumimoji="1" lang="zh-TW" altLang="en-US" sz="1200" dirty="0">
+              <a:solidFill>
+                <a:schemeClr val="tx1"/>
+              </a:solidFill>
+              <a:latin typeface="Microsoft JhengHei UI" panose="020B0604030504040204" pitchFamily="34" charset="-120"/>
+              <a:ea typeface="Microsoft JhengHei UI" panose="020B0604030504040204" pitchFamily="34" charset="-120"/>
+            </a:endParaRPr>
+          </a:p>
+        </p:txBody>
+      </p:sp>
+      <p:cxnSp>
+        <p:nvCxnSpPr>
+          <p:cNvPr id="28" name="直線接點 27">
+            <a:extLst>
+              <a:ext uri="{FF2B5EF4-FFF2-40B4-BE49-F238E27FC236}">
+                <a16:creationId xmlns:a16="http://schemas.microsoft.com/office/drawing/2014/main" id="{9B4ECDBD-7826-D19D-A610-877275D319BF}"/>
+              </a:ext>
+            </a:extLst>
+          </p:cNvPr>
+          <p:cNvCxnSpPr>
+            <a:cxnSpLocks/>
+            <a:stCxn id="24" idx="4"/>
+            <a:endCxn id="13" idx="0"/>
+          </p:cNvCxnSpPr>
+          <p:nvPr/>
+        </p:nvCxnSpPr>
+        <p:spPr>
+          <a:xfrm>
+            <a:off x="6362427" y="4082635"/>
+            <a:ext cx="440087" cy="157909"/>
+          </a:xfrm>
+          <a:prstGeom prst="line">
+            <a:avLst/>
+          </a:prstGeom>
+          <a:ln>
+            <a:solidFill>
+              <a:schemeClr val="bg1">
+                <a:lumMod val="75000"/>
+              </a:schemeClr>
+            </a:solidFill>
+          </a:ln>
+        </p:spPr>
+        <p:style>
+          <a:lnRef idx="2">
+            <a:schemeClr val="accent1"/>
+          </a:lnRef>
+          <a:fillRef idx="0">
+            <a:schemeClr val="accent1"/>
+          </a:fillRef>
+          <a:effectRef idx="1">
+            <a:schemeClr val="accent1"/>
+          </a:effectRef>
+          <a:fontRef idx="minor">
+            <a:schemeClr val="tx1"/>
+          </a:fontRef>
+        </p:style>
+      </p:cxnSp>
+      <p:sp>
+        <p:nvSpPr>
+          <p:cNvPr id="35" name="橢圓 34">
+            <a:extLst>
+              <a:ext uri="{FF2B5EF4-FFF2-40B4-BE49-F238E27FC236}">
+                <a16:creationId xmlns:a16="http://schemas.microsoft.com/office/drawing/2014/main" id="{6DB43E5C-9CC1-9242-EEA7-CF490B26980B}"/>
+              </a:ext>
+            </a:extLst>
+          </p:cNvPr>
+          <p:cNvSpPr/>
+          <p:nvPr/>
+        </p:nvSpPr>
+        <p:spPr>
+          <a:xfrm>
+            <a:off x="9486495" y="2627562"/>
+            <a:ext cx="540000" cy="540000"/>
+          </a:xfrm>
+          <a:prstGeom prst="ellipse">
+            <a:avLst/>
+          </a:prstGeom>
+          <a:noFill/>
+          <a:ln>
+            <a:solidFill>
+              <a:schemeClr val="bg1">
+                <a:lumMod val="75000"/>
+              </a:schemeClr>
+            </a:solidFill>
+          </a:ln>
+        </p:spPr>
+        <p:style>
+          <a:lnRef idx="2">
+            <a:schemeClr val="accent1">
+              <a:shade val="15000"/>
+            </a:schemeClr>
+          </a:lnRef>
+          <a:fillRef idx="1">
+            <a:schemeClr val="accent1"/>
+          </a:fillRef>
+          <a:effectRef idx="0">
+            <a:schemeClr val="accent1"/>
+          </a:effectRef>
+          <a:fontRef idx="minor">
+            <a:schemeClr val="lt1"/>
+          </a:fontRef>
+        </p:style>
+        <p:txBody>
+          <a:bodyPr rtlCol="0" anchor="ctr"/>
+          <a:lstStyle/>
+          <a:p>
+            <a:pPr algn="ctr"/>
+            <a:endParaRPr kumimoji="1" lang="zh-TW" altLang="en-US" sz="1200" dirty="0">
+              <a:solidFill>
+                <a:schemeClr val="tx1"/>
+              </a:solidFill>
+              <a:latin typeface="Microsoft JhengHei UI" panose="020B0604030504040204" pitchFamily="34" charset="-120"/>
+              <a:ea typeface="Microsoft JhengHei UI" panose="020B0604030504040204" pitchFamily="34" charset="-120"/>
+            </a:endParaRPr>
+          </a:p>
+        </p:txBody>
+      </p:sp>
+      <p:sp>
+        <p:nvSpPr>
+          <p:cNvPr id="36" name="橢圓 35">
+            <a:extLst>
+              <a:ext uri="{FF2B5EF4-FFF2-40B4-BE49-F238E27FC236}">
+                <a16:creationId xmlns:a16="http://schemas.microsoft.com/office/drawing/2014/main" id="{1998E013-191A-BE13-6649-40C3907CF29A}"/>
+              </a:ext>
+            </a:extLst>
+          </p:cNvPr>
+          <p:cNvSpPr/>
+          <p:nvPr/>
+        </p:nvSpPr>
+        <p:spPr>
+          <a:xfrm>
+            <a:off x="9771419" y="1865562"/>
+            <a:ext cx="540000" cy="540000"/>
+          </a:xfrm>
+          <a:prstGeom prst="ellipse">
+            <a:avLst/>
+          </a:prstGeom>
+          <a:noFill/>
+          <a:ln>
+            <a:solidFill>
+              <a:schemeClr val="bg1">
+                <a:lumMod val="75000"/>
+              </a:schemeClr>
+            </a:solidFill>
+          </a:ln>
+        </p:spPr>
+        <p:style>
+          <a:lnRef idx="2">
+            <a:schemeClr val="accent1">
+              <a:shade val="15000"/>
+            </a:schemeClr>
+          </a:lnRef>
+          <a:fillRef idx="1">
+            <a:schemeClr val="accent1"/>
+          </a:fillRef>
+          <a:effectRef idx="0">
+            <a:schemeClr val="accent1"/>
+          </a:effectRef>
+          <a:fontRef idx="minor">
+            <a:schemeClr val="lt1"/>
+          </a:fontRef>
+        </p:style>
+        <p:txBody>
+          <a:bodyPr rtlCol="0" anchor="ctr"/>
+          <a:lstStyle/>
+          <a:p>
+            <a:pPr algn="ctr"/>
+            <a:r>
+              <a:rPr kumimoji="1" lang="en-US" altLang="zh-TW" sz="1200" dirty="0">
+                <a:solidFill>
+                  <a:schemeClr val="tx1"/>
+                </a:solidFill>
+                <a:latin typeface="Microsoft JhengHei UI" panose="020B0604030504040204" pitchFamily="34" charset="-120"/>
+                <a:ea typeface="Microsoft JhengHei UI" panose="020B0604030504040204" pitchFamily="34" charset="-120"/>
+              </a:rPr>
+              <a:t>p</a:t>
+            </a:r>
+            <a:endParaRPr kumimoji="1" lang="zh-TW" altLang="en-US" sz="1200" dirty="0">
+              <a:solidFill>
+                <a:schemeClr val="tx1"/>
+              </a:solidFill>
+              <a:latin typeface="Microsoft JhengHei UI" panose="020B0604030504040204" pitchFamily="34" charset="-120"/>
+              <a:ea typeface="Microsoft JhengHei UI" panose="020B0604030504040204" pitchFamily="34" charset="-120"/>
+            </a:endParaRPr>
+          </a:p>
+        </p:txBody>
+      </p:sp>
+      <p:sp>
+        <p:nvSpPr>
+          <p:cNvPr id="37" name="橢圓 36">
+            <a:extLst>
+              <a:ext uri="{FF2B5EF4-FFF2-40B4-BE49-F238E27FC236}">
+                <a16:creationId xmlns:a16="http://schemas.microsoft.com/office/drawing/2014/main" id="{0EA7BCAA-388E-9730-A696-3986F6FA378E}"/>
+              </a:ext>
+            </a:extLst>
+          </p:cNvPr>
+          <p:cNvSpPr/>
+          <p:nvPr/>
+        </p:nvSpPr>
+        <p:spPr>
+          <a:xfrm>
+            <a:off x="10188860" y="2561302"/>
+            <a:ext cx="540000" cy="540000"/>
+          </a:xfrm>
+          <a:prstGeom prst="ellipse">
+            <a:avLst/>
+          </a:prstGeom>
+          <a:noFill/>
+          <a:ln>
+            <a:solidFill>
+              <a:schemeClr val="bg1">
+                <a:lumMod val="75000"/>
+              </a:schemeClr>
+            </a:solidFill>
+          </a:ln>
+        </p:spPr>
+        <p:style>
+          <a:lnRef idx="2">
+            <a:schemeClr val="accent1">
+              <a:shade val="15000"/>
+            </a:schemeClr>
+          </a:lnRef>
+          <a:fillRef idx="1">
+            <a:schemeClr val="accent1"/>
+          </a:fillRef>
+          <a:effectRef idx="0">
+            <a:schemeClr val="accent1"/>
+          </a:effectRef>
+          <a:fontRef idx="minor">
+            <a:schemeClr val="lt1"/>
+          </a:fontRef>
+        </p:style>
+        <p:txBody>
+          <a:bodyPr rtlCol="0" anchor="ctr"/>
+          <a:lstStyle/>
+          <a:p>
+            <a:pPr algn="ctr"/>
+            <a:r>
+              <a:rPr kumimoji="1" lang="en-US" altLang="zh-TW" sz="1200" dirty="0">
+                <a:solidFill>
+                  <a:schemeClr val="tx1"/>
+                </a:solidFill>
+                <a:latin typeface="Microsoft JhengHei UI" panose="020B0604030504040204" pitchFamily="34" charset="-120"/>
+                <a:ea typeface="Microsoft JhengHei UI" panose="020B0604030504040204" pitchFamily="34" charset="-120"/>
+              </a:rPr>
+              <a:t>n</a:t>
+            </a:r>
+            <a:endParaRPr kumimoji="1" lang="zh-TW" altLang="en-US" sz="1200" dirty="0">
+              <a:solidFill>
+                <a:schemeClr val="tx1"/>
+              </a:solidFill>
+              <a:latin typeface="Microsoft JhengHei UI" panose="020B0604030504040204" pitchFamily="34" charset="-120"/>
+              <a:ea typeface="Microsoft JhengHei UI" panose="020B0604030504040204" pitchFamily="34" charset="-120"/>
+            </a:endParaRPr>
+          </a:p>
+        </p:txBody>
+      </p:sp>
+      <p:sp>
+        <p:nvSpPr>
+          <p:cNvPr id="38" name="橢圓 37">
+            <a:extLst>
+              <a:ext uri="{FF2B5EF4-FFF2-40B4-BE49-F238E27FC236}">
+                <a16:creationId xmlns:a16="http://schemas.microsoft.com/office/drawing/2014/main" id="{AE826D7B-ADA8-47E7-EB68-6829A9E38B26}"/>
+              </a:ext>
+            </a:extLst>
+          </p:cNvPr>
+          <p:cNvSpPr/>
+          <p:nvPr/>
+        </p:nvSpPr>
+        <p:spPr>
+          <a:xfrm>
+            <a:off x="9950564" y="4157008"/>
+            <a:ext cx="540000" cy="540000"/>
+          </a:xfrm>
+          <a:prstGeom prst="ellipse">
+            <a:avLst/>
+          </a:prstGeom>
+          <a:noFill/>
+          <a:ln>
+            <a:solidFill>
+              <a:schemeClr val="tx1"/>
+            </a:solidFill>
+          </a:ln>
+        </p:spPr>
+        <p:style>
+          <a:lnRef idx="2">
+            <a:schemeClr val="accent1">
+              <a:shade val="15000"/>
+            </a:schemeClr>
+          </a:lnRef>
+          <a:fillRef idx="1">
+            <a:schemeClr val="accent1"/>
+          </a:fillRef>
+          <a:effectRef idx="0">
+            <a:schemeClr val="accent1"/>
+          </a:effectRef>
+          <a:fontRef idx="minor">
+            <a:schemeClr val="lt1"/>
+          </a:fontRef>
+        </p:style>
+        <p:txBody>
+          <a:bodyPr rtlCol="0" anchor="ctr"/>
+          <a:lstStyle/>
+          <a:p>
+            <a:pPr algn="ctr"/>
+            <a:r>
+              <a:rPr kumimoji="1" lang="en-US" altLang="zh-TW" sz="1200" dirty="0">
+                <a:solidFill>
+                  <a:schemeClr val="tx1"/>
+                </a:solidFill>
+                <a:latin typeface="Microsoft JhengHei UI" panose="020B0604030504040204" pitchFamily="34" charset="-120"/>
+                <a:ea typeface="Microsoft JhengHei UI" panose="020B0604030504040204" pitchFamily="34" charset="-120"/>
+              </a:rPr>
+              <a:t>m</a:t>
+            </a:r>
+            <a:endParaRPr kumimoji="1" lang="zh-TW" altLang="en-US" sz="1200" dirty="0">
+              <a:solidFill>
+                <a:schemeClr val="tx1"/>
+              </a:solidFill>
+              <a:latin typeface="Microsoft JhengHei UI" panose="020B0604030504040204" pitchFamily="34" charset="-120"/>
+              <a:ea typeface="Microsoft JhengHei UI" panose="020B0604030504040204" pitchFamily="34" charset="-120"/>
+            </a:endParaRPr>
+          </a:p>
+        </p:txBody>
+      </p:sp>
+      <p:cxnSp>
+        <p:nvCxnSpPr>
+          <p:cNvPr id="39" name="直線接點 38">
+            <a:extLst>
+              <a:ext uri="{FF2B5EF4-FFF2-40B4-BE49-F238E27FC236}">
+                <a16:creationId xmlns:a16="http://schemas.microsoft.com/office/drawing/2014/main" id="{B7BCD160-2FB4-2846-B68A-EF872DB7274B}"/>
+              </a:ext>
+            </a:extLst>
+          </p:cNvPr>
+          <p:cNvCxnSpPr>
+            <a:cxnSpLocks/>
+            <a:stCxn id="36" idx="4"/>
+            <a:endCxn id="35" idx="0"/>
+          </p:cNvCxnSpPr>
+          <p:nvPr/>
+        </p:nvCxnSpPr>
+        <p:spPr>
+          <a:xfrm flipH="1">
+            <a:off x="9756495" y="2405562"/>
+            <a:ext cx="284924" cy="222000"/>
+          </a:xfrm>
+          <a:prstGeom prst="line">
+            <a:avLst/>
+          </a:prstGeom>
+          <a:ln>
+            <a:solidFill>
+              <a:schemeClr val="bg1">
+                <a:lumMod val="75000"/>
+              </a:schemeClr>
+            </a:solidFill>
+          </a:ln>
+        </p:spPr>
+        <p:style>
+          <a:lnRef idx="2">
+            <a:schemeClr val="accent1"/>
+          </a:lnRef>
+          <a:fillRef idx="0">
+            <a:schemeClr val="accent1"/>
+          </a:fillRef>
+          <a:effectRef idx="1">
+            <a:schemeClr val="accent1"/>
+          </a:effectRef>
+          <a:fontRef idx="minor">
+            <a:schemeClr val="tx1"/>
+          </a:fontRef>
+        </p:style>
+      </p:cxnSp>
+      <p:cxnSp>
+        <p:nvCxnSpPr>
+          <p:cNvPr id="40" name="直線接點 39">
+            <a:extLst>
+              <a:ext uri="{FF2B5EF4-FFF2-40B4-BE49-F238E27FC236}">
+                <a16:creationId xmlns:a16="http://schemas.microsoft.com/office/drawing/2014/main" id="{7F1693E3-F835-0E0D-5DB7-1ECDF3090A67}"/>
+              </a:ext>
+            </a:extLst>
+          </p:cNvPr>
+          <p:cNvCxnSpPr>
+            <a:cxnSpLocks/>
+            <a:stCxn id="36" idx="4"/>
+            <a:endCxn id="37" idx="0"/>
+          </p:cNvCxnSpPr>
+          <p:nvPr/>
+        </p:nvCxnSpPr>
+        <p:spPr>
+          <a:xfrm>
+            <a:off x="10041419" y="2405562"/>
+            <a:ext cx="417441" cy="155740"/>
+          </a:xfrm>
+          <a:prstGeom prst="line">
+            <a:avLst/>
+          </a:prstGeom>
+          <a:ln>
+            <a:solidFill>
+              <a:schemeClr val="bg1">
+                <a:lumMod val="75000"/>
+              </a:schemeClr>
+            </a:solidFill>
+          </a:ln>
+        </p:spPr>
+        <p:style>
+          <a:lnRef idx="2">
+            <a:schemeClr val="accent1"/>
+          </a:lnRef>
+          <a:fillRef idx="0">
+            <a:schemeClr val="accent1"/>
+          </a:fillRef>
+          <a:effectRef idx="1">
+            <a:schemeClr val="accent1"/>
+          </a:effectRef>
+          <a:fontRef idx="minor">
+            <a:schemeClr val="tx1"/>
+          </a:fontRef>
+        </p:style>
+      </p:cxnSp>
+      <p:cxnSp>
+        <p:nvCxnSpPr>
+          <p:cNvPr id="41" name="直線接點 40">
+            <a:extLst>
+              <a:ext uri="{FF2B5EF4-FFF2-40B4-BE49-F238E27FC236}">
+                <a16:creationId xmlns:a16="http://schemas.microsoft.com/office/drawing/2014/main" id="{5AAD85CD-3AA5-9B4C-B939-1558EF99E4B1}"/>
+              </a:ext>
+            </a:extLst>
+          </p:cNvPr>
+          <p:cNvCxnSpPr>
+            <a:cxnSpLocks/>
+            <a:stCxn id="37" idx="4"/>
+            <a:endCxn id="57" idx="0"/>
+          </p:cNvCxnSpPr>
+          <p:nvPr/>
+        </p:nvCxnSpPr>
+        <p:spPr>
+          <a:xfrm flipH="1">
+            <a:off x="9908895" y="3101302"/>
+            <a:ext cx="549965" cy="348133"/>
+          </a:xfrm>
+          <a:prstGeom prst="line">
+            <a:avLst/>
+          </a:prstGeom>
+          <a:ln>
+            <a:solidFill>
+              <a:schemeClr val="bg1">
+                <a:lumMod val="75000"/>
+              </a:schemeClr>
+            </a:solidFill>
+          </a:ln>
+        </p:spPr>
+        <p:style>
+          <a:lnRef idx="2">
+            <a:schemeClr val="accent1"/>
+          </a:lnRef>
+          <a:fillRef idx="0">
+            <a:schemeClr val="accent1"/>
+          </a:fillRef>
+          <a:effectRef idx="1">
+            <a:schemeClr val="accent1"/>
+          </a:effectRef>
+          <a:fontRef idx="minor">
+            <a:schemeClr val="tx1"/>
+          </a:fontRef>
+        </p:style>
+      </p:cxnSp>
+      <p:sp>
+        <p:nvSpPr>
+          <p:cNvPr id="43" name="文字方塊 42">
+            <a:extLst>
+              <a:ext uri="{FF2B5EF4-FFF2-40B4-BE49-F238E27FC236}">
+                <a16:creationId xmlns:a16="http://schemas.microsoft.com/office/drawing/2014/main" id="{4ECE78EA-C2B8-F676-3FE8-A47A48943F71}"/>
+              </a:ext>
+            </a:extLst>
+          </p:cNvPr>
+          <p:cNvSpPr txBox="1"/>
+          <p:nvPr/>
+        </p:nvSpPr>
+        <p:spPr>
+          <a:xfrm>
+            <a:off x="9037695" y="1320031"/>
+            <a:ext cx="2187344" cy="461665"/>
+          </a:xfrm>
+          <a:prstGeom prst="rect">
+            <a:avLst/>
+          </a:prstGeom>
+          <a:noFill/>
+        </p:spPr>
+        <p:txBody>
+          <a:bodyPr wrap="square" rtlCol="0">
+            <a:spAutoFit/>
+          </a:bodyPr>
+          <a:lstStyle/>
+          <a:p>
+            <a:r>
+              <a:rPr kumimoji="1" lang="en-US" altLang="zh-TW" sz="1200" dirty="0">
+                <a:latin typeface="Microsoft JhengHei UI" panose="020B0604030504040204" pitchFamily="34" charset="-120"/>
+                <a:ea typeface="Microsoft JhengHei UI" panose="020B0604030504040204" pitchFamily="34" charset="-120"/>
+              </a:rPr>
+              <a:t>Delete node having two child &amp; m is leaf with </a:t>
+            </a:r>
+            <a:r>
+              <a:rPr kumimoji="1" lang="en-US" altLang="zh-TW" sz="1200" dirty="0" err="1">
+                <a:latin typeface="Microsoft JhengHei UI" panose="020B0604030504040204" pitchFamily="34" charset="-120"/>
+                <a:ea typeface="Microsoft JhengHei UI" panose="020B0604030504040204" pitchFamily="34" charset="-120"/>
+              </a:rPr>
+              <a:t>m.p</a:t>
+            </a:r>
+            <a:endParaRPr kumimoji="1" lang="zh-TW" altLang="en-US" sz="1200" dirty="0">
+              <a:latin typeface="Microsoft JhengHei UI" panose="020B0604030504040204" pitchFamily="34" charset="-120"/>
+              <a:ea typeface="Microsoft JhengHei UI" panose="020B0604030504040204" pitchFamily="34" charset="-120"/>
+            </a:endParaRPr>
+          </a:p>
+        </p:txBody>
+      </p:sp>
+      <p:sp>
+        <p:nvSpPr>
+          <p:cNvPr id="44" name="橢圓 43">
+            <a:extLst>
+              <a:ext uri="{FF2B5EF4-FFF2-40B4-BE49-F238E27FC236}">
+                <a16:creationId xmlns:a16="http://schemas.microsoft.com/office/drawing/2014/main" id="{DCCC7836-AB77-FC10-CA51-083A12E43734}"/>
+              </a:ext>
+            </a:extLst>
+          </p:cNvPr>
+          <p:cNvSpPr/>
+          <p:nvPr/>
+        </p:nvSpPr>
+        <p:spPr>
+          <a:xfrm>
+            <a:off x="10685039" y="3432816"/>
+            <a:ext cx="540000" cy="540000"/>
+          </a:xfrm>
+          <a:prstGeom prst="ellipse">
+            <a:avLst/>
+          </a:prstGeom>
+          <a:noFill/>
+          <a:ln>
+            <a:solidFill>
+              <a:schemeClr val="bg1">
+                <a:lumMod val="75000"/>
+              </a:schemeClr>
+            </a:solidFill>
+          </a:ln>
+        </p:spPr>
+        <p:style>
+          <a:lnRef idx="2">
+            <a:schemeClr val="accent1">
+              <a:shade val="15000"/>
+            </a:schemeClr>
+          </a:lnRef>
+          <a:fillRef idx="1">
+            <a:schemeClr val="accent1"/>
+          </a:fillRef>
+          <a:effectRef idx="0">
+            <a:schemeClr val="accent1"/>
+          </a:effectRef>
+          <a:fontRef idx="minor">
+            <a:schemeClr val="lt1"/>
+          </a:fontRef>
+        </p:style>
+        <p:txBody>
+          <a:bodyPr rtlCol="0" anchor="ctr"/>
+          <a:lstStyle/>
+          <a:p>
+            <a:pPr algn="ctr"/>
+            <a:endParaRPr kumimoji="1" lang="zh-TW" altLang="en-US" sz="1200" dirty="0">
+              <a:solidFill>
+                <a:schemeClr val="tx1"/>
+              </a:solidFill>
+              <a:latin typeface="Microsoft JhengHei UI" panose="020B0604030504040204" pitchFamily="34" charset="-120"/>
+              <a:ea typeface="Microsoft JhengHei UI" panose="020B0604030504040204" pitchFamily="34" charset="-120"/>
+            </a:endParaRPr>
+          </a:p>
+        </p:txBody>
+      </p:sp>
+      <p:cxnSp>
+        <p:nvCxnSpPr>
+          <p:cNvPr id="54" name="直線接點 53">
+            <a:extLst>
+              <a:ext uri="{FF2B5EF4-FFF2-40B4-BE49-F238E27FC236}">
+                <a16:creationId xmlns:a16="http://schemas.microsoft.com/office/drawing/2014/main" id="{3304AA69-60D7-384B-F1C7-9A5864FAA339}"/>
+              </a:ext>
+            </a:extLst>
+          </p:cNvPr>
+          <p:cNvCxnSpPr>
+            <a:cxnSpLocks/>
+            <a:stCxn id="37" idx="4"/>
+            <a:endCxn id="44" idx="0"/>
+          </p:cNvCxnSpPr>
+          <p:nvPr/>
+        </p:nvCxnSpPr>
+        <p:spPr>
+          <a:xfrm>
+            <a:off x="10458860" y="3101302"/>
+            <a:ext cx="496179" cy="331514"/>
+          </a:xfrm>
+          <a:prstGeom prst="line">
+            <a:avLst/>
+          </a:prstGeom>
+          <a:ln>
+            <a:solidFill>
+              <a:schemeClr val="bg1">
+                <a:lumMod val="75000"/>
+              </a:schemeClr>
+            </a:solidFill>
+          </a:ln>
+        </p:spPr>
+        <p:style>
+          <a:lnRef idx="2">
+            <a:schemeClr val="accent1"/>
+          </a:lnRef>
+          <a:fillRef idx="0">
+            <a:schemeClr val="accent1"/>
+          </a:fillRef>
+          <a:effectRef idx="1">
+            <a:schemeClr val="accent1"/>
+          </a:effectRef>
+          <a:fontRef idx="minor">
+            <a:schemeClr val="tx1"/>
+          </a:fontRef>
+        </p:style>
+      </p:cxnSp>
+      <p:sp>
+        <p:nvSpPr>
+          <p:cNvPr id="55" name="橢圓 54">
+            <a:extLst>
+              <a:ext uri="{FF2B5EF4-FFF2-40B4-BE49-F238E27FC236}">
+                <a16:creationId xmlns:a16="http://schemas.microsoft.com/office/drawing/2014/main" id="{16CBDBDD-C855-1439-8981-FFAD87760E97}"/>
+              </a:ext>
+            </a:extLst>
+          </p:cNvPr>
+          <p:cNvSpPr/>
+          <p:nvPr/>
+        </p:nvSpPr>
+        <p:spPr>
+          <a:xfrm>
+            <a:off x="11023149" y="4104290"/>
+            <a:ext cx="540000" cy="540000"/>
+          </a:xfrm>
+          <a:prstGeom prst="ellipse">
+            <a:avLst/>
+          </a:prstGeom>
+          <a:noFill/>
+          <a:ln>
+            <a:solidFill>
+              <a:schemeClr val="bg1">
+                <a:lumMod val="75000"/>
+              </a:schemeClr>
+            </a:solidFill>
+          </a:ln>
+        </p:spPr>
+        <p:style>
+          <a:lnRef idx="2">
+            <a:schemeClr val="accent1">
+              <a:shade val="15000"/>
+            </a:schemeClr>
+          </a:lnRef>
+          <a:fillRef idx="1">
+            <a:schemeClr val="accent1"/>
+          </a:fillRef>
+          <a:effectRef idx="0">
+            <a:schemeClr val="accent1"/>
+          </a:effectRef>
+          <a:fontRef idx="minor">
+            <a:schemeClr val="lt1"/>
+          </a:fontRef>
+        </p:style>
+        <p:txBody>
+          <a:bodyPr rtlCol="0" anchor="ctr"/>
+          <a:lstStyle/>
+          <a:p>
+            <a:pPr algn="ctr"/>
+            <a:endParaRPr kumimoji="1" lang="zh-TW" altLang="en-US" sz="1200" dirty="0">
+              <a:solidFill>
+                <a:schemeClr val="tx1"/>
+              </a:solidFill>
+              <a:latin typeface="Microsoft JhengHei UI" panose="020B0604030504040204" pitchFamily="34" charset="-120"/>
+              <a:ea typeface="Microsoft JhengHei UI" panose="020B0604030504040204" pitchFamily="34" charset="-120"/>
+            </a:endParaRPr>
+          </a:p>
+        </p:txBody>
+      </p:sp>
+      <p:cxnSp>
+        <p:nvCxnSpPr>
+          <p:cNvPr id="56" name="直線接點 55">
+            <a:extLst>
+              <a:ext uri="{FF2B5EF4-FFF2-40B4-BE49-F238E27FC236}">
+                <a16:creationId xmlns:a16="http://schemas.microsoft.com/office/drawing/2014/main" id="{F7365156-C6D8-ABD5-DF2A-5B4EB8B9CE7C}"/>
+              </a:ext>
+            </a:extLst>
+          </p:cNvPr>
+          <p:cNvCxnSpPr>
+            <a:cxnSpLocks/>
+            <a:stCxn id="44" idx="4"/>
+            <a:endCxn id="55" idx="0"/>
+          </p:cNvCxnSpPr>
+          <p:nvPr/>
+        </p:nvCxnSpPr>
+        <p:spPr>
+          <a:xfrm>
+            <a:off x="10955039" y="3972816"/>
+            <a:ext cx="338110" cy="131474"/>
+          </a:xfrm>
+          <a:prstGeom prst="line">
+            <a:avLst/>
+          </a:prstGeom>
+          <a:ln>
+            <a:solidFill>
+              <a:schemeClr val="bg1">
+                <a:lumMod val="75000"/>
+              </a:schemeClr>
+            </a:solidFill>
+          </a:ln>
+        </p:spPr>
+        <p:style>
+          <a:lnRef idx="2">
+            <a:schemeClr val="accent1"/>
+          </a:lnRef>
+          <a:fillRef idx="0">
+            <a:schemeClr val="accent1"/>
+          </a:fillRef>
+          <a:effectRef idx="1">
+            <a:schemeClr val="accent1"/>
+          </a:effectRef>
+          <a:fontRef idx="minor">
+            <a:schemeClr val="tx1"/>
+          </a:fontRef>
+        </p:style>
+      </p:cxnSp>
+      <p:sp>
+        <p:nvSpPr>
+          <p:cNvPr id="57" name="橢圓 56">
+            <a:extLst>
+              <a:ext uri="{FF2B5EF4-FFF2-40B4-BE49-F238E27FC236}">
+                <a16:creationId xmlns:a16="http://schemas.microsoft.com/office/drawing/2014/main" id="{8CE35BB2-EB8A-903F-9F57-3A1169D24180}"/>
+              </a:ext>
+            </a:extLst>
+          </p:cNvPr>
+          <p:cNvSpPr/>
+          <p:nvPr/>
+        </p:nvSpPr>
+        <p:spPr>
+          <a:xfrm>
+            <a:off x="9638895" y="3449435"/>
+            <a:ext cx="540000" cy="540000"/>
+          </a:xfrm>
+          <a:prstGeom prst="ellipse">
+            <a:avLst/>
+          </a:prstGeom>
+          <a:noFill/>
+          <a:ln>
+            <a:solidFill>
+              <a:schemeClr val="bg1">
+                <a:lumMod val="75000"/>
+              </a:schemeClr>
+            </a:solidFill>
+          </a:ln>
+        </p:spPr>
+        <p:style>
+          <a:lnRef idx="2">
+            <a:schemeClr val="accent1">
+              <a:shade val="15000"/>
+            </a:schemeClr>
+          </a:lnRef>
+          <a:fillRef idx="1">
+            <a:schemeClr val="accent1"/>
+          </a:fillRef>
+          <a:effectRef idx="0">
+            <a:schemeClr val="accent1"/>
+          </a:effectRef>
+          <a:fontRef idx="minor">
+            <a:schemeClr val="lt1"/>
+          </a:fontRef>
+        </p:style>
+        <p:txBody>
+          <a:bodyPr rtlCol="0" anchor="ctr"/>
+          <a:lstStyle/>
+          <a:p>
+            <a:pPr algn="ctr"/>
+            <a:r>
+              <a:rPr kumimoji="1" lang="en-US" altLang="zh-TW" sz="1200" dirty="0" err="1">
+                <a:solidFill>
+                  <a:schemeClr val="tx1"/>
+                </a:solidFill>
+                <a:latin typeface="Microsoft JhengHei UI" panose="020B0604030504040204" pitchFamily="34" charset="-120"/>
+                <a:ea typeface="Microsoft JhengHei UI" panose="020B0604030504040204" pitchFamily="34" charset="-120"/>
+              </a:rPr>
+              <a:t>m.p</a:t>
+            </a:r>
+            <a:endParaRPr kumimoji="1" lang="zh-TW" altLang="en-US" sz="1200" dirty="0">
+              <a:solidFill>
+                <a:schemeClr val="tx1"/>
+              </a:solidFill>
+              <a:latin typeface="Microsoft JhengHei UI" panose="020B0604030504040204" pitchFamily="34" charset="-120"/>
+              <a:ea typeface="Microsoft JhengHei UI" panose="020B0604030504040204" pitchFamily="34" charset="-120"/>
+            </a:endParaRPr>
+          </a:p>
+        </p:txBody>
+      </p:sp>
+      <p:cxnSp>
+        <p:nvCxnSpPr>
+          <p:cNvPr id="59" name="直線接點 58">
+            <a:extLst>
+              <a:ext uri="{FF2B5EF4-FFF2-40B4-BE49-F238E27FC236}">
+                <a16:creationId xmlns:a16="http://schemas.microsoft.com/office/drawing/2014/main" id="{A4424F95-1DEB-59A0-3AD7-B213F3087C3D}"/>
+              </a:ext>
+            </a:extLst>
+          </p:cNvPr>
+          <p:cNvCxnSpPr>
+            <a:cxnSpLocks/>
+            <a:stCxn id="57" idx="4"/>
+            <a:endCxn id="38" idx="0"/>
+          </p:cNvCxnSpPr>
+          <p:nvPr/>
+        </p:nvCxnSpPr>
+        <p:spPr>
+          <a:xfrm>
+            <a:off x="9908895" y="3989435"/>
+            <a:ext cx="311669" cy="167573"/>
+          </a:xfrm>
+          <a:prstGeom prst="line">
+            <a:avLst/>
+          </a:prstGeom>
+          <a:ln>
+            <a:solidFill>
+              <a:schemeClr val="bg1">
+                <a:lumMod val="75000"/>
+              </a:schemeClr>
+            </a:solidFill>
           </a:ln>
         </p:spPr>
         <p:style>
@@ -11744,6 +11281,2171 @@
     <p:extLst>
       <p:ext uri="{BB962C8B-B14F-4D97-AF65-F5344CB8AC3E}">
         <p14:creationId xmlns:p14="http://schemas.microsoft.com/office/powerpoint/2010/main" val="500756385"/>
+      </p:ext>
+    </p:extLst>
+  </p:cSld>
+  <p:clrMapOvr>
+    <a:masterClrMapping/>
+  </p:clrMapOvr>
+</p:sld>
+</file>
+
+<file path=ppt/slides/slide3.xml><?xml version="1.0" encoding="utf-8"?>
+<p:sld xmlns:a="http://schemas.openxmlformats.org/drawingml/2006/main" xmlns:r="http://schemas.openxmlformats.org/officeDocument/2006/relationships" xmlns:p="http://schemas.openxmlformats.org/presentationml/2006/main">
+  <p:cSld>
+    <p:spTree>
+      <p:nvGrpSpPr>
+        <p:cNvPr id="1" name="">
+          <a:extLst>
+            <a:ext uri="{FF2B5EF4-FFF2-40B4-BE49-F238E27FC236}">
+              <a16:creationId xmlns:a16="http://schemas.microsoft.com/office/drawing/2014/main" id="{F946B8A5-15EE-3688-662C-FB3FEF7B349E}"/>
+            </a:ext>
+          </a:extLst>
+        </p:cNvPr>
+        <p:cNvGrpSpPr/>
+        <p:nvPr/>
+      </p:nvGrpSpPr>
+      <p:grpSpPr>
+        <a:xfrm>
+          <a:off x="0" y="0"/>
+          <a:ext cx="0" cy="0"/>
+          <a:chOff x="0" y="0"/>
+          <a:chExt cx="0" cy="0"/>
+        </a:xfrm>
+      </p:grpSpPr>
+      <p:sp>
+        <p:nvSpPr>
+          <p:cNvPr id="52" name="文字方塊 51">
+            <a:extLst>
+              <a:ext uri="{FF2B5EF4-FFF2-40B4-BE49-F238E27FC236}">
+                <a16:creationId xmlns:a16="http://schemas.microsoft.com/office/drawing/2014/main" id="{2E021D4D-75A0-E679-E8BC-7ECF105B7058}"/>
+              </a:ext>
+            </a:extLst>
+          </p:cNvPr>
+          <p:cNvSpPr txBox="1"/>
+          <p:nvPr/>
+        </p:nvSpPr>
+        <p:spPr>
+          <a:xfrm>
+            <a:off x="5107825" y="679235"/>
+            <a:ext cx="3076933" cy="369332"/>
+          </a:xfrm>
+          <a:prstGeom prst="rect">
+            <a:avLst/>
+          </a:prstGeom>
+          <a:noFill/>
+        </p:spPr>
+        <p:txBody>
+          <a:bodyPr wrap="none" rtlCol="0">
+            <a:spAutoFit/>
+          </a:bodyPr>
+          <a:lstStyle/>
+          <a:p>
+            <a:r>
+              <a:rPr kumimoji="1" lang="en-US" altLang="zh-TW" u="sng" dirty="0"/>
+              <a:t>Case 3 (B): m is internal node</a:t>
+            </a:r>
+            <a:endParaRPr kumimoji="1" lang="zh-TW" altLang="en-US" u="sng" dirty="0"/>
+          </a:p>
+        </p:txBody>
+      </p:sp>
+      <p:sp>
+        <p:nvSpPr>
+          <p:cNvPr id="2" name="文字方塊 1">
+            <a:extLst>
+              <a:ext uri="{FF2B5EF4-FFF2-40B4-BE49-F238E27FC236}">
+                <a16:creationId xmlns:a16="http://schemas.microsoft.com/office/drawing/2014/main" id="{62C26CD3-E282-BC7A-428F-C71A7D7EEB31}"/>
+              </a:ext>
+            </a:extLst>
+          </p:cNvPr>
+          <p:cNvSpPr txBox="1"/>
+          <p:nvPr/>
+        </p:nvSpPr>
+        <p:spPr>
+          <a:xfrm>
+            <a:off x="2907417" y="178429"/>
+            <a:ext cx="5287666" cy="369332"/>
+          </a:xfrm>
+          <a:prstGeom prst="rect">
+            <a:avLst/>
+          </a:prstGeom>
+          <a:noFill/>
+        </p:spPr>
+        <p:txBody>
+          <a:bodyPr wrap="none" rtlCol="0">
+            <a:spAutoFit/>
+          </a:bodyPr>
+          <a:lstStyle/>
+          <a:p>
+            <a:r>
+              <a:rPr lang="en-US" altLang="zh-TW" dirty="0">
+                <a:highlight>
+                  <a:srgbClr val="FFFF00"/>
+                </a:highlight>
+              </a:rPr>
+              <a:t>if </a:t>
+            </a:r>
+            <a:r>
+              <a:rPr lang="en-US" altLang="zh-TW" dirty="0" err="1">
+                <a:highlight>
+                  <a:srgbClr val="FFFF00"/>
+                </a:highlight>
+              </a:rPr>
+              <a:t>node.left</a:t>
+            </a:r>
+            <a:r>
+              <a:rPr lang="en-US" altLang="zh-TW" dirty="0">
+                <a:highlight>
+                  <a:srgbClr val="FFFF00"/>
+                </a:highlight>
+              </a:rPr>
+              <a:t>() is None or </a:t>
+            </a:r>
+            <a:r>
+              <a:rPr lang="en-US" altLang="zh-TW" dirty="0" err="1">
+                <a:highlight>
+                  <a:srgbClr val="FFFF00"/>
+                </a:highlight>
+              </a:rPr>
+              <a:t>node.right</a:t>
+            </a:r>
+            <a:r>
+              <a:rPr lang="en-US" altLang="zh-TW" dirty="0">
+                <a:highlight>
+                  <a:srgbClr val="FFFF00"/>
+                </a:highlight>
+              </a:rPr>
+              <a:t>() is None (FALSE)</a:t>
+            </a:r>
+          </a:p>
+        </p:txBody>
+      </p:sp>
+      <p:grpSp>
+        <p:nvGrpSpPr>
+          <p:cNvPr id="94" name="群組 93">
+            <a:extLst>
+              <a:ext uri="{FF2B5EF4-FFF2-40B4-BE49-F238E27FC236}">
+                <a16:creationId xmlns:a16="http://schemas.microsoft.com/office/drawing/2014/main" id="{B59584BD-55CC-624C-0E1C-F7DD6D2925B3}"/>
+              </a:ext>
+            </a:extLst>
+          </p:cNvPr>
+          <p:cNvGrpSpPr/>
+          <p:nvPr/>
+        </p:nvGrpSpPr>
+        <p:grpSpPr>
+          <a:xfrm>
+            <a:off x="1779084" y="1376860"/>
+            <a:ext cx="2348986" cy="4422621"/>
+            <a:chOff x="435880" y="1402511"/>
+            <a:chExt cx="2348986" cy="4422621"/>
+          </a:xfrm>
+        </p:grpSpPr>
+        <p:sp>
+          <p:nvSpPr>
+            <p:cNvPr id="45" name="橢圓 44">
+              <a:extLst>
+                <a:ext uri="{FF2B5EF4-FFF2-40B4-BE49-F238E27FC236}">
+                  <a16:creationId xmlns:a16="http://schemas.microsoft.com/office/drawing/2014/main" id="{5C030E5B-C9B7-AC57-71B6-9FD16FC9A77C}"/>
+                </a:ext>
+              </a:extLst>
+            </p:cNvPr>
+            <p:cNvSpPr/>
+            <p:nvPr/>
+          </p:nvSpPr>
+          <p:spPr>
+            <a:xfrm>
+              <a:off x="1201915" y="2705458"/>
+              <a:ext cx="540000" cy="540000"/>
+            </a:xfrm>
+            <a:prstGeom prst="ellipse">
+              <a:avLst/>
+            </a:prstGeom>
+            <a:noFill/>
+            <a:ln>
+              <a:solidFill>
+                <a:schemeClr val="bg1">
+                  <a:lumMod val="75000"/>
+                </a:schemeClr>
+              </a:solidFill>
+            </a:ln>
+          </p:spPr>
+          <p:style>
+            <a:lnRef idx="2">
+              <a:schemeClr val="accent1">
+                <a:shade val="15000"/>
+              </a:schemeClr>
+            </a:lnRef>
+            <a:fillRef idx="1">
+              <a:schemeClr val="accent1"/>
+            </a:fillRef>
+            <a:effectRef idx="0">
+              <a:schemeClr val="accent1"/>
+            </a:effectRef>
+            <a:fontRef idx="minor">
+              <a:schemeClr val="lt1"/>
+            </a:fontRef>
+          </p:style>
+          <p:txBody>
+            <a:bodyPr rtlCol="0" anchor="ctr"/>
+            <a:lstStyle/>
+            <a:p>
+              <a:pPr algn="ctr"/>
+              <a:r>
+                <a:rPr kumimoji="1" lang="en-US" altLang="zh-TW" sz="1200" dirty="0">
+                  <a:solidFill>
+                    <a:schemeClr val="tx1"/>
+                  </a:solidFill>
+                  <a:latin typeface="Microsoft JhengHei UI" panose="020B0604030504040204" pitchFamily="34" charset="-120"/>
+                  <a:ea typeface="Microsoft JhengHei UI" panose="020B0604030504040204" pitchFamily="34" charset="-120"/>
+                </a:rPr>
+                <a:t>n</a:t>
+              </a:r>
+              <a:endParaRPr kumimoji="1" lang="zh-TW" altLang="en-US" sz="1200" dirty="0">
+                <a:solidFill>
+                  <a:schemeClr val="tx1"/>
+                </a:solidFill>
+                <a:latin typeface="Microsoft JhengHei UI" panose="020B0604030504040204" pitchFamily="34" charset="-120"/>
+                <a:ea typeface="Microsoft JhengHei UI" panose="020B0604030504040204" pitchFamily="34" charset="-120"/>
+              </a:endParaRPr>
+            </a:p>
+          </p:txBody>
+        </p:sp>
+        <p:sp>
+          <p:nvSpPr>
+            <p:cNvPr id="46" name="橢圓 45">
+              <a:extLst>
+                <a:ext uri="{FF2B5EF4-FFF2-40B4-BE49-F238E27FC236}">
+                  <a16:creationId xmlns:a16="http://schemas.microsoft.com/office/drawing/2014/main" id="{AE7EB89F-50A6-F70C-0AD5-0F95459C09A2}"/>
+                </a:ext>
+              </a:extLst>
+            </p:cNvPr>
+            <p:cNvSpPr/>
+            <p:nvPr/>
+          </p:nvSpPr>
+          <p:spPr>
+            <a:xfrm>
+              <a:off x="1486839" y="1943458"/>
+              <a:ext cx="540000" cy="540000"/>
+            </a:xfrm>
+            <a:prstGeom prst="ellipse">
+              <a:avLst/>
+            </a:prstGeom>
+            <a:noFill/>
+            <a:ln>
+              <a:solidFill>
+                <a:schemeClr val="bg1">
+                  <a:lumMod val="75000"/>
+                </a:schemeClr>
+              </a:solidFill>
+            </a:ln>
+          </p:spPr>
+          <p:style>
+            <a:lnRef idx="2">
+              <a:schemeClr val="accent1">
+                <a:shade val="15000"/>
+              </a:schemeClr>
+            </a:lnRef>
+            <a:fillRef idx="1">
+              <a:schemeClr val="accent1"/>
+            </a:fillRef>
+            <a:effectRef idx="0">
+              <a:schemeClr val="accent1"/>
+            </a:effectRef>
+            <a:fontRef idx="minor">
+              <a:schemeClr val="lt1"/>
+            </a:fontRef>
+          </p:style>
+          <p:txBody>
+            <a:bodyPr rtlCol="0" anchor="ctr"/>
+            <a:lstStyle/>
+            <a:p>
+              <a:pPr algn="ctr"/>
+              <a:r>
+                <a:rPr kumimoji="1" lang="en-US" altLang="zh-TW" sz="1200" dirty="0">
+                  <a:solidFill>
+                    <a:schemeClr val="tx1"/>
+                  </a:solidFill>
+                  <a:latin typeface="Microsoft JhengHei UI" panose="020B0604030504040204" pitchFamily="34" charset="-120"/>
+                  <a:ea typeface="Microsoft JhengHei UI" panose="020B0604030504040204" pitchFamily="34" charset="-120"/>
+                </a:rPr>
+                <a:t>p</a:t>
+              </a:r>
+              <a:endParaRPr kumimoji="1" lang="zh-TW" altLang="en-US" sz="1200" dirty="0">
+                <a:solidFill>
+                  <a:schemeClr val="tx1"/>
+                </a:solidFill>
+                <a:latin typeface="Microsoft JhengHei UI" panose="020B0604030504040204" pitchFamily="34" charset="-120"/>
+                <a:ea typeface="Microsoft JhengHei UI" panose="020B0604030504040204" pitchFamily="34" charset="-120"/>
+              </a:endParaRPr>
+            </a:p>
+          </p:txBody>
+        </p:sp>
+        <p:sp>
+          <p:nvSpPr>
+            <p:cNvPr id="47" name="橢圓 46">
+              <a:extLst>
+                <a:ext uri="{FF2B5EF4-FFF2-40B4-BE49-F238E27FC236}">
+                  <a16:creationId xmlns:a16="http://schemas.microsoft.com/office/drawing/2014/main" id="{8AF82093-F5BC-D2B2-E388-6B9C26404AEA}"/>
+                </a:ext>
+              </a:extLst>
+            </p:cNvPr>
+            <p:cNvSpPr/>
+            <p:nvPr/>
+          </p:nvSpPr>
+          <p:spPr>
+            <a:xfrm>
+              <a:off x="1904280" y="2639198"/>
+              <a:ext cx="540000" cy="540000"/>
+            </a:xfrm>
+            <a:prstGeom prst="ellipse">
+              <a:avLst/>
+            </a:prstGeom>
+            <a:noFill/>
+            <a:ln>
+              <a:solidFill>
+                <a:schemeClr val="bg1">
+                  <a:lumMod val="75000"/>
+                </a:schemeClr>
+              </a:solidFill>
+            </a:ln>
+          </p:spPr>
+          <p:style>
+            <a:lnRef idx="2">
+              <a:schemeClr val="accent1">
+                <a:shade val="15000"/>
+              </a:schemeClr>
+            </a:lnRef>
+            <a:fillRef idx="1">
+              <a:schemeClr val="accent1"/>
+            </a:fillRef>
+            <a:effectRef idx="0">
+              <a:schemeClr val="accent1"/>
+            </a:effectRef>
+            <a:fontRef idx="minor">
+              <a:schemeClr val="lt1"/>
+            </a:fontRef>
+          </p:style>
+          <p:txBody>
+            <a:bodyPr rtlCol="0" anchor="ctr"/>
+            <a:lstStyle/>
+            <a:p>
+              <a:pPr algn="ctr"/>
+              <a:endParaRPr kumimoji="1" lang="zh-TW" altLang="en-US" sz="1200" dirty="0">
+                <a:solidFill>
+                  <a:schemeClr val="tx1"/>
+                </a:solidFill>
+                <a:latin typeface="Microsoft JhengHei UI" panose="020B0604030504040204" pitchFamily="34" charset="-120"/>
+                <a:ea typeface="Microsoft JhengHei UI" panose="020B0604030504040204" pitchFamily="34" charset="-120"/>
+              </a:endParaRPr>
+            </a:p>
+          </p:txBody>
+        </p:sp>
+        <p:sp>
+          <p:nvSpPr>
+            <p:cNvPr id="48" name="橢圓 47">
+              <a:extLst>
+                <a:ext uri="{FF2B5EF4-FFF2-40B4-BE49-F238E27FC236}">
+                  <a16:creationId xmlns:a16="http://schemas.microsoft.com/office/drawing/2014/main" id="{B4AC8886-EDE9-7548-4062-D0FBA904CA10}"/>
+                </a:ext>
+              </a:extLst>
+            </p:cNvPr>
+            <p:cNvSpPr/>
+            <p:nvPr/>
+          </p:nvSpPr>
+          <p:spPr>
+            <a:xfrm>
+              <a:off x="830852" y="3467459"/>
+              <a:ext cx="540000" cy="540000"/>
+            </a:xfrm>
+            <a:prstGeom prst="ellipse">
+              <a:avLst/>
+            </a:prstGeom>
+            <a:noFill/>
+            <a:ln>
+              <a:solidFill>
+                <a:schemeClr val="tx1"/>
+              </a:solidFill>
+            </a:ln>
+          </p:spPr>
+          <p:style>
+            <a:lnRef idx="2">
+              <a:schemeClr val="accent1">
+                <a:shade val="15000"/>
+              </a:schemeClr>
+            </a:lnRef>
+            <a:fillRef idx="1">
+              <a:schemeClr val="accent1"/>
+            </a:fillRef>
+            <a:effectRef idx="0">
+              <a:schemeClr val="accent1"/>
+            </a:effectRef>
+            <a:fontRef idx="minor">
+              <a:schemeClr val="lt1"/>
+            </a:fontRef>
+          </p:style>
+          <p:txBody>
+            <a:bodyPr rtlCol="0" anchor="ctr"/>
+            <a:lstStyle/>
+            <a:p>
+              <a:pPr algn="ctr"/>
+              <a:r>
+                <a:rPr kumimoji="1" lang="en-US" altLang="zh-TW" sz="1200" dirty="0" err="1">
+                  <a:solidFill>
+                    <a:schemeClr val="tx1"/>
+                  </a:solidFill>
+                  <a:latin typeface="Microsoft JhengHei UI" panose="020B0604030504040204" pitchFamily="34" charset="-120"/>
+                  <a:ea typeface="Microsoft JhengHei UI" panose="020B0604030504040204" pitchFamily="34" charset="-120"/>
+                </a:rPr>
+                <a:t>m.p</a:t>
+              </a:r>
+              <a:endParaRPr kumimoji="1" lang="zh-TW" altLang="en-US" sz="1200" dirty="0">
+                <a:solidFill>
+                  <a:schemeClr val="tx1"/>
+                </a:solidFill>
+                <a:latin typeface="Microsoft JhengHei UI" panose="020B0604030504040204" pitchFamily="34" charset="-120"/>
+                <a:ea typeface="Microsoft JhengHei UI" panose="020B0604030504040204" pitchFamily="34" charset="-120"/>
+              </a:endParaRPr>
+            </a:p>
+          </p:txBody>
+        </p:sp>
+        <p:cxnSp>
+          <p:nvCxnSpPr>
+            <p:cNvPr id="49" name="直線接點 48">
+              <a:extLst>
+                <a:ext uri="{FF2B5EF4-FFF2-40B4-BE49-F238E27FC236}">
+                  <a16:creationId xmlns:a16="http://schemas.microsoft.com/office/drawing/2014/main" id="{F90C942E-8296-F9A2-85AA-97E5211A431C}"/>
+                </a:ext>
+              </a:extLst>
+            </p:cNvPr>
+            <p:cNvCxnSpPr>
+              <a:cxnSpLocks/>
+              <a:stCxn id="46" idx="4"/>
+              <a:endCxn id="45" idx="0"/>
+            </p:cNvCxnSpPr>
+            <p:nvPr/>
+          </p:nvCxnSpPr>
+          <p:spPr>
+            <a:xfrm flipH="1">
+              <a:off x="1471915" y="2483458"/>
+              <a:ext cx="284924" cy="222000"/>
+            </a:xfrm>
+            <a:prstGeom prst="line">
+              <a:avLst/>
+            </a:prstGeom>
+            <a:ln>
+              <a:solidFill>
+                <a:schemeClr val="bg1">
+                  <a:lumMod val="75000"/>
+                </a:schemeClr>
+              </a:solidFill>
+            </a:ln>
+          </p:spPr>
+          <p:style>
+            <a:lnRef idx="2">
+              <a:schemeClr val="accent1"/>
+            </a:lnRef>
+            <a:fillRef idx="0">
+              <a:schemeClr val="accent1"/>
+            </a:fillRef>
+            <a:effectRef idx="1">
+              <a:schemeClr val="accent1"/>
+            </a:effectRef>
+            <a:fontRef idx="minor">
+              <a:schemeClr val="tx1"/>
+            </a:fontRef>
+          </p:style>
+        </p:cxnSp>
+        <p:cxnSp>
+          <p:nvCxnSpPr>
+            <p:cNvPr id="50" name="直線接點 49">
+              <a:extLst>
+                <a:ext uri="{FF2B5EF4-FFF2-40B4-BE49-F238E27FC236}">
+                  <a16:creationId xmlns:a16="http://schemas.microsoft.com/office/drawing/2014/main" id="{22275876-2949-2F8D-078E-23A01B512319}"/>
+                </a:ext>
+              </a:extLst>
+            </p:cNvPr>
+            <p:cNvCxnSpPr>
+              <a:cxnSpLocks/>
+              <a:stCxn id="46" idx="4"/>
+              <a:endCxn id="47" idx="0"/>
+            </p:cNvCxnSpPr>
+            <p:nvPr/>
+          </p:nvCxnSpPr>
+          <p:spPr>
+            <a:xfrm>
+              <a:off x="1756839" y="2483458"/>
+              <a:ext cx="417441" cy="155740"/>
+            </a:xfrm>
+            <a:prstGeom prst="line">
+              <a:avLst/>
+            </a:prstGeom>
+            <a:ln>
+              <a:solidFill>
+                <a:schemeClr val="bg1">
+                  <a:lumMod val="75000"/>
+                </a:schemeClr>
+              </a:solidFill>
+            </a:ln>
+          </p:spPr>
+          <p:style>
+            <a:lnRef idx="2">
+              <a:schemeClr val="accent1"/>
+            </a:lnRef>
+            <a:fillRef idx="0">
+              <a:schemeClr val="accent1"/>
+            </a:fillRef>
+            <a:effectRef idx="1">
+              <a:schemeClr val="accent1"/>
+            </a:effectRef>
+            <a:fontRef idx="minor">
+              <a:schemeClr val="tx1"/>
+            </a:fontRef>
+          </p:style>
+        </p:cxnSp>
+        <p:cxnSp>
+          <p:nvCxnSpPr>
+            <p:cNvPr id="51" name="直線接點 50">
+              <a:extLst>
+                <a:ext uri="{FF2B5EF4-FFF2-40B4-BE49-F238E27FC236}">
+                  <a16:creationId xmlns:a16="http://schemas.microsoft.com/office/drawing/2014/main" id="{F4DDA7D4-29F9-90A0-131D-83D18A1BBFEA}"/>
+                </a:ext>
+              </a:extLst>
+            </p:cNvPr>
+            <p:cNvCxnSpPr>
+              <a:cxnSpLocks/>
+              <a:stCxn id="45" idx="4"/>
+              <a:endCxn id="48" idx="0"/>
+            </p:cNvCxnSpPr>
+            <p:nvPr/>
+          </p:nvCxnSpPr>
+          <p:spPr>
+            <a:xfrm flipH="1">
+              <a:off x="1100852" y="3245458"/>
+              <a:ext cx="371063" cy="222001"/>
+            </a:xfrm>
+            <a:prstGeom prst="line">
+              <a:avLst/>
+            </a:prstGeom>
+            <a:ln>
+              <a:solidFill>
+                <a:schemeClr val="bg1">
+                  <a:lumMod val="75000"/>
+                </a:schemeClr>
+              </a:solidFill>
+            </a:ln>
+          </p:spPr>
+          <p:style>
+            <a:lnRef idx="2">
+              <a:schemeClr val="accent1"/>
+            </a:lnRef>
+            <a:fillRef idx="0">
+              <a:schemeClr val="accent1"/>
+            </a:fillRef>
+            <a:effectRef idx="1">
+              <a:schemeClr val="accent1"/>
+            </a:effectRef>
+            <a:fontRef idx="minor">
+              <a:schemeClr val="tx1"/>
+            </a:fontRef>
+          </p:style>
+        </p:cxnSp>
+        <p:sp>
+          <p:nvSpPr>
+            <p:cNvPr id="53" name="文字方塊 52">
+              <a:extLst>
+                <a:ext uri="{FF2B5EF4-FFF2-40B4-BE49-F238E27FC236}">
+                  <a16:creationId xmlns:a16="http://schemas.microsoft.com/office/drawing/2014/main" id="{8E4BD83E-9459-1361-D99C-41831465F708}"/>
+                </a:ext>
+              </a:extLst>
+            </p:cNvPr>
+            <p:cNvSpPr txBox="1"/>
+            <p:nvPr/>
+          </p:nvSpPr>
+          <p:spPr>
+            <a:xfrm>
+              <a:off x="643740" y="1402511"/>
+              <a:ext cx="1929233" cy="461665"/>
+            </a:xfrm>
+            <a:prstGeom prst="rect">
+              <a:avLst/>
+            </a:prstGeom>
+            <a:noFill/>
+          </p:spPr>
+          <p:txBody>
+            <a:bodyPr wrap="square" rtlCol="0">
+              <a:spAutoFit/>
+            </a:bodyPr>
+            <a:lstStyle/>
+            <a:p>
+              <a:r>
+                <a:rPr kumimoji="1" lang="en-US" altLang="zh-TW" sz="1200" dirty="0">
+                  <a:latin typeface="Microsoft JhengHei UI" panose="020B0604030504040204" pitchFamily="34" charset="-120"/>
+                  <a:ea typeface="Microsoft JhengHei UI" panose="020B0604030504040204" pitchFamily="34" charset="-120"/>
+                </a:rPr>
+                <a:t>Delete node having two child &amp; m is not leaf</a:t>
+              </a:r>
+              <a:endParaRPr kumimoji="1" lang="zh-TW" altLang="en-US" sz="1200" dirty="0">
+                <a:latin typeface="Microsoft JhengHei UI" panose="020B0604030504040204" pitchFamily="34" charset="-120"/>
+                <a:ea typeface="Microsoft JhengHei UI" panose="020B0604030504040204" pitchFamily="34" charset="-120"/>
+              </a:endParaRPr>
+            </a:p>
+          </p:txBody>
+        </p:sp>
+        <p:sp>
+          <p:nvSpPr>
+            <p:cNvPr id="64" name="橢圓 63">
+              <a:extLst>
+                <a:ext uri="{FF2B5EF4-FFF2-40B4-BE49-F238E27FC236}">
+                  <a16:creationId xmlns:a16="http://schemas.microsoft.com/office/drawing/2014/main" id="{7DBA01DC-1185-FD33-6131-911C06755451}"/>
+                </a:ext>
+              </a:extLst>
+            </p:cNvPr>
+            <p:cNvSpPr/>
+            <p:nvPr/>
+          </p:nvSpPr>
+          <p:spPr>
+            <a:xfrm>
+              <a:off x="1777604" y="3510712"/>
+              <a:ext cx="540000" cy="540000"/>
+            </a:xfrm>
+            <a:prstGeom prst="ellipse">
+              <a:avLst/>
+            </a:prstGeom>
+            <a:noFill/>
+            <a:ln>
+              <a:solidFill>
+                <a:schemeClr val="bg1">
+                  <a:lumMod val="75000"/>
+                </a:schemeClr>
+              </a:solidFill>
+            </a:ln>
+          </p:spPr>
+          <p:style>
+            <a:lnRef idx="2">
+              <a:schemeClr val="accent1">
+                <a:shade val="15000"/>
+              </a:schemeClr>
+            </a:lnRef>
+            <a:fillRef idx="1">
+              <a:schemeClr val="accent1"/>
+            </a:fillRef>
+            <a:effectRef idx="0">
+              <a:schemeClr val="accent1"/>
+            </a:effectRef>
+            <a:fontRef idx="minor">
+              <a:schemeClr val="lt1"/>
+            </a:fontRef>
+          </p:style>
+          <p:txBody>
+            <a:bodyPr rtlCol="0" anchor="ctr"/>
+            <a:lstStyle/>
+            <a:p>
+              <a:pPr algn="ctr"/>
+              <a:endParaRPr kumimoji="1" lang="zh-TW" altLang="en-US" sz="1200" dirty="0">
+                <a:solidFill>
+                  <a:schemeClr val="tx1"/>
+                </a:solidFill>
+                <a:latin typeface="Microsoft JhengHei UI" panose="020B0604030504040204" pitchFamily="34" charset="-120"/>
+                <a:ea typeface="Microsoft JhengHei UI" panose="020B0604030504040204" pitchFamily="34" charset="-120"/>
+              </a:endParaRPr>
+            </a:p>
+          </p:txBody>
+        </p:sp>
+        <p:cxnSp>
+          <p:nvCxnSpPr>
+            <p:cNvPr id="65" name="直線接點 64">
+              <a:extLst>
+                <a:ext uri="{FF2B5EF4-FFF2-40B4-BE49-F238E27FC236}">
+                  <a16:creationId xmlns:a16="http://schemas.microsoft.com/office/drawing/2014/main" id="{B44F4933-0081-499E-D4F6-8B166F4B1FAA}"/>
+                </a:ext>
+              </a:extLst>
+            </p:cNvPr>
+            <p:cNvCxnSpPr>
+              <a:cxnSpLocks/>
+              <a:stCxn id="45" idx="4"/>
+              <a:endCxn id="64" idx="0"/>
+            </p:cNvCxnSpPr>
+            <p:nvPr/>
+          </p:nvCxnSpPr>
+          <p:spPr>
+            <a:xfrm>
+              <a:off x="1471915" y="3245458"/>
+              <a:ext cx="575689" cy="265254"/>
+            </a:xfrm>
+            <a:prstGeom prst="line">
+              <a:avLst/>
+            </a:prstGeom>
+            <a:ln>
+              <a:solidFill>
+                <a:schemeClr val="bg1">
+                  <a:lumMod val="75000"/>
+                </a:schemeClr>
+              </a:solidFill>
+            </a:ln>
+          </p:spPr>
+          <p:style>
+            <a:lnRef idx="2">
+              <a:schemeClr val="accent1"/>
+            </a:lnRef>
+            <a:fillRef idx="0">
+              <a:schemeClr val="accent1"/>
+            </a:fillRef>
+            <a:effectRef idx="1">
+              <a:schemeClr val="accent1"/>
+            </a:effectRef>
+            <a:fontRef idx="minor">
+              <a:schemeClr val="tx1"/>
+            </a:fontRef>
+          </p:style>
+        </p:cxnSp>
+        <p:sp>
+          <p:nvSpPr>
+            <p:cNvPr id="3" name="橢圓 2">
+              <a:extLst>
+                <a:ext uri="{FF2B5EF4-FFF2-40B4-BE49-F238E27FC236}">
+                  <a16:creationId xmlns:a16="http://schemas.microsoft.com/office/drawing/2014/main" id="{5998F5DC-7F21-526C-628B-0522656B72F2}"/>
+                </a:ext>
+              </a:extLst>
+            </p:cNvPr>
+            <p:cNvSpPr/>
+            <p:nvPr/>
+          </p:nvSpPr>
+          <p:spPr>
+            <a:xfrm>
+              <a:off x="1247575" y="4397922"/>
+              <a:ext cx="540000" cy="540000"/>
+            </a:xfrm>
+            <a:prstGeom prst="ellipse">
+              <a:avLst/>
+            </a:prstGeom>
+            <a:noFill/>
+            <a:ln>
+              <a:solidFill>
+                <a:schemeClr val="tx1"/>
+              </a:solidFill>
+            </a:ln>
+          </p:spPr>
+          <p:style>
+            <a:lnRef idx="2">
+              <a:schemeClr val="accent1">
+                <a:shade val="15000"/>
+              </a:schemeClr>
+            </a:lnRef>
+            <a:fillRef idx="1">
+              <a:schemeClr val="accent1"/>
+            </a:fillRef>
+            <a:effectRef idx="0">
+              <a:schemeClr val="accent1"/>
+            </a:effectRef>
+            <a:fontRef idx="minor">
+              <a:schemeClr val="lt1"/>
+            </a:fontRef>
+          </p:style>
+          <p:txBody>
+            <a:bodyPr rtlCol="0" anchor="ctr"/>
+            <a:lstStyle/>
+            <a:p>
+              <a:pPr algn="ctr"/>
+              <a:r>
+                <a:rPr kumimoji="1" lang="en-US" altLang="zh-TW" sz="1200" dirty="0">
+                  <a:solidFill>
+                    <a:schemeClr val="tx1"/>
+                  </a:solidFill>
+                  <a:latin typeface="Microsoft JhengHei UI" panose="020B0604030504040204" pitchFamily="34" charset="-120"/>
+                  <a:ea typeface="Microsoft JhengHei UI" panose="020B0604030504040204" pitchFamily="34" charset="-120"/>
+                </a:rPr>
+                <a:t>m</a:t>
+              </a:r>
+              <a:endParaRPr kumimoji="1" lang="zh-TW" altLang="en-US" sz="1200" dirty="0">
+                <a:solidFill>
+                  <a:schemeClr val="tx1"/>
+                </a:solidFill>
+                <a:latin typeface="Microsoft JhengHei UI" panose="020B0604030504040204" pitchFamily="34" charset="-120"/>
+                <a:ea typeface="Microsoft JhengHei UI" panose="020B0604030504040204" pitchFamily="34" charset="-120"/>
+              </a:endParaRPr>
+            </a:p>
+          </p:txBody>
+        </p:sp>
+        <p:sp>
+          <p:nvSpPr>
+            <p:cNvPr id="5" name="橢圓 4">
+              <a:extLst>
+                <a:ext uri="{FF2B5EF4-FFF2-40B4-BE49-F238E27FC236}">
+                  <a16:creationId xmlns:a16="http://schemas.microsoft.com/office/drawing/2014/main" id="{7A659270-1DC1-CD58-0F20-F290AA610982}"/>
+                </a:ext>
+              </a:extLst>
+            </p:cNvPr>
+            <p:cNvSpPr/>
+            <p:nvPr/>
+          </p:nvSpPr>
+          <p:spPr>
+            <a:xfrm>
+              <a:off x="893080" y="5285132"/>
+              <a:ext cx="540000" cy="540000"/>
+            </a:xfrm>
+            <a:prstGeom prst="ellipse">
+              <a:avLst/>
+            </a:prstGeom>
+            <a:noFill/>
+            <a:ln>
+              <a:solidFill>
+                <a:schemeClr val="tx1"/>
+              </a:solidFill>
+            </a:ln>
+          </p:spPr>
+          <p:style>
+            <a:lnRef idx="2">
+              <a:schemeClr val="accent1">
+                <a:shade val="15000"/>
+              </a:schemeClr>
+            </a:lnRef>
+            <a:fillRef idx="1">
+              <a:schemeClr val="accent1"/>
+            </a:fillRef>
+            <a:effectRef idx="0">
+              <a:schemeClr val="accent1"/>
+            </a:effectRef>
+            <a:fontRef idx="minor">
+              <a:schemeClr val="lt1"/>
+            </a:fontRef>
+          </p:style>
+          <p:txBody>
+            <a:bodyPr rtlCol="0" anchor="ctr"/>
+            <a:lstStyle/>
+            <a:p>
+              <a:pPr algn="ctr"/>
+              <a:endParaRPr kumimoji="1" lang="zh-TW" altLang="en-US" sz="1200" dirty="0">
+                <a:solidFill>
+                  <a:schemeClr val="tx1"/>
+                </a:solidFill>
+                <a:latin typeface="Microsoft JhengHei UI" panose="020B0604030504040204" pitchFamily="34" charset="-120"/>
+                <a:ea typeface="Microsoft JhengHei UI" panose="020B0604030504040204" pitchFamily="34" charset="-120"/>
+              </a:endParaRPr>
+            </a:p>
+          </p:txBody>
+        </p:sp>
+        <p:cxnSp>
+          <p:nvCxnSpPr>
+            <p:cNvPr id="11" name="直線接點 10">
+              <a:extLst>
+                <a:ext uri="{FF2B5EF4-FFF2-40B4-BE49-F238E27FC236}">
+                  <a16:creationId xmlns:a16="http://schemas.microsoft.com/office/drawing/2014/main" id="{E9D8A754-CD2F-896B-59E7-39A0A5A1D0F5}"/>
+                </a:ext>
+              </a:extLst>
+            </p:cNvPr>
+            <p:cNvCxnSpPr>
+              <a:cxnSpLocks/>
+              <a:stCxn id="48" idx="4"/>
+              <a:endCxn id="3" idx="0"/>
+            </p:cNvCxnSpPr>
+            <p:nvPr/>
+          </p:nvCxnSpPr>
+          <p:spPr>
+            <a:xfrm>
+              <a:off x="1100852" y="4007459"/>
+              <a:ext cx="416723" cy="390463"/>
+            </a:xfrm>
+            <a:prstGeom prst="line">
+              <a:avLst/>
+            </a:prstGeom>
+            <a:ln>
+              <a:solidFill>
+                <a:schemeClr val="bg1">
+                  <a:lumMod val="75000"/>
+                </a:schemeClr>
+              </a:solidFill>
+            </a:ln>
+          </p:spPr>
+          <p:style>
+            <a:lnRef idx="2">
+              <a:schemeClr val="accent1"/>
+            </a:lnRef>
+            <a:fillRef idx="0">
+              <a:schemeClr val="accent1"/>
+            </a:fillRef>
+            <a:effectRef idx="1">
+              <a:schemeClr val="accent1"/>
+            </a:effectRef>
+            <a:fontRef idx="minor">
+              <a:schemeClr val="tx1"/>
+            </a:fontRef>
+          </p:style>
+        </p:cxnSp>
+        <p:sp>
+          <p:nvSpPr>
+            <p:cNvPr id="16" name="橢圓 15">
+              <a:extLst>
+                <a:ext uri="{FF2B5EF4-FFF2-40B4-BE49-F238E27FC236}">
+                  <a16:creationId xmlns:a16="http://schemas.microsoft.com/office/drawing/2014/main" id="{24DACDB3-1B4F-0D88-547D-EFC2A5E2B409}"/>
+                </a:ext>
+              </a:extLst>
+            </p:cNvPr>
+            <p:cNvSpPr/>
+            <p:nvPr/>
+          </p:nvSpPr>
+          <p:spPr>
+            <a:xfrm>
+              <a:off x="435880" y="4417030"/>
+              <a:ext cx="540000" cy="540000"/>
+            </a:xfrm>
+            <a:prstGeom prst="ellipse">
+              <a:avLst/>
+            </a:prstGeom>
+            <a:noFill/>
+            <a:ln>
+              <a:solidFill>
+                <a:schemeClr val="tx1"/>
+              </a:solidFill>
+            </a:ln>
+          </p:spPr>
+          <p:style>
+            <a:lnRef idx="2">
+              <a:schemeClr val="accent1">
+                <a:shade val="15000"/>
+              </a:schemeClr>
+            </a:lnRef>
+            <a:fillRef idx="1">
+              <a:schemeClr val="accent1"/>
+            </a:fillRef>
+            <a:effectRef idx="0">
+              <a:schemeClr val="accent1"/>
+            </a:effectRef>
+            <a:fontRef idx="minor">
+              <a:schemeClr val="lt1"/>
+            </a:fontRef>
+          </p:style>
+          <p:txBody>
+            <a:bodyPr rtlCol="0" anchor="ctr"/>
+            <a:lstStyle/>
+            <a:p>
+              <a:pPr algn="ctr"/>
+              <a:endParaRPr kumimoji="1" lang="zh-TW" altLang="en-US" sz="1200" dirty="0">
+                <a:solidFill>
+                  <a:schemeClr val="tx1"/>
+                </a:solidFill>
+                <a:latin typeface="Microsoft JhengHei UI" panose="020B0604030504040204" pitchFamily="34" charset="-120"/>
+                <a:ea typeface="Microsoft JhengHei UI" panose="020B0604030504040204" pitchFamily="34" charset="-120"/>
+              </a:endParaRPr>
+            </a:p>
+          </p:txBody>
+        </p:sp>
+        <p:cxnSp>
+          <p:nvCxnSpPr>
+            <p:cNvPr id="17" name="直線接點 16">
+              <a:extLst>
+                <a:ext uri="{FF2B5EF4-FFF2-40B4-BE49-F238E27FC236}">
+                  <a16:creationId xmlns:a16="http://schemas.microsoft.com/office/drawing/2014/main" id="{42AF56F5-BC3F-7D14-19F0-03D4E174C3ED}"/>
+                </a:ext>
+              </a:extLst>
+            </p:cNvPr>
+            <p:cNvCxnSpPr>
+              <a:cxnSpLocks/>
+              <a:stCxn id="48" idx="4"/>
+              <a:endCxn id="16" idx="0"/>
+            </p:cNvCxnSpPr>
+            <p:nvPr/>
+          </p:nvCxnSpPr>
+          <p:spPr>
+            <a:xfrm flipH="1">
+              <a:off x="705880" y="4007459"/>
+              <a:ext cx="394972" cy="409571"/>
+            </a:xfrm>
+            <a:prstGeom prst="line">
+              <a:avLst/>
+            </a:prstGeom>
+            <a:ln>
+              <a:solidFill>
+                <a:schemeClr val="bg1">
+                  <a:lumMod val="75000"/>
+                </a:schemeClr>
+              </a:solidFill>
+            </a:ln>
+          </p:spPr>
+          <p:style>
+            <a:lnRef idx="2">
+              <a:schemeClr val="accent1"/>
+            </a:lnRef>
+            <a:fillRef idx="0">
+              <a:schemeClr val="accent1"/>
+            </a:fillRef>
+            <a:effectRef idx="1">
+              <a:schemeClr val="accent1"/>
+            </a:effectRef>
+            <a:fontRef idx="minor">
+              <a:schemeClr val="tx1"/>
+            </a:fontRef>
+          </p:style>
+        </p:cxnSp>
+        <p:cxnSp>
+          <p:nvCxnSpPr>
+            <p:cNvPr id="42" name="直線接點 41">
+              <a:extLst>
+                <a:ext uri="{FF2B5EF4-FFF2-40B4-BE49-F238E27FC236}">
+                  <a16:creationId xmlns:a16="http://schemas.microsoft.com/office/drawing/2014/main" id="{24B9EC38-0F96-46E1-CA9C-4B21A6DA7AB9}"/>
+                </a:ext>
+              </a:extLst>
+            </p:cNvPr>
+            <p:cNvCxnSpPr>
+              <a:cxnSpLocks/>
+              <a:stCxn id="5" idx="0"/>
+              <a:endCxn id="3" idx="4"/>
+            </p:cNvCxnSpPr>
+            <p:nvPr/>
+          </p:nvCxnSpPr>
+          <p:spPr>
+            <a:xfrm flipV="1">
+              <a:off x="1163080" y="4937922"/>
+              <a:ext cx="354495" cy="347210"/>
+            </a:xfrm>
+            <a:prstGeom prst="line">
+              <a:avLst/>
+            </a:prstGeom>
+            <a:ln>
+              <a:solidFill>
+                <a:schemeClr val="bg1">
+                  <a:lumMod val="75000"/>
+                </a:schemeClr>
+              </a:solidFill>
+            </a:ln>
+          </p:spPr>
+          <p:style>
+            <a:lnRef idx="2">
+              <a:schemeClr val="accent1"/>
+            </a:lnRef>
+            <a:fillRef idx="0">
+              <a:schemeClr val="accent1"/>
+            </a:fillRef>
+            <a:effectRef idx="1">
+              <a:schemeClr val="accent1"/>
+            </a:effectRef>
+            <a:fontRef idx="minor">
+              <a:schemeClr val="tx1"/>
+            </a:fontRef>
+          </p:style>
+        </p:cxnSp>
+        <p:sp>
+          <p:nvSpPr>
+            <p:cNvPr id="67" name="橢圓 66">
+              <a:extLst>
+                <a:ext uri="{FF2B5EF4-FFF2-40B4-BE49-F238E27FC236}">
+                  <a16:creationId xmlns:a16="http://schemas.microsoft.com/office/drawing/2014/main" id="{D4883A94-C635-DD4D-117E-4BC3987C920D}"/>
+                </a:ext>
+              </a:extLst>
+            </p:cNvPr>
+            <p:cNvSpPr/>
+            <p:nvPr/>
+          </p:nvSpPr>
+          <p:spPr>
+            <a:xfrm>
+              <a:off x="2244866" y="4397922"/>
+              <a:ext cx="540000" cy="540000"/>
+            </a:xfrm>
+            <a:prstGeom prst="ellipse">
+              <a:avLst/>
+            </a:prstGeom>
+            <a:noFill/>
+            <a:ln>
+              <a:solidFill>
+                <a:schemeClr val="bg1">
+                  <a:lumMod val="75000"/>
+                </a:schemeClr>
+              </a:solidFill>
+            </a:ln>
+          </p:spPr>
+          <p:style>
+            <a:lnRef idx="2">
+              <a:schemeClr val="accent1">
+                <a:shade val="15000"/>
+              </a:schemeClr>
+            </a:lnRef>
+            <a:fillRef idx="1">
+              <a:schemeClr val="accent1"/>
+            </a:fillRef>
+            <a:effectRef idx="0">
+              <a:schemeClr val="accent1"/>
+            </a:effectRef>
+            <a:fontRef idx="minor">
+              <a:schemeClr val="lt1"/>
+            </a:fontRef>
+          </p:style>
+          <p:txBody>
+            <a:bodyPr rtlCol="0" anchor="ctr"/>
+            <a:lstStyle/>
+            <a:p>
+              <a:pPr algn="ctr"/>
+              <a:endParaRPr kumimoji="1" lang="zh-TW" altLang="en-US" sz="1200" dirty="0">
+                <a:solidFill>
+                  <a:schemeClr val="tx1"/>
+                </a:solidFill>
+                <a:latin typeface="Microsoft JhengHei UI" panose="020B0604030504040204" pitchFamily="34" charset="-120"/>
+                <a:ea typeface="Microsoft JhengHei UI" panose="020B0604030504040204" pitchFamily="34" charset="-120"/>
+              </a:endParaRPr>
+            </a:p>
+          </p:txBody>
+        </p:sp>
+        <p:cxnSp>
+          <p:nvCxnSpPr>
+            <p:cNvPr id="72" name="直線接點 71">
+              <a:extLst>
+                <a:ext uri="{FF2B5EF4-FFF2-40B4-BE49-F238E27FC236}">
+                  <a16:creationId xmlns:a16="http://schemas.microsoft.com/office/drawing/2014/main" id="{ED300D37-A5EE-F869-7A52-F9CC2EA2B8EF}"/>
+                </a:ext>
+              </a:extLst>
+            </p:cNvPr>
+            <p:cNvCxnSpPr>
+              <a:cxnSpLocks/>
+              <a:stCxn id="64" idx="4"/>
+              <a:endCxn id="67" idx="0"/>
+            </p:cNvCxnSpPr>
+            <p:nvPr/>
+          </p:nvCxnSpPr>
+          <p:spPr>
+            <a:xfrm>
+              <a:off x="2047604" y="4050712"/>
+              <a:ext cx="467262" cy="347210"/>
+            </a:xfrm>
+            <a:prstGeom prst="line">
+              <a:avLst/>
+            </a:prstGeom>
+            <a:ln>
+              <a:solidFill>
+                <a:schemeClr val="bg1">
+                  <a:lumMod val="75000"/>
+                </a:schemeClr>
+              </a:solidFill>
+            </a:ln>
+          </p:spPr>
+          <p:style>
+            <a:lnRef idx="2">
+              <a:schemeClr val="accent1"/>
+            </a:lnRef>
+            <a:fillRef idx="0">
+              <a:schemeClr val="accent1"/>
+            </a:fillRef>
+            <a:effectRef idx="1">
+              <a:schemeClr val="accent1"/>
+            </a:effectRef>
+            <a:fontRef idx="minor">
+              <a:schemeClr val="tx1"/>
+            </a:fontRef>
+          </p:style>
+        </p:cxnSp>
+      </p:grpSp>
+      <p:grpSp>
+        <p:nvGrpSpPr>
+          <p:cNvPr id="115" name="群組 114">
+            <a:extLst>
+              <a:ext uri="{FF2B5EF4-FFF2-40B4-BE49-F238E27FC236}">
+                <a16:creationId xmlns:a16="http://schemas.microsoft.com/office/drawing/2014/main" id="{D6E356DD-8425-1DA7-8DE5-011F71E7866D}"/>
+              </a:ext>
+            </a:extLst>
+          </p:cNvPr>
+          <p:cNvGrpSpPr/>
+          <p:nvPr/>
+        </p:nvGrpSpPr>
+        <p:grpSpPr>
+          <a:xfrm>
+            <a:off x="6132456" y="1273750"/>
+            <a:ext cx="2974427" cy="4422621"/>
+            <a:chOff x="-189561" y="1402511"/>
+            <a:chExt cx="2974427" cy="4422621"/>
+          </a:xfrm>
+        </p:grpSpPr>
+        <p:sp>
+          <p:nvSpPr>
+            <p:cNvPr id="116" name="橢圓 115">
+              <a:extLst>
+                <a:ext uri="{FF2B5EF4-FFF2-40B4-BE49-F238E27FC236}">
+                  <a16:creationId xmlns:a16="http://schemas.microsoft.com/office/drawing/2014/main" id="{DDAEC895-9879-099A-9E9F-24FD4BACE577}"/>
+                </a:ext>
+              </a:extLst>
+            </p:cNvPr>
+            <p:cNvSpPr/>
+            <p:nvPr/>
+          </p:nvSpPr>
+          <p:spPr>
+            <a:xfrm>
+              <a:off x="-189561" y="2705458"/>
+              <a:ext cx="540000" cy="540000"/>
+            </a:xfrm>
+            <a:prstGeom prst="ellipse">
+              <a:avLst/>
+            </a:prstGeom>
+            <a:noFill/>
+            <a:ln>
+              <a:solidFill>
+                <a:schemeClr val="bg1">
+                  <a:lumMod val="75000"/>
+                </a:schemeClr>
+              </a:solidFill>
+            </a:ln>
+          </p:spPr>
+          <p:style>
+            <a:lnRef idx="2">
+              <a:schemeClr val="accent1">
+                <a:shade val="15000"/>
+              </a:schemeClr>
+            </a:lnRef>
+            <a:fillRef idx="1">
+              <a:schemeClr val="accent1"/>
+            </a:fillRef>
+            <a:effectRef idx="0">
+              <a:schemeClr val="accent1"/>
+            </a:effectRef>
+            <a:fontRef idx="minor">
+              <a:schemeClr val="lt1"/>
+            </a:fontRef>
+          </p:style>
+          <p:txBody>
+            <a:bodyPr rtlCol="0" anchor="ctr"/>
+            <a:lstStyle/>
+            <a:p>
+              <a:pPr algn="ctr"/>
+              <a:endParaRPr kumimoji="1" lang="zh-TW" altLang="en-US" sz="1200" dirty="0">
+                <a:solidFill>
+                  <a:schemeClr val="tx1"/>
+                </a:solidFill>
+                <a:latin typeface="Microsoft JhengHei UI" panose="020B0604030504040204" pitchFamily="34" charset="-120"/>
+                <a:ea typeface="Microsoft JhengHei UI" panose="020B0604030504040204" pitchFamily="34" charset="-120"/>
+              </a:endParaRPr>
+            </a:p>
+          </p:txBody>
+        </p:sp>
+        <p:sp>
+          <p:nvSpPr>
+            <p:cNvPr id="117" name="橢圓 116">
+              <a:extLst>
+                <a:ext uri="{FF2B5EF4-FFF2-40B4-BE49-F238E27FC236}">
+                  <a16:creationId xmlns:a16="http://schemas.microsoft.com/office/drawing/2014/main" id="{66917115-7E4D-8EB0-F978-80A8A0A58A48}"/>
+                </a:ext>
+              </a:extLst>
+            </p:cNvPr>
+            <p:cNvSpPr/>
+            <p:nvPr/>
+          </p:nvSpPr>
+          <p:spPr>
+            <a:xfrm>
+              <a:off x="95363" y="1943458"/>
+              <a:ext cx="540000" cy="540000"/>
+            </a:xfrm>
+            <a:prstGeom prst="ellipse">
+              <a:avLst/>
+            </a:prstGeom>
+            <a:noFill/>
+            <a:ln>
+              <a:solidFill>
+                <a:schemeClr val="bg1">
+                  <a:lumMod val="75000"/>
+                </a:schemeClr>
+              </a:solidFill>
+            </a:ln>
+          </p:spPr>
+          <p:style>
+            <a:lnRef idx="2">
+              <a:schemeClr val="accent1">
+                <a:shade val="15000"/>
+              </a:schemeClr>
+            </a:lnRef>
+            <a:fillRef idx="1">
+              <a:schemeClr val="accent1"/>
+            </a:fillRef>
+            <a:effectRef idx="0">
+              <a:schemeClr val="accent1"/>
+            </a:effectRef>
+            <a:fontRef idx="minor">
+              <a:schemeClr val="lt1"/>
+            </a:fontRef>
+          </p:style>
+          <p:txBody>
+            <a:bodyPr rtlCol="0" anchor="ctr"/>
+            <a:lstStyle/>
+            <a:p>
+              <a:pPr algn="ctr"/>
+              <a:r>
+                <a:rPr kumimoji="1" lang="en-US" altLang="zh-TW" sz="1200" dirty="0">
+                  <a:solidFill>
+                    <a:schemeClr val="tx1"/>
+                  </a:solidFill>
+                  <a:latin typeface="Microsoft JhengHei UI" panose="020B0604030504040204" pitchFamily="34" charset="-120"/>
+                  <a:ea typeface="Microsoft JhengHei UI" panose="020B0604030504040204" pitchFamily="34" charset="-120"/>
+                </a:rPr>
+                <a:t>p</a:t>
+              </a:r>
+              <a:endParaRPr kumimoji="1" lang="zh-TW" altLang="en-US" sz="1200" dirty="0">
+                <a:solidFill>
+                  <a:schemeClr val="tx1"/>
+                </a:solidFill>
+                <a:latin typeface="Microsoft JhengHei UI" panose="020B0604030504040204" pitchFamily="34" charset="-120"/>
+                <a:ea typeface="Microsoft JhengHei UI" panose="020B0604030504040204" pitchFamily="34" charset="-120"/>
+              </a:endParaRPr>
+            </a:p>
+          </p:txBody>
+        </p:sp>
+        <p:sp>
+          <p:nvSpPr>
+            <p:cNvPr id="118" name="橢圓 117">
+              <a:extLst>
+                <a:ext uri="{FF2B5EF4-FFF2-40B4-BE49-F238E27FC236}">
+                  <a16:creationId xmlns:a16="http://schemas.microsoft.com/office/drawing/2014/main" id="{53AFA7B9-0307-A6FC-11E8-461C2A80EE90}"/>
+                </a:ext>
+              </a:extLst>
+            </p:cNvPr>
+            <p:cNvSpPr/>
+            <p:nvPr/>
+          </p:nvSpPr>
+          <p:spPr>
+            <a:xfrm>
+              <a:off x="1029638" y="2639198"/>
+              <a:ext cx="540000" cy="540000"/>
+            </a:xfrm>
+            <a:prstGeom prst="ellipse">
+              <a:avLst/>
+            </a:prstGeom>
+            <a:noFill/>
+            <a:ln>
+              <a:solidFill>
+                <a:schemeClr val="bg1">
+                  <a:lumMod val="75000"/>
+                </a:schemeClr>
+              </a:solidFill>
+            </a:ln>
+          </p:spPr>
+          <p:style>
+            <a:lnRef idx="2">
+              <a:schemeClr val="accent1">
+                <a:shade val="15000"/>
+              </a:schemeClr>
+            </a:lnRef>
+            <a:fillRef idx="1">
+              <a:schemeClr val="accent1"/>
+            </a:fillRef>
+            <a:effectRef idx="0">
+              <a:schemeClr val="accent1"/>
+            </a:effectRef>
+            <a:fontRef idx="minor">
+              <a:schemeClr val="lt1"/>
+            </a:fontRef>
+          </p:style>
+          <p:txBody>
+            <a:bodyPr rtlCol="0" anchor="ctr"/>
+            <a:lstStyle/>
+            <a:p>
+              <a:pPr algn="ctr"/>
+              <a:r>
+                <a:rPr kumimoji="1" lang="en-US" altLang="zh-TW" sz="1200" dirty="0">
+                  <a:solidFill>
+                    <a:schemeClr val="tx1"/>
+                  </a:solidFill>
+                  <a:latin typeface="Microsoft JhengHei UI" panose="020B0604030504040204" pitchFamily="34" charset="-120"/>
+                  <a:ea typeface="Microsoft JhengHei UI" panose="020B0604030504040204" pitchFamily="34" charset="-120"/>
+                </a:rPr>
+                <a:t>n</a:t>
+              </a:r>
+              <a:endParaRPr kumimoji="1" lang="zh-TW" altLang="en-US" sz="1200" dirty="0">
+                <a:solidFill>
+                  <a:schemeClr val="tx1"/>
+                </a:solidFill>
+                <a:latin typeface="Microsoft JhengHei UI" panose="020B0604030504040204" pitchFamily="34" charset="-120"/>
+                <a:ea typeface="Microsoft JhengHei UI" panose="020B0604030504040204" pitchFamily="34" charset="-120"/>
+              </a:endParaRPr>
+            </a:p>
+          </p:txBody>
+        </p:sp>
+        <p:sp>
+          <p:nvSpPr>
+            <p:cNvPr id="119" name="橢圓 118">
+              <a:extLst>
+                <a:ext uri="{FF2B5EF4-FFF2-40B4-BE49-F238E27FC236}">
+                  <a16:creationId xmlns:a16="http://schemas.microsoft.com/office/drawing/2014/main" id="{8CEAD1A8-708D-579B-C8E8-250490BCB523}"/>
+                </a:ext>
+              </a:extLst>
+            </p:cNvPr>
+            <p:cNvSpPr/>
+            <p:nvPr/>
+          </p:nvSpPr>
+          <p:spPr>
+            <a:xfrm>
+              <a:off x="830852" y="3467459"/>
+              <a:ext cx="540000" cy="540000"/>
+            </a:xfrm>
+            <a:prstGeom prst="ellipse">
+              <a:avLst/>
+            </a:prstGeom>
+            <a:noFill/>
+            <a:ln>
+              <a:solidFill>
+                <a:schemeClr val="tx1"/>
+              </a:solidFill>
+            </a:ln>
+          </p:spPr>
+          <p:style>
+            <a:lnRef idx="2">
+              <a:schemeClr val="accent1">
+                <a:shade val="15000"/>
+              </a:schemeClr>
+            </a:lnRef>
+            <a:fillRef idx="1">
+              <a:schemeClr val="accent1"/>
+            </a:fillRef>
+            <a:effectRef idx="0">
+              <a:schemeClr val="accent1"/>
+            </a:effectRef>
+            <a:fontRef idx="minor">
+              <a:schemeClr val="lt1"/>
+            </a:fontRef>
+          </p:style>
+          <p:txBody>
+            <a:bodyPr rtlCol="0" anchor="ctr"/>
+            <a:lstStyle/>
+            <a:p>
+              <a:pPr algn="ctr"/>
+              <a:r>
+                <a:rPr kumimoji="1" lang="en-US" altLang="zh-TW" sz="1200" dirty="0" err="1">
+                  <a:solidFill>
+                    <a:schemeClr val="tx1"/>
+                  </a:solidFill>
+                  <a:latin typeface="Microsoft JhengHei UI" panose="020B0604030504040204" pitchFamily="34" charset="-120"/>
+                  <a:ea typeface="Microsoft JhengHei UI" panose="020B0604030504040204" pitchFamily="34" charset="-120"/>
+                </a:rPr>
+                <a:t>m.p</a:t>
+              </a:r>
+              <a:endParaRPr kumimoji="1" lang="zh-TW" altLang="en-US" sz="1200" dirty="0">
+                <a:solidFill>
+                  <a:schemeClr val="tx1"/>
+                </a:solidFill>
+                <a:latin typeface="Microsoft JhengHei UI" panose="020B0604030504040204" pitchFamily="34" charset="-120"/>
+                <a:ea typeface="Microsoft JhengHei UI" panose="020B0604030504040204" pitchFamily="34" charset="-120"/>
+              </a:endParaRPr>
+            </a:p>
+          </p:txBody>
+        </p:sp>
+        <p:cxnSp>
+          <p:nvCxnSpPr>
+            <p:cNvPr id="120" name="直線接點 119">
+              <a:extLst>
+                <a:ext uri="{FF2B5EF4-FFF2-40B4-BE49-F238E27FC236}">
+                  <a16:creationId xmlns:a16="http://schemas.microsoft.com/office/drawing/2014/main" id="{318E1DD7-7FBA-CF12-DC36-D840AD965E83}"/>
+                </a:ext>
+              </a:extLst>
+            </p:cNvPr>
+            <p:cNvCxnSpPr>
+              <a:cxnSpLocks/>
+              <a:stCxn id="117" idx="4"/>
+              <a:endCxn id="116" idx="0"/>
+            </p:cNvCxnSpPr>
+            <p:nvPr/>
+          </p:nvCxnSpPr>
+          <p:spPr>
+            <a:xfrm flipH="1">
+              <a:off x="80439" y="2483458"/>
+              <a:ext cx="284924" cy="222000"/>
+            </a:xfrm>
+            <a:prstGeom prst="line">
+              <a:avLst/>
+            </a:prstGeom>
+            <a:ln>
+              <a:solidFill>
+                <a:schemeClr val="bg1">
+                  <a:lumMod val="75000"/>
+                </a:schemeClr>
+              </a:solidFill>
+            </a:ln>
+          </p:spPr>
+          <p:style>
+            <a:lnRef idx="2">
+              <a:schemeClr val="accent1"/>
+            </a:lnRef>
+            <a:fillRef idx="0">
+              <a:schemeClr val="accent1"/>
+            </a:fillRef>
+            <a:effectRef idx="1">
+              <a:schemeClr val="accent1"/>
+            </a:effectRef>
+            <a:fontRef idx="minor">
+              <a:schemeClr val="tx1"/>
+            </a:fontRef>
+          </p:style>
+        </p:cxnSp>
+        <p:cxnSp>
+          <p:nvCxnSpPr>
+            <p:cNvPr id="121" name="直線接點 120">
+              <a:extLst>
+                <a:ext uri="{FF2B5EF4-FFF2-40B4-BE49-F238E27FC236}">
+                  <a16:creationId xmlns:a16="http://schemas.microsoft.com/office/drawing/2014/main" id="{6F24DA1D-092A-9232-DE60-113B18E76925}"/>
+                </a:ext>
+              </a:extLst>
+            </p:cNvPr>
+            <p:cNvCxnSpPr>
+              <a:cxnSpLocks/>
+              <a:stCxn id="117" idx="4"/>
+              <a:endCxn id="118" idx="0"/>
+            </p:cNvCxnSpPr>
+            <p:nvPr/>
+          </p:nvCxnSpPr>
+          <p:spPr>
+            <a:xfrm>
+              <a:off x="365363" y="2483458"/>
+              <a:ext cx="934275" cy="155740"/>
+            </a:xfrm>
+            <a:prstGeom prst="line">
+              <a:avLst/>
+            </a:prstGeom>
+            <a:ln>
+              <a:solidFill>
+                <a:schemeClr val="bg1">
+                  <a:lumMod val="75000"/>
+                </a:schemeClr>
+              </a:solidFill>
+            </a:ln>
+          </p:spPr>
+          <p:style>
+            <a:lnRef idx="2">
+              <a:schemeClr val="accent1"/>
+            </a:lnRef>
+            <a:fillRef idx="0">
+              <a:schemeClr val="accent1"/>
+            </a:fillRef>
+            <a:effectRef idx="1">
+              <a:schemeClr val="accent1"/>
+            </a:effectRef>
+            <a:fontRef idx="minor">
+              <a:schemeClr val="tx1"/>
+            </a:fontRef>
+          </p:style>
+        </p:cxnSp>
+        <p:cxnSp>
+          <p:nvCxnSpPr>
+            <p:cNvPr id="122" name="直線接點 121">
+              <a:extLst>
+                <a:ext uri="{FF2B5EF4-FFF2-40B4-BE49-F238E27FC236}">
+                  <a16:creationId xmlns:a16="http://schemas.microsoft.com/office/drawing/2014/main" id="{CD0B233A-162A-EA31-084D-96CAAC8CBC1B}"/>
+                </a:ext>
+              </a:extLst>
+            </p:cNvPr>
+            <p:cNvCxnSpPr>
+              <a:cxnSpLocks/>
+              <a:stCxn id="118" idx="4"/>
+              <a:endCxn id="119" idx="0"/>
+            </p:cNvCxnSpPr>
+            <p:nvPr/>
+          </p:nvCxnSpPr>
+          <p:spPr>
+            <a:xfrm flipH="1">
+              <a:off x="1100852" y="3179198"/>
+              <a:ext cx="198786" cy="288261"/>
+            </a:xfrm>
+            <a:prstGeom prst="line">
+              <a:avLst/>
+            </a:prstGeom>
+            <a:ln>
+              <a:solidFill>
+                <a:schemeClr val="bg1">
+                  <a:lumMod val="75000"/>
+                </a:schemeClr>
+              </a:solidFill>
+            </a:ln>
+          </p:spPr>
+          <p:style>
+            <a:lnRef idx="2">
+              <a:schemeClr val="accent1"/>
+            </a:lnRef>
+            <a:fillRef idx="0">
+              <a:schemeClr val="accent1"/>
+            </a:fillRef>
+            <a:effectRef idx="1">
+              <a:schemeClr val="accent1"/>
+            </a:effectRef>
+            <a:fontRef idx="minor">
+              <a:schemeClr val="tx1"/>
+            </a:fontRef>
+          </p:style>
+        </p:cxnSp>
+        <p:sp>
+          <p:nvSpPr>
+            <p:cNvPr id="123" name="文字方塊 122">
+              <a:extLst>
+                <a:ext uri="{FF2B5EF4-FFF2-40B4-BE49-F238E27FC236}">
+                  <a16:creationId xmlns:a16="http://schemas.microsoft.com/office/drawing/2014/main" id="{01B01B2C-DA6B-538C-8319-D423BBA38EF1}"/>
+                </a:ext>
+              </a:extLst>
+            </p:cNvPr>
+            <p:cNvSpPr txBox="1"/>
+            <p:nvPr/>
+          </p:nvSpPr>
+          <p:spPr>
+            <a:xfrm>
+              <a:off x="643740" y="1402511"/>
+              <a:ext cx="1929233" cy="461665"/>
+            </a:xfrm>
+            <a:prstGeom prst="rect">
+              <a:avLst/>
+            </a:prstGeom>
+            <a:noFill/>
+          </p:spPr>
+          <p:txBody>
+            <a:bodyPr wrap="square" rtlCol="0">
+              <a:spAutoFit/>
+            </a:bodyPr>
+            <a:lstStyle/>
+            <a:p>
+              <a:r>
+                <a:rPr kumimoji="1" lang="en-US" altLang="zh-TW" sz="1200" dirty="0">
+                  <a:latin typeface="Microsoft JhengHei UI" panose="020B0604030504040204" pitchFamily="34" charset="-120"/>
+                  <a:ea typeface="Microsoft JhengHei UI" panose="020B0604030504040204" pitchFamily="34" charset="-120"/>
+                </a:rPr>
+                <a:t>Delete node having two child &amp; m is not leaf</a:t>
+              </a:r>
+              <a:endParaRPr kumimoji="1" lang="zh-TW" altLang="en-US" sz="1200" dirty="0">
+                <a:latin typeface="Microsoft JhengHei UI" panose="020B0604030504040204" pitchFamily="34" charset="-120"/>
+                <a:ea typeface="Microsoft JhengHei UI" panose="020B0604030504040204" pitchFamily="34" charset="-120"/>
+              </a:endParaRPr>
+            </a:p>
+          </p:txBody>
+        </p:sp>
+        <p:sp>
+          <p:nvSpPr>
+            <p:cNvPr id="124" name="橢圓 123">
+              <a:extLst>
+                <a:ext uri="{FF2B5EF4-FFF2-40B4-BE49-F238E27FC236}">
+                  <a16:creationId xmlns:a16="http://schemas.microsoft.com/office/drawing/2014/main" id="{58CE7E23-5223-2308-2A92-708A3F854295}"/>
+                </a:ext>
+              </a:extLst>
+            </p:cNvPr>
+            <p:cNvSpPr/>
+            <p:nvPr/>
+          </p:nvSpPr>
+          <p:spPr>
+            <a:xfrm>
+              <a:off x="1777604" y="3510712"/>
+              <a:ext cx="540000" cy="540000"/>
+            </a:xfrm>
+            <a:prstGeom prst="ellipse">
+              <a:avLst/>
+            </a:prstGeom>
+            <a:noFill/>
+            <a:ln>
+              <a:solidFill>
+                <a:schemeClr val="bg1">
+                  <a:lumMod val="75000"/>
+                </a:schemeClr>
+              </a:solidFill>
+            </a:ln>
+          </p:spPr>
+          <p:style>
+            <a:lnRef idx="2">
+              <a:schemeClr val="accent1">
+                <a:shade val="15000"/>
+              </a:schemeClr>
+            </a:lnRef>
+            <a:fillRef idx="1">
+              <a:schemeClr val="accent1"/>
+            </a:fillRef>
+            <a:effectRef idx="0">
+              <a:schemeClr val="accent1"/>
+            </a:effectRef>
+            <a:fontRef idx="minor">
+              <a:schemeClr val="lt1"/>
+            </a:fontRef>
+          </p:style>
+          <p:txBody>
+            <a:bodyPr rtlCol="0" anchor="ctr"/>
+            <a:lstStyle/>
+            <a:p>
+              <a:pPr algn="ctr"/>
+              <a:endParaRPr kumimoji="1" lang="zh-TW" altLang="en-US" sz="1200" dirty="0">
+                <a:solidFill>
+                  <a:schemeClr val="tx1"/>
+                </a:solidFill>
+                <a:latin typeface="Microsoft JhengHei UI" panose="020B0604030504040204" pitchFamily="34" charset="-120"/>
+                <a:ea typeface="Microsoft JhengHei UI" panose="020B0604030504040204" pitchFamily="34" charset="-120"/>
+              </a:endParaRPr>
+            </a:p>
+          </p:txBody>
+        </p:sp>
+        <p:cxnSp>
+          <p:nvCxnSpPr>
+            <p:cNvPr id="125" name="直線接點 124">
+              <a:extLst>
+                <a:ext uri="{FF2B5EF4-FFF2-40B4-BE49-F238E27FC236}">
+                  <a16:creationId xmlns:a16="http://schemas.microsoft.com/office/drawing/2014/main" id="{2BC58783-4F16-36BB-6102-3E4506E22DB1}"/>
+                </a:ext>
+              </a:extLst>
+            </p:cNvPr>
+            <p:cNvCxnSpPr>
+              <a:cxnSpLocks/>
+              <a:stCxn id="118" idx="4"/>
+              <a:endCxn id="124" idx="0"/>
+            </p:cNvCxnSpPr>
+            <p:nvPr/>
+          </p:nvCxnSpPr>
+          <p:spPr>
+            <a:xfrm>
+              <a:off x="1299638" y="3179198"/>
+              <a:ext cx="747966" cy="331514"/>
+            </a:xfrm>
+            <a:prstGeom prst="line">
+              <a:avLst/>
+            </a:prstGeom>
+            <a:ln>
+              <a:solidFill>
+                <a:schemeClr val="bg1">
+                  <a:lumMod val="75000"/>
+                </a:schemeClr>
+              </a:solidFill>
+            </a:ln>
+          </p:spPr>
+          <p:style>
+            <a:lnRef idx="2">
+              <a:schemeClr val="accent1"/>
+            </a:lnRef>
+            <a:fillRef idx="0">
+              <a:schemeClr val="accent1"/>
+            </a:fillRef>
+            <a:effectRef idx="1">
+              <a:schemeClr val="accent1"/>
+            </a:effectRef>
+            <a:fontRef idx="minor">
+              <a:schemeClr val="tx1"/>
+            </a:fontRef>
+          </p:style>
+        </p:cxnSp>
+        <p:sp>
+          <p:nvSpPr>
+            <p:cNvPr id="126" name="橢圓 125">
+              <a:extLst>
+                <a:ext uri="{FF2B5EF4-FFF2-40B4-BE49-F238E27FC236}">
+                  <a16:creationId xmlns:a16="http://schemas.microsoft.com/office/drawing/2014/main" id="{1ABEA4FD-6AD5-A036-320A-E4CFE76344ED}"/>
+                </a:ext>
+              </a:extLst>
+            </p:cNvPr>
+            <p:cNvSpPr/>
+            <p:nvPr/>
+          </p:nvSpPr>
+          <p:spPr>
+            <a:xfrm>
+              <a:off x="1247575" y="4397922"/>
+              <a:ext cx="540000" cy="540000"/>
+            </a:xfrm>
+            <a:prstGeom prst="ellipse">
+              <a:avLst/>
+            </a:prstGeom>
+            <a:noFill/>
+            <a:ln>
+              <a:solidFill>
+                <a:schemeClr val="tx1"/>
+              </a:solidFill>
+            </a:ln>
+          </p:spPr>
+          <p:style>
+            <a:lnRef idx="2">
+              <a:schemeClr val="accent1">
+                <a:shade val="15000"/>
+              </a:schemeClr>
+            </a:lnRef>
+            <a:fillRef idx="1">
+              <a:schemeClr val="accent1"/>
+            </a:fillRef>
+            <a:effectRef idx="0">
+              <a:schemeClr val="accent1"/>
+            </a:effectRef>
+            <a:fontRef idx="minor">
+              <a:schemeClr val="lt1"/>
+            </a:fontRef>
+          </p:style>
+          <p:txBody>
+            <a:bodyPr rtlCol="0" anchor="ctr"/>
+            <a:lstStyle/>
+            <a:p>
+              <a:pPr algn="ctr"/>
+              <a:r>
+                <a:rPr kumimoji="1" lang="en-US" altLang="zh-TW" sz="1200" dirty="0">
+                  <a:solidFill>
+                    <a:schemeClr val="tx1"/>
+                  </a:solidFill>
+                  <a:latin typeface="Microsoft JhengHei UI" panose="020B0604030504040204" pitchFamily="34" charset="-120"/>
+                  <a:ea typeface="Microsoft JhengHei UI" panose="020B0604030504040204" pitchFamily="34" charset="-120"/>
+                </a:rPr>
+                <a:t>m</a:t>
+              </a:r>
+              <a:endParaRPr kumimoji="1" lang="zh-TW" altLang="en-US" sz="1200" dirty="0">
+                <a:solidFill>
+                  <a:schemeClr val="tx1"/>
+                </a:solidFill>
+                <a:latin typeface="Microsoft JhengHei UI" panose="020B0604030504040204" pitchFamily="34" charset="-120"/>
+                <a:ea typeface="Microsoft JhengHei UI" panose="020B0604030504040204" pitchFamily="34" charset="-120"/>
+              </a:endParaRPr>
+            </a:p>
+          </p:txBody>
+        </p:sp>
+        <p:sp>
+          <p:nvSpPr>
+            <p:cNvPr id="127" name="橢圓 126">
+              <a:extLst>
+                <a:ext uri="{FF2B5EF4-FFF2-40B4-BE49-F238E27FC236}">
+                  <a16:creationId xmlns:a16="http://schemas.microsoft.com/office/drawing/2014/main" id="{044812B9-C1E4-85CC-C34C-D20FA09E5700}"/>
+                </a:ext>
+              </a:extLst>
+            </p:cNvPr>
+            <p:cNvSpPr/>
+            <p:nvPr/>
+          </p:nvSpPr>
+          <p:spPr>
+            <a:xfrm>
+              <a:off x="893080" y="5285132"/>
+              <a:ext cx="540000" cy="540000"/>
+            </a:xfrm>
+            <a:prstGeom prst="ellipse">
+              <a:avLst/>
+            </a:prstGeom>
+            <a:noFill/>
+            <a:ln>
+              <a:solidFill>
+                <a:schemeClr val="tx1"/>
+              </a:solidFill>
+            </a:ln>
+          </p:spPr>
+          <p:style>
+            <a:lnRef idx="2">
+              <a:schemeClr val="accent1">
+                <a:shade val="15000"/>
+              </a:schemeClr>
+            </a:lnRef>
+            <a:fillRef idx="1">
+              <a:schemeClr val="accent1"/>
+            </a:fillRef>
+            <a:effectRef idx="0">
+              <a:schemeClr val="accent1"/>
+            </a:effectRef>
+            <a:fontRef idx="minor">
+              <a:schemeClr val="lt1"/>
+            </a:fontRef>
+          </p:style>
+          <p:txBody>
+            <a:bodyPr rtlCol="0" anchor="ctr"/>
+            <a:lstStyle/>
+            <a:p>
+              <a:pPr algn="ctr"/>
+              <a:endParaRPr kumimoji="1" lang="zh-TW" altLang="en-US" sz="1200" dirty="0">
+                <a:solidFill>
+                  <a:schemeClr val="tx1"/>
+                </a:solidFill>
+                <a:latin typeface="Microsoft JhengHei UI" panose="020B0604030504040204" pitchFamily="34" charset="-120"/>
+                <a:ea typeface="Microsoft JhengHei UI" panose="020B0604030504040204" pitchFamily="34" charset="-120"/>
+              </a:endParaRPr>
+            </a:p>
+          </p:txBody>
+        </p:sp>
+        <p:cxnSp>
+          <p:nvCxnSpPr>
+            <p:cNvPr id="128" name="直線接點 127">
+              <a:extLst>
+                <a:ext uri="{FF2B5EF4-FFF2-40B4-BE49-F238E27FC236}">
+                  <a16:creationId xmlns:a16="http://schemas.microsoft.com/office/drawing/2014/main" id="{1694CA2C-3128-00F4-5309-B2EB009BBE54}"/>
+                </a:ext>
+              </a:extLst>
+            </p:cNvPr>
+            <p:cNvCxnSpPr>
+              <a:cxnSpLocks/>
+              <a:stCxn id="119" idx="4"/>
+              <a:endCxn id="126" idx="0"/>
+            </p:cNvCxnSpPr>
+            <p:nvPr/>
+          </p:nvCxnSpPr>
+          <p:spPr>
+            <a:xfrm>
+              <a:off x="1100852" y="4007459"/>
+              <a:ext cx="416723" cy="390463"/>
+            </a:xfrm>
+            <a:prstGeom prst="line">
+              <a:avLst/>
+            </a:prstGeom>
+            <a:ln>
+              <a:solidFill>
+                <a:schemeClr val="bg1">
+                  <a:lumMod val="75000"/>
+                </a:schemeClr>
+              </a:solidFill>
+            </a:ln>
+          </p:spPr>
+          <p:style>
+            <a:lnRef idx="2">
+              <a:schemeClr val="accent1"/>
+            </a:lnRef>
+            <a:fillRef idx="0">
+              <a:schemeClr val="accent1"/>
+            </a:fillRef>
+            <a:effectRef idx="1">
+              <a:schemeClr val="accent1"/>
+            </a:effectRef>
+            <a:fontRef idx="minor">
+              <a:schemeClr val="tx1"/>
+            </a:fontRef>
+          </p:style>
+        </p:cxnSp>
+        <p:sp>
+          <p:nvSpPr>
+            <p:cNvPr id="129" name="橢圓 128">
+              <a:extLst>
+                <a:ext uri="{FF2B5EF4-FFF2-40B4-BE49-F238E27FC236}">
+                  <a16:creationId xmlns:a16="http://schemas.microsoft.com/office/drawing/2014/main" id="{028D8BAE-511A-4485-0B97-73FBD3367508}"/>
+                </a:ext>
+              </a:extLst>
+            </p:cNvPr>
+            <p:cNvSpPr/>
+            <p:nvPr/>
+          </p:nvSpPr>
+          <p:spPr>
+            <a:xfrm>
+              <a:off x="435880" y="4417030"/>
+              <a:ext cx="540000" cy="540000"/>
+            </a:xfrm>
+            <a:prstGeom prst="ellipse">
+              <a:avLst/>
+            </a:prstGeom>
+            <a:noFill/>
+            <a:ln>
+              <a:solidFill>
+                <a:schemeClr val="tx1"/>
+              </a:solidFill>
+            </a:ln>
+          </p:spPr>
+          <p:style>
+            <a:lnRef idx="2">
+              <a:schemeClr val="accent1">
+                <a:shade val="15000"/>
+              </a:schemeClr>
+            </a:lnRef>
+            <a:fillRef idx="1">
+              <a:schemeClr val="accent1"/>
+            </a:fillRef>
+            <a:effectRef idx="0">
+              <a:schemeClr val="accent1"/>
+            </a:effectRef>
+            <a:fontRef idx="minor">
+              <a:schemeClr val="lt1"/>
+            </a:fontRef>
+          </p:style>
+          <p:txBody>
+            <a:bodyPr rtlCol="0" anchor="ctr"/>
+            <a:lstStyle/>
+            <a:p>
+              <a:pPr algn="ctr"/>
+              <a:endParaRPr kumimoji="1" lang="zh-TW" altLang="en-US" sz="1200" dirty="0">
+                <a:solidFill>
+                  <a:schemeClr val="tx1"/>
+                </a:solidFill>
+                <a:latin typeface="Microsoft JhengHei UI" panose="020B0604030504040204" pitchFamily="34" charset="-120"/>
+                <a:ea typeface="Microsoft JhengHei UI" panose="020B0604030504040204" pitchFamily="34" charset="-120"/>
+              </a:endParaRPr>
+            </a:p>
+          </p:txBody>
+        </p:sp>
+        <p:cxnSp>
+          <p:nvCxnSpPr>
+            <p:cNvPr id="130" name="直線接點 129">
+              <a:extLst>
+                <a:ext uri="{FF2B5EF4-FFF2-40B4-BE49-F238E27FC236}">
+                  <a16:creationId xmlns:a16="http://schemas.microsoft.com/office/drawing/2014/main" id="{A0910B33-D86B-D255-6213-B8D6A44B294E}"/>
+                </a:ext>
+              </a:extLst>
+            </p:cNvPr>
+            <p:cNvCxnSpPr>
+              <a:cxnSpLocks/>
+              <a:stCxn id="119" idx="4"/>
+              <a:endCxn id="129" idx="0"/>
+            </p:cNvCxnSpPr>
+            <p:nvPr/>
+          </p:nvCxnSpPr>
+          <p:spPr>
+            <a:xfrm flipH="1">
+              <a:off x="705880" y="4007459"/>
+              <a:ext cx="394972" cy="409571"/>
+            </a:xfrm>
+            <a:prstGeom prst="line">
+              <a:avLst/>
+            </a:prstGeom>
+            <a:ln>
+              <a:solidFill>
+                <a:schemeClr val="bg1">
+                  <a:lumMod val="75000"/>
+                </a:schemeClr>
+              </a:solidFill>
+            </a:ln>
+          </p:spPr>
+          <p:style>
+            <a:lnRef idx="2">
+              <a:schemeClr val="accent1"/>
+            </a:lnRef>
+            <a:fillRef idx="0">
+              <a:schemeClr val="accent1"/>
+            </a:fillRef>
+            <a:effectRef idx="1">
+              <a:schemeClr val="accent1"/>
+            </a:effectRef>
+            <a:fontRef idx="minor">
+              <a:schemeClr val="tx1"/>
+            </a:fontRef>
+          </p:style>
+        </p:cxnSp>
+        <p:cxnSp>
+          <p:nvCxnSpPr>
+            <p:cNvPr id="131" name="直線接點 130">
+              <a:extLst>
+                <a:ext uri="{FF2B5EF4-FFF2-40B4-BE49-F238E27FC236}">
+                  <a16:creationId xmlns:a16="http://schemas.microsoft.com/office/drawing/2014/main" id="{424C29E3-C4B5-EB2B-B75B-AF3EF5B33AAE}"/>
+                </a:ext>
+              </a:extLst>
+            </p:cNvPr>
+            <p:cNvCxnSpPr>
+              <a:cxnSpLocks/>
+              <a:stCxn id="127" idx="0"/>
+              <a:endCxn id="126" idx="4"/>
+            </p:cNvCxnSpPr>
+            <p:nvPr/>
+          </p:nvCxnSpPr>
+          <p:spPr>
+            <a:xfrm flipV="1">
+              <a:off x="1163080" y="4937922"/>
+              <a:ext cx="354495" cy="347210"/>
+            </a:xfrm>
+            <a:prstGeom prst="line">
+              <a:avLst/>
+            </a:prstGeom>
+            <a:ln>
+              <a:solidFill>
+                <a:schemeClr val="bg1">
+                  <a:lumMod val="75000"/>
+                </a:schemeClr>
+              </a:solidFill>
+            </a:ln>
+          </p:spPr>
+          <p:style>
+            <a:lnRef idx="2">
+              <a:schemeClr val="accent1"/>
+            </a:lnRef>
+            <a:fillRef idx="0">
+              <a:schemeClr val="accent1"/>
+            </a:fillRef>
+            <a:effectRef idx="1">
+              <a:schemeClr val="accent1"/>
+            </a:effectRef>
+            <a:fontRef idx="minor">
+              <a:schemeClr val="tx1"/>
+            </a:fontRef>
+          </p:style>
+        </p:cxnSp>
+        <p:sp>
+          <p:nvSpPr>
+            <p:cNvPr id="132" name="橢圓 131">
+              <a:extLst>
+                <a:ext uri="{FF2B5EF4-FFF2-40B4-BE49-F238E27FC236}">
+                  <a16:creationId xmlns:a16="http://schemas.microsoft.com/office/drawing/2014/main" id="{0E182355-CBD5-A274-313F-3D5FEB12BE90}"/>
+                </a:ext>
+              </a:extLst>
+            </p:cNvPr>
+            <p:cNvSpPr/>
+            <p:nvPr/>
+          </p:nvSpPr>
+          <p:spPr>
+            <a:xfrm>
+              <a:off x="2244866" y="4397922"/>
+              <a:ext cx="540000" cy="540000"/>
+            </a:xfrm>
+            <a:prstGeom prst="ellipse">
+              <a:avLst/>
+            </a:prstGeom>
+            <a:noFill/>
+            <a:ln>
+              <a:solidFill>
+                <a:schemeClr val="bg1">
+                  <a:lumMod val="75000"/>
+                </a:schemeClr>
+              </a:solidFill>
+            </a:ln>
+          </p:spPr>
+          <p:style>
+            <a:lnRef idx="2">
+              <a:schemeClr val="accent1">
+                <a:shade val="15000"/>
+              </a:schemeClr>
+            </a:lnRef>
+            <a:fillRef idx="1">
+              <a:schemeClr val="accent1"/>
+            </a:fillRef>
+            <a:effectRef idx="0">
+              <a:schemeClr val="accent1"/>
+            </a:effectRef>
+            <a:fontRef idx="minor">
+              <a:schemeClr val="lt1"/>
+            </a:fontRef>
+          </p:style>
+          <p:txBody>
+            <a:bodyPr rtlCol="0" anchor="ctr"/>
+            <a:lstStyle/>
+            <a:p>
+              <a:pPr algn="ctr"/>
+              <a:endParaRPr kumimoji="1" lang="zh-TW" altLang="en-US" sz="1200" dirty="0">
+                <a:solidFill>
+                  <a:schemeClr val="tx1"/>
+                </a:solidFill>
+                <a:latin typeface="Microsoft JhengHei UI" panose="020B0604030504040204" pitchFamily="34" charset="-120"/>
+                <a:ea typeface="Microsoft JhengHei UI" panose="020B0604030504040204" pitchFamily="34" charset="-120"/>
+              </a:endParaRPr>
+            </a:p>
+          </p:txBody>
+        </p:sp>
+        <p:cxnSp>
+          <p:nvCxnSpPr>
+            <p:cNvPr id="133" name="直線接點 132">
+              <a:extLst>
+                <a:ext uri="{FF2B5EF4-FFF2-40B4-BE49-F238E27FC236}">
+                  <a16:creationId xmlns:a16="http://schemas.microsoft.com/office/drawing/2014/main" id="{7AC2AE3D-1AD3-6A27-8FBA-BB86C1059CB8}"/>
+                </a:ext>
+              </a:extLst>
+            </p:cNvPr>
+            <p:cNvCxnSpPr>
+              <a:cxnSpLocks/>
+              <a:stCxn id="124" idx="4"/>
+              <a:endCxn id="132" idx="0"/>
+            </p:cNvCxnSpPr>
+            <p:nvPr/>
+          </p:nvCxnSpPr>
+          <p:spPr>
+            <a:xfrm>
+              <a:off x="2047604" y="4050712"/>
+              <a:ext cx="467262" cy="347210"/>
+            </a:xfrm>
+            <a:prstGeom prst="line">
+              <a:avLst/>
+            </a:prstGeom>
+            <a:ln>
+              <a:solidFill>
+                <a:schemeClr val="bg1">
+                  <a:lumMod val="75000"/>
+                </a:schemeClr>
+              </a:solidFill>
+            </a:ln>
+          </p:spPr>
+          <p:style>
+            <a:lnRef idx="2">
+              <a:schemeClr val="accent1"/>
+            </a:lnRef>
+            <a:fillRef idx="0">
+              <a:schemeClr val="accent1"/>
+            </a:fillRef>
+            <a:effectRef idx="1">
+              <a:schemeClr val="accent1"/>
+            </a:effectRef>
+            <a:fontRef idx="minor">
+              <a:schemeClr val="tx1"/>
+            </a:fontRef>
+          </p:style>
+        </p:cxnSp>
+      </p:grpSp>
+    </p:spTree>
+    <p:extLst>
+      <p:ext uri="{BB962C8B-B14F-4D97-AF65-F5344CB8AC3E}">
+        <p14:creationId xmlns:p14="http://schemas.microsoft.com/office/powerpoint/2010/main" val="3294549620"/>
       </p:ext>
     </p:extLst>
   </p:cSld>
